--- a/Source Control for IT Pros.pptx
+++ b/Source Control for IT Pros.pptx
@@ -2,13 +2,15 @@
 <file path=ppt/presentation.xml><?xml version="1.0" encoding="utf-8"?>
 <p:presentation xmlns:a="http://schemas.openxmlformats.org/drawingml/2006/main" xmlns:r="http://schemas.openxmlformats.org/officeDocument/2006/relationships" xmlns:p="http://schemas.openxmlformats.org/presentationml/2006/main" saveSubsetFonts="1">
   <p:sldMasterIdLst>
-    <p:sldMasterId id="2147483648" r:id="rId1"/>
+    <p:sldMasterId id="2147483660" r:id="rId1"/>
   </p:sldMasterIdLst>
   <p:sldIdLst>
     <p:sldId id="256" r:id="rId2"/>
     <p:sldId id="259" r:id="rId3"/>
     <p:sldId id="258" r:id="rId4"/>
-    <p:sldId id="260" r:id="rId5"/>
+    <p:sldId id="261" r:id="rId5"/>
+    <p:sldId id="260" r:id="rId6"/>
+    <p:sldId id="262" r:id="rId7"/>
   </p:sldIdLst>
   <p:sldSz cx="12192000" cy="6858000"/>
   <p:notesSz cx="6858000" cy="9144000"/>
@@ -132,6 +134,145 @@
           <a:chExt cx="0" cy="0"/>
         </a:xfrm>
       </p:grpSpPr>
+      <p:pic>
+        <p:nvPicPr>
+          <p:cNvPr id="7" name="Picture 6" descr="HD-ShadowLong.png"/>
+          <p:cNvPicPr>
+            <a:picLocks noChangeAspect="1"/>
+          </p:cNvPicPr>
+          <p:nvPr/>
+        </p:nvPicPr>
+        <p:blipFill>
+          <a:blip r:embed="rId2">
+            <a:extLst>
+              <a:ext uri="{28A0092B-C50C-407E-A947-70E740481C1C}">
+                <a14:useLocalDpi xmlns:a14="http://schemas.microsoft.com/office/drawing/2010/main" val="0"/>
+              </a:ext>
+            </a:extLst>
+          </a:blip>
+          <a:stretch>
+            <a:fillRect/>
+          </a:stretch>
+        </p:blipFill>
+        <p:spPr>
+          <a:xfrm>
+            <a:off x="1" y="4242851"/>
+            <a:ext cx="8968084" cy="275942"/>
+          </a:xfrm>
+          <a:prstGeom prst="rect">
+            <a:avLst/>
+          </a:prstGeom>
+        </p:spPr>
+      </p:pic>
+      <p:pic>
+        <p:nvPicPr>
+          <p:cNvPr id="8" name="Picture 7" descr="HD-ShadowShort.png"/>
+          <p:cNvPicPr>
+            <a:picLocks noChangeAspect="1"/>
+          </p:cNvPicPr>
+          <p:nvPr/>
+        </p:nvPicPr>
+        <p:blipFill>
+          <a:blip r:embed="rId3">
+            <a:extLst>
+              <a:ext uri="{28A0092B-C50C-407E-A947-70E740481C1C}">
+                <a14:useLocalDpi xmlns:a14="http://schemas.microsoft.com/office/drawing/2010/main" val="0"/>
+              </a:ext>
+            </a:extLst>
+          </a:blip>
+          <a:stretch>
+            <a:fillRect/>
+          </a:stretch>
+        </p:blipFill>
+        <p:spPr>
+          <a:xfrm>
+            <a:off x="9111716" y="4243845"/>
+            <a:ext cx="3077108" cy="276940"/>
+          </a:xfrm>
+          <a:prstGeom prst="rect">
+            <a:avLst/>
+          </a:prstGeom>
+        </p:spPr>
+      </p:pic>
+      <p:sp>
+        <p:nvSpPr>
+          <p:cNvPr id="9" name="Rectangle 8"/>
+          <p:cNvSpPr/>
+          <p:nvPr/>
+        </p:nvSpPr>
+        <p:spPr>
+          <a:xfrm>
+            <a:off x="0" y="2590078"/>
+            <a:ext cx="8968085" cy="1660332"/>
+          </a:xfrm>
+          <a:prstGeom prst="rect">
+            <a:avLst/>
+          </a:prstGeom>
+          <a:solidFill>
+            <a:schemeClr val="bg1">
+              <a:lumMod val="85000"/>
+              <a:lumOff val="15000"/>
+            </a:schemeClr>
+          </a:solidFill>
+          <a:ln>
+            <a:noFill/>
+          </a:ln>
+        </p:spPr>
+        <p:style>
+          <a:lnRef idx="2">
+            <a:schemeClr val="accent1">
+              <a:shade val="50000"/>
+            </a:schemeClr>
+          </a:lnRef>
+          <a:fillRef idx="1">
+            <a:schemeClr val="accent1"/>
+          </a:fillRef>
+          <a:effectRef idx="0">
+            <a:schemeClr val="accent1"/>
+          </a:effectRef>
+          <a:fontRef idx="minor">
+            <a:schemeClr val="lt1"/>
+          </a:fontRef>
+        </p:style>
+      </p:sp>
+      <p:sp>
+        <p:nvSpPr>
+          <p:cNvPr id="10" name="Rectangle 9"/>
+          <p:cNvSpPr/>
+          <p:nvPr/>
+        </p:nvSpPr>
+        <p:spPr>
+          <a:xfrm>
+            <a:off x="9111715" y="2590078"/>
+            <a:ext cx="3077109" cy="1660332"/>
+          </a:xfrm>
+          <a:prstGeom prst="rect">
+            <a:avLst/>
+          </a:prstGeom>
+          <a:solidFill>
+            <a:schemeClr val="accent1"/>
+          </a:solidFill>
+          <a:ln>
+            <a:noFill/>
+          </a:ln>
+        </p:spPr>
+        <p:style>
+          <a:lnRef idx="2">
+            <a:schemeClr val="accent1">
+              <a:shade val="50000"/>
+            </a:schemeClr>
+          </a:lnRef>
+          <a:fillRef idx="1">
+            <a:schemeClr val="accent1"/>
+          </a:fillRef>
+          <a:effectRef idx="0">
+            <a:schemeClr val="accent1"/>
+          </a:effectRef>
+          <a:fontRef idx="minor">
+            <a:schemeClr val="lt1"/>
+          </a:fontRef>
+        </p:style>
+      </p:sp>
       <p:sp>
         <p:nvSpPr>
           <p:cNvPr id="2" name="Title 1"/>
@@ -144,14 +285,16 @@
         </p:nvSpPr>
         <p:spPr>
           <a:xfrm>
-            <a:off x="1524000" y="1041400"/>
-            <a:ext cx="9144000" cy="2387600"/>
-          </a:xfrm>
-        </p:spPr>
-        <p:txBody>
-          <a:bodyPr anchor="b"/>
+            <a:off x="680322" y="2733709"/>
+            <a:ext cx="8144134" cy="1373070"/>
+          </a:xfrm>
+        </p:spPr>
+        <p:txBody>
+          <a:bodyPr anchor="b">
+            <a:noAutofit/>
+          </a:bodyPr>
           <a:lstStyle>
-            <a:lvl1pPr algn="ctr">
+            <a:lvl1pPr algn="r">
               <a:defRPr sz="5400"/>
             </a:lvl1pPr>
           </a:lstStyle>
@@ -160,7 +303,7 @@
               <a:rPr lang="en-US" smtClean="0"/>
               <a:t>Click to edit Master title style</a:t>
             </a:r>
-            <a:endParaRPr lang="en-US"/>
+            <a:endParaRPr lang="en-US" dirty="0"/>
           </a:p>
         </p:txBody>
       </p:sp>
@@ -176,48 +319,50 @@
         </p:nvSpPr>
         <p:spPr>
           <a:xfrm>
-            <a:off x="1524000" y="3602038"/>
-            <a:ext cx="9144000" cy="1655762"/>
-          </a:xfrm>
-        </p:spPr>
-        <p:txBody>
-          <a:bodyPr/>
+            <a:off x="680322" y="4394039"/>
+            <a:ext cx="8144134" cy="1117687"/>
+          </a:xfrm>
+        </p:spPr>
+        <p:txBody>
+          <a:bodyPr>
+            <a:normAutofit/>
+          </a:bodyPr>
           <a:lstStyle>
-            <a:lvl1pPr marL="0" indent="0" algn="ctr">
-              <a:buNone/>
-              <a:defRPr sz="3200"/>
+            <a:lvl1pPr marL="0" indent="0" algn="r">
+              <a:buNone/>
+              <a:defRPr sz="2000"/>
             </a:lvl1pPr>
             <a:lvl2pPr marL="457200" indent="0" algn="ctr">
               <a:buNone/>
-              <a:defRPr sz="2800"/>
+              <a:defRPr sz="2000"/>
             </a:lvl2pPr>
             <a:lvl3pPr marL="914400" indent="0" algn="ctr">
               <a:buNone/>
-              <a:defRPr sz="2400"/>
+              <a:defRPr sz="1800"/>
             </a:lvl3pPr>
             <a:lvl4pPr marL="1371600" indent="0" algn="ctr">
               <a:buNone/>
-              <a:defRPr sz="2000"/>
+              <a:defRPr sz="1600"/>
             </a:lvl4pPr>
             <a:lvl5pPr marL="1828800" indent="0" algn="ctr">
               <a:buNone/>
-              <a:defRPr sz="2000"/>
+              <a:defRPr sz="1600"/>
             </a:lvl5pPr>
             <a:lvl6pPr marL="2286000" indent="0" algn="ctr">
               <a:buNone/>
-              <a:defRPr sz="2000"/>
+              <a:defRPr sz="1600"/>
             </a:lvl6pPr>
             <a:lvl7pPr marL="2743200" indent="0" algn="ctr">
               <a:buNone/>
-              <a:defRPr sz="2000"/>
+              <a:defRPr sz="1600"/>
             </a:lvl7pPr>
             <a:lvl8pPr marL="3200400" indent="0" algn="ctr">
               <a:buNone/>
-              <a:defRPr sz="2000"/>
+              <a:defRPr sz="1600"/>
             </a:lvl8pPr>
             <a:lvl9pPr marL="3657600" indent="0" algn="ctr">
               <a:buNone/>
-              <a:defRPr sz="2000"/>
+              <a:defRPr sz="1600"/>
             </a:lvl9pPr>
           </a:lstStyle>
           <a:p>
@@ -225,7 +370,7 @@
               <a:rPr lang="en-US" smtClean="0"/>
               <a:t>Click to edit Master subtitle style</a:t>
             </a:r>
-            <a:endParaRPr lang="en-US"/>
+            <a:endParaRPr lang="en-US" dirty="0"/>
           </a:p>
         </p:txBody>
       </p:sp>
@@ -246,7 +391,7 @@
           <a:p>
             <a:fld id="{346E5E81-2ED8-4512-8620-486D144720FF}" type="datetimeFigureOut">
               <a:rPr lang="en-US" smtClean="0"/>
-              <a:t>4/8/2013</a:t>
+              <a:t>4/16/2013</a:t>
             </a:fld>
             <a:endParaRPr lang="en-US"/>
           </a:p>
@@ -281,7 +426,12 @@
             <p:ph type="sldNum" sz="quarter" idx="12"/>
           </p:nvPr>
         </p:nvSpPr>
-        <p:spPr/>
+        <p:spPr>
+          <a:xfrm>
+            <a:off x="9255346" y="2750337"/>
+            <a:ext cx="1171888" cy="1356442"/>
+          </a:xfrm>
+        </p:spPr>
         <p:txBody>
           <a:bodyPr/>
           <a:lstStyle/>
@@ -297,7 +447,7 @@
     </p:spTree>
     <p:extLst>
       <p:ext uri="{BB962C8B-B14F-4D97-AF65-F5344CB8AC3E}">
-        <p14:creationId xmlns:p14="http://schemas.microsoft.com/office/powerpoint/2010/main" val="2490750207"/>
+        <p14:creationId xmlns:p14="http://schemas.microsoft.com/office/powerpoint/2010/main" val="4144689908"/>
       </p:ext>
     </p:extLst>
   </p:cSld>
@@ -308,6 +458,3318 @@
 </file>
 
 <file path=ppt/slideLayouts/slideLayout10.xml><?xml version="1.0" encoding="utf-8"?>
+<p:sldLayout xmlns:a="http://schemas.openxmlformats.org/drawingml/2006/main" xmlns:r="http://schemas.openxmlformats.org/officeDocument/2006/relationships" xmlns:p="http://schemas.openxmlformats.org/presentationml/2006/main" preserve="1">
+  <p:cSld name="Panoramic Picture with Caption">
+    <p:spTree>
+      <p:nvGrpSpPr>
+        <p:cNvPr id="1" name=""/>
+        <p:cNvGrpSpPr/>
+        <p:nvPr/>
+      </p:nvGrpSpPr>
+      <p:grpSpPr>
+        <a:xfrm>
+          <a:off x="0" y="0"/>
+          <a:ext cx="0" cy="0"/>
+          <a:chOff x="0" y="0"/>
+          <a:chExt cx="0" cy="0"/>
+        </a:xfrm>
+      </p:grpSpPr>
+      <p:pic>
+        <p:nvPicPr>
+          <p:cNvPr id="8" name="Picture 7" descr="HD-ShadowLong.png"/>
+          <p:cNvPicPr>
+            <a:picLocks noChangeAspect="1"/>
+          </p:cNvPicPr>
+          <p:nvPr/>
+        </p:nvPicPr>
+        <p:blipFill>
+          <a:blip r:embed="rId2">
+            <a:extLst>
+              <a:ext uri="{28A0092B-C50C-407E-A947-70E740481C1C}">
+                <a14:useLocalDpi xmlns:a14="http://schemas.microsoft.com/office/drawing/2010/main" val="0"/>
+              </a:ext>
+            </a:extLst>
+          </a:blip>
+          <a:stretch>
+            <a:fillRect/>
+          </a:stretch>
+        </p:blipFill>
+        <p:spPr>
+          <a:xfrm>
+            <a:off x="1" y="5928628"/>
+            <a:ext cx="10437812" cy="321164"/>
+          </a:xfrm>
+          <a:prstGeom prst="rect">
+            <a:avLst/>
+          </a:prstGeom>
+        </p:spPr>
+      </p:pic>
+      <p:pic>
+        <p:nvPicPr>
+          <p:cNvPr id="9" name="Picture 8" descr="HD-ShadowShort.png"/>
+          <p:cNvPicPr>
+            <a:picLocks noChangeAspect="1"/>
+          </p:cNvPicPr>
+          <p:nvPr/>
+        </p:nvPicPr>
+        <p:blipFill>
+          <a:blip r:embed="rId3" cstate="print">
+            <a:extLst>
+              <a:ext uri="{28A0092B-C50C-407E-A947-70E740481C1C}">
+                <a14:useLocalDpi xmlns:a14="http://schemas.microsoft.com/office/drawing/2010/main" val="0"/>
+              </a:ext>
+            </a:extLst>
+          </a:blip>
+          <a:stretch>
+            <a:fillRect/>
+          </a:stretch>
+        </p:blipFill>
+        <p:spPr>
+          <a:xfrm>
+            <a:off x="10585826" y="5929622"/>
+            <a:ext cx="1602997" cy="144270"/>
+          </a:xfrm>
+          <a:prstGeom prst="rect">
+            <a:avLst/>
+          </a:prstGeom>
+        </p:spPr>
+      </p:pic>
+      <p:sp>
+        <p:nvSpPr>
+          <p:cNvPr id="10" name="Rectangle 9"/>
+          <p:cNvSpPr/>
+          <p:nvPr/>
+        </p:nvSpPr>
+        <p:spPr>
+          <a:xfrm>
+            <a:off x="0" y="4567988"/>
+            <a:ext cx="10437812" cy="1368198"/>
+          </a:xfrm>
+          <a:prstGeom prst="rect">
+            <a:avLst/>
+          </a:prstGeom>
+          <a:solidFill>
+            <a:schemeClr val="bg1">
+              <a:lumMod val="85000"/>
+              <a:lumOff val="15000"/>
+            </a:schemeClr>
+          </a:solidFill>
+          <a:ln>
+            <a:noFill/>
+          </a:ln>
+        </p:spPr>
+        <p:style>
+          <a:lnRef idx="2">
+            <a:schemeClr val="accent1">
+              <a:shade val="50000"/>
+            </a:schemeClr>
+          </a:lnRef>
+          <a:fillRef idx="1">
+            <a:schemeClr val="accent1"/>
+          </a:fillRef>
+          <a:effectRef idx="0">
+            <a:schemeClr val="accent1"/>
+          </a:effectRef>
+          <a:fontRef idx="minor">
+            <a:schemeClr val="lt1"/>
+          </a:fontRef>
+        </p:style>
+      </p:sp>
+      <p:sp>
+        <p:nvSpPr>
+          <p:cNvPr id="11" name="Rectangle 10"/>
+          <p:cNvSpPr/>
+          <p:nvPr/>
+        </p:nvSpPr>
+        <p:spPr>
+          <a:xfrm>
+            <a:off x="10585827" y="4567988"/>
+            <a:ext cx="1602997" cy="1368198"/>
+          </a:xfrm>
+          <a:prstGeom prst="rect">
+            <a:avLst/>
+          </a:prstGeom>
+          <a:solidFill>
+            <a:schemeClr val="accent1"/>
+          </a:solidFill>
+          <a:ln>
+            <a:noFill/>
+          </a:ln>
+        </p:spPr>
+        <p:style>
+          <a:lnRef idx="2">
+            <a:schemeClr val="accent1">
+              <a:shade val="50000"/>
+            </a:schemeClr>
+          </a:lnRef>
+          <a:fillRef idx="1">
+            <a:schemeClr val="accent1"/>
+          </a:fillRef>
+          <a:effectRef idx="0">
+            <a:schemeClr val="accent1"/>
+          </a:effectRef>
+          <a:fontRef idx="minor">
+            <a:schemeClr val="lt1"/>
+          </a:fontRef>
+        </p:style>
+      </p:sp>
+      <p:sp>
+        <p:nvSpPr>
+          <p:cNvPr id="2" name="Title 1"/>
+          <p:cNvSpPr>
+            <a:spLocks noGrp="1"/>
+          </p:cNvSpPr>
+          <p:nvPr>
+            <p:ph type="title"/>
+          </p:nvPr>
+        </p:nvSpPr>
+        <p:spPr>
+          <a:xfrm>
+            <a:off x="680322" y="4711616"/>
+            <a:ext cx="9613859" cy="453051"/>
+          </a:xfrm>
+        </p:spPr>
+        <p:txBody>
+          <a:bodyPr anchor="b">
+            <a:normAutofit/>
+          </a:bodyPr>
+          <a:lstStyle>
+            <a:lvl1pPr>
+              <a:defRPr sz="2400"/>
+            </a:lvl1pPr>
+          </a:lstStyle>
+          <a:p>
+            <a:r>
+              <a:rPr lang="en-US" smtClean="0"/>
+              <a:t>Click to edit Master title style</a:t>
+            </a:r>
+            <a:endParaRPr lang="en-US" dirty="0"/>
+          </a:p>
+        </p:txBody>
+      </p:sp>
+      <p:sp>
+        <p:nvSpPr>
+          <p:cNvPr id="3" name="Picture Placeholder 2"/>
+          <p:cNvSpPr>
+            <a:spLocks noGrp="1" noChangeAspect="1"/>
+          </p:cNvSpPr>
+          <p:nvPr>
+            <p:ph type="pic" idx="1"/>
+          </p:nvPr>
+        </p:nvSpPr>
+        <p:spPr>
+          <a:xfrm>
+            <a:off x="680322" y="609597"/>
+            <a:ext cx="9613859" cy="3589575"/>
+          </a:xfrm>
+          <a:noFill/>
+          <a:ln>
+            <a:noFill/>
+          </a:ln>
+          <a:effectLst>
+            <a:outerShdw blurRad="76200" dist="63500" dir="5040000" algn="tl" rotWithShape="0">
+              <a:srgbClr val="000000">
+                <a:alpha val="41000"/>
+              </a:srgbClr>
+            </a:outerShdw>
+          </a:effectLst>
+        </p:spPr>
+        <p:txBody>
+          <a:bodyPr anchor="t"/>
+          <a:lstStyle>
+            <a:lvl1pPr marL="0" indent="0">
+              <a:buNone/>
+              <a:defRPr sz="3200"/>
+            </a:lvl1pPr>
+            <a:lvl2pPr marL="457200" indent="0">
+              <a:buNone/>
+              <a:defRPr sz="2800"/>
+            </a:lvl2pPr>
+            <a:lvl3pPr marL="914400" indent="0">
+              <a:buNone/>
+              <a:defRPr sz="2400"/>
+            </a:lvl3pPr>
+            <a:lvl4pPr marL="1371600" indent="0">
+              <a:buNone/>
+              <a:defRPr sz="2000"/>
+            </a:lvl4pPr>
+            <a:lvl5pPr marL="1828800" indent="0">
+              <a:buNone/>
+              <a:defRPr sz="2000"/>
+            </a:lvl5pPr>
+            <a:lvl6pPr marL="2286000" indent="0">
+              <a:buNone/>
+              <a:defRPr sz="2000"/>
+            </a:lvl6pPr>
+            <a:lvl7pPr marL="2743200" indent="0">
+              <a:buNone/>
+              <a:defRPr sz="2000"/>
+            </a:lvl7pPr>
+            <a:lvl8pPr marL="3200400" indent="0">
+              <a:buNone/>
+              <a:defRPr sz="2000"/>
+            </a:lvl8pPr>
+            <a:lvl9pPr marL="3657600" indent="0">
+              <a:buNone/>
+              <a:defRPr sz="2000"/>
+            </a:lvl9pPr>
+          </a:lstStyle>
+          <a:p>
+            <a:r>
+              <a:rPr lang="en-US" smtClean="0"/>
+              <a:t>Click icon to add picture</a:t>
+            </a:r>
+            <a:endParaRPr lang="en-US" dirty="0"/>
+          </a:p>
+        </p:txBody>
+      </p:sp>
+      <p:sp>
+        <p:nvSpPr>
+          <p:cNvPr id="4" name="Text Placeholder 3"/>
+          <p:cNvSpPr>
+            <a:spLocks noGrp="1"/>
+          </p:cNvSpPr>
+          <p:nvPr>
+            <p:ph type="body" sz="half" idx="2"/>
+          </p:nvPr>
+        </p:nvSpPr>
+        <p:spPr>
+          <a:xfrm>
+            <a:off x="680319" y="5169583"/>
+            <a:ext cx="9613862" cy="622971"/>
+          </a:xfrm>
+        </p:spPr>
+        <p:txBody>
+          <a:bodyPr/>
+          <a:lstStyle>
+            <a:lvl1pPr marL="0" indent="0">
+              <a:buNone/>
+              <a:defRPr sz="1600"/>
+            </a:lvl1pPr>
+            <a:lvl2pPr marL="457200" indent="0">
+              <a:buNone/>
+              <a:defRPr sz="1400"/>
+            </a:lvl2pPr>
+            <a:lvl3pPr marL="914400" indent="0">
+              <a:buNone/>
+              <a:defRPr sz="1200"/>
+            </a:lvl3pPr>
+            <a:lvl4pPr marL="1371600" indent="0">
+              <a:buNone/>
+              <a:defRPr sz="1000"/>
+            </a:lvl4pPr>
+            <a:lvl5pPr marL="1828800" indent="0">
+              <a:buNone/>
+              <a:defRPr sz="1000"/>
+            </a:lvl5pPr>
+            <a:lvl6pPr marL="2286000" indent="0">
+              <a:buNone/>
+              <a:defRPr sz="1000"/>
+            </a:lvl6pPr>
+            <a:lvl7pPr marL="2743200" indent="0">
+              <a:buNone/>
+              <a:defRPr sz="1000"/>
+            </a:lvl7pPr>
+            <a:lvl8pPr marL="3200400" indent="0">
+              <a:buNone/>
+              <a:defRPr sz="1000"/>
+            </a:lvl8pPr>
+            <a:lvl9pPr marL="3657600" indent="0">
+              <a:buNone/>
+              <a:defRPr sz="1000"/>
+            </a:lvl9pPr>
+          </a:lstStyle>
+          <a:p>
+            <a:pPr lvl="0"/>
+            <a:r>
+              <a:rPr lang="en-US" smtClean="0"/>
+              <a:t>Click to edit Master text styles</a:t>
+            </a:r>
+          </a:p>
+        </p:txBody>
+      </p:sp>
+      <p:sp>
+        <p:nvSpPr>
+          <p:cNvPr id="5" name="Date Placeholder 4"/>
+          <p:cNvSpPr>
+            <a:spLocks noGrp="1"/>
+          </p:cNvSpPr>
+          <p:nvPr>
+            <p:ph type="dt" sz="half" idx="10"/>
+          </p:nvPr>
+        </p:nvSpPr>
+        <p:spPr/>
+        <p:txBody>
+          <a:bodyPr/>
+          <a:lstStyle/>
+          <a:p>
+            <a:fld id="{346E5E81-2ED8-4512-8620-486D144720FF}" type="datetimeFigureOut">
+              <a:rPr lang="en-US" smtClean="0"/>
+              <a:t>4/16/2013</a:t>
+            </a:fld>
+            <a:endParaRPr lang="en-US"/>
+          </a:p>
+        </p:txBody>
+      </p:sp>
+      <p:sp>
+        <p:nvSpPr>
+          <p:cNvPr id="6" name="Footer Placeholder 5"/>
+          <p:cNvSpPr>
+            <a:spLocks noGrp="1"/>
+          </p:cNvSpPr>
+          <p:nvPr>
+            <p:ph type="ftr" sz="quarter" idx="11"/>
+          </p:nvPr>
+        </p:nvSpPr>
+        <p:spPr/>
+        <p:txBody>
+          <a:bodyPr/>
+          <a:lstStyle/>
+          <a:p>
+            <a:endParaRPr lang="en-US"/>
+          </a:p>
+        </p:txBody>
+      </p:sp>
+      <p:sp>
+        <p:nvSpPr>
+          <p:cNvPr id="7" name="Slide Number Placeholder 6"/>
+          <p:cNvSpPr>
+            <a:spLocks noGrp="1"/>
+          </p:cNvSpPr>
+          <p:nvPr>
+            <p:ph type="sldNum" sz="quarter" idx="12"/>
+          </p:nvPr>
+        </p:nvSpPr>
+        <p:spPr>
+          <a:xfrm>
+            <a:off x="10729455" y="4711309"/>
+            <a:ext cx="1154151" cy="1090789"/>
+          </a:xfrm>
+        </p:spPr>
+        <p:txBody>
+          <a:bodyPr/>
+          <a:lstStyle/>
+          <a:p>
+            <a:fld id="{B70B7430-D1C7-4683-AB27-07761046DF7E}" type="slidenum">
+              <a:rPr lang="en-US" smtClean="0"/>
+              <a:t>‹#›</a:t>
+            </a:fld>
+            <a:endParaRPr lang="en-US"/>
+          </a:p>
+        </p:txBody>
+      </p:sp>
+    </p:spTree>
+    <p:extLst>
+      <p:ext uri="{BB962C8B-B14F-4D97-AF65-F5344CB8AC3E}">
+        <p14:creationId xmlns:p14="http://schemas.microsoft.com/office/powerpoint/2010/main" val="1041691103"/>
+      </p:ext>
+    </p:extLst>
+  </p:cSld>
+  <p:clrMapOvr>
+    <a:masterClrMapping/>
+  </p:clrMapOvr>
+</p:sldLayout>
+</file>
+
+<file path=ppt/slideLayouts/slideLayout11.xml><?xml version="1.0" encoding="utf-8"?>
+<p:sldLayout xmlns:a="http://schemas.openxmlformats.org/drawingml/2006/main" xmlns:r="http://schemas.openxmlformats.org/officeDocument/2006/relationships" xmlns:p="http://schemas.openxmlformats.org/presentationml/2006/main" preserve="1">
+  <p:cSld name="Title and Caption">
+    <p:spTree>
+      <p:nvGrpSpPr>
+        <p:cNvPr id="1" name=""/>
+        <p:cNvGrpSpPr/>
+        <p:nvPr/>
+      </p:nvGrpSpPr>
+      <p:grpSpPr>
+        <a:xfrm>
+          <a:off x="0" y="0"/>
+          <a:ext cx="0" cy="0"/>
+          <a:chOff x="0" y="0"/>
+          <a:chExt cx="0" cy="0"/>
+        </a:xfrm>
+      </p:grpSpPr>
+      <p:pic>
+        <p:nvPicPr>
+          <p:cNvPr id="8" name="Picture 7" descr="HD-ShadowLong.png"/>
+          <p:cNvPicPr>
+            <a:picLocks noChangeAspect="1"/>
+          </p:cNvPicPr>
+          <p:nvPr/>
+        </p:nvPicPr>
+        <p:blipFill>
+          <a:blip r:embed="rId2">
+            <a:extLst>
+              <a:ext uri="{28A0092B-C50C-407E-A947-70E740481C1C}">
+                <a14:useLocalDpi xmlns:a14="http://schemas.microsoft.com/office/drawing/2010/main" val="0"/>
+              </a:ext>
+            </a:extLst>
+          </a:blip>
+          <a:stretch>
+            <a:fillRect/>
+          </a:stretch>
+        </p:blipFill>
+        <p:spPr>
+          <a:xfrm>
+            <a:off x="1" y="5928628"/>
+            <a:ext cx="10437812" cy="321164"/>
+          </a:xfrm>
+          <a:prstGeom prst="rect">
+            <a:avLst/>
+          </a:prstGeom>
+        </p:spPr>
+      </p:pic>
+      <p:pic>
+        <p:nvPicPr>
+          <p:cNvPr id="9" name="Picture 8" descr="HD-ShadowShort.png"/>
+          <p:cNvPicPr>
+            <a:picLocks noChangeAspect="1"/>
+          </p:cNvPicPr>
+          <p:nvPr/>
+        </p:nvPicPr>
+        <p:blipFill>
+          <a:blip r:embed="rId3" cstate="print">
+            <a:extLst>
+              <a:ext uri="{28A0092B-C50C-407E-A947-70E740481C1C}">
+                <a14:useLocalDpi xmlns:a14="http://schemas.microsoft.com/office/drawing/2010/main" val="0"/>
+              </a:ext>
+            </a:extLst>
+          </a:blip>
+          <a:stretch>
+            <a:fillRect/>
+          </a:stretch>
+        </p:blipFill>
+        <p:spPr>
+          <a:xfrm>
+            <a:off x="10585826" y="5929622"/>
+            <a:ext cx="1602997" cy="144270"/>
+          </a:xfrm>
+          <a:prstGeom prst="rect">
+            <a:avLst/>
+          </a:prstGeom>
+        </p:spPr>
+      </p:pic>
+      <p:sp>
+        <p:nvSpPr>
+          <p:cNvPr id="10" name="Rectangle 9"/>
+          <p:cNvSpPr/>
+          <p:nvPr/>
+        </p:nvSpPr>
+        <p:spPr>
+          <a:xfrm>
+            <a:off x="0" y="4567988"/>
+            <a:ext cx="10437812" cy="1368198"/>
+          </a:xfrm>
+          <a:prstGeom prst="rect">
+            <a:avLst/>
+          </a:prstGeom>
+          <a:solidFill>
+            <a:schemeClr val="bg1">
+              <a:lumMod val="85000"/>
+              <a:lumOff val="15000"/>
+            </a:schemeClr>
+          </a:solidFill>
+          <a:ln>
+            <a:noFill/>
+          </a:ln>
+        </p:spPr>
+        <p:style>
+          <a:lnRef idx="2">
+            <a:schemeClr val="accent1">
+              <a:shade val="50000"/>
+            </a:schemeClr>
+          </a:lnRef>
+          <a:fillRef idx="1">
+            <a:schemeClr val="accent1"/>
+          </a:fillRef>
+          <a:effectRef idx="0">
+            <a:schemeClr val="accent1"/>
+          </a:effectRef>
+          <a:fontRef idx="minor">
+            <a:schemeClr val="lt1"/>
+          </a:fontRef>
+        </p:style>
+      </p:sp>
+      <p:sp>
+        <p:nvSpPr>
+          <p:cNvPr id="11" name="Rectangle 10"/>
+          <p:cNvSpPr/>
+          <p:nvPr/>
+        </p:nvSpPr>
+        <p:spPr>
+          <a:xfrm>
+            <a:off x="10585827" y="4567988"/>
+            <a:ext cx="1602997" cy="1368198"/>
+          </a:xfrm>
+          <a:prstGeom prst="rect">
+            <a:avLst/>
+          </a:prstGeom>
+          <a:solidFill>
+            <a:schemeClr val="accent1"/>
+          </a:solidFill>
+          <a:ln>
+            <a:noFill/>
+          </a:ln>
+        </p:spPr>
+        <p:style>
+          <a:lnRef idx="2">
+            <a:schemeClr val="accent1">
+              <a:shade val="50000"/>
+            </a:schemeClr>
+          </a:lnRef>
+          <a:fillRef idx="1">
+            <a:schemeClr val="accent1"/>
+          </a:fillRef>
+          <a:effectRef idx="0">
+            <a:schemeClr val="accent1"/>
+          </a:effectRef>
+          <a:fontRef idx="minor">
+            <a:schemeClr val="lt1"/>
+          </a:fontRef>
+        </p:style>
+      </p:sp>
+      <p:sp>
+        <p:nvSpPr>
+          <p:cNvPr id="2" name="Title 1"/>
+          <p:cNvSpPr>
+            <a:spLocks noGrp="1"/>
+          </p:cNvSpPr>
+          <p:nvPr>
+            <p:ph type="title"/>
+          </p:nvPr>
+        </p:nvSpPr>
+        <p:spPr>
+          <a:xfrm>
+            <a:off x="680322" y="609597"/>
+            <a:ext cx="9613858" cy="3592750"/>
+          </a:xfrm>
+        </p:spPr>
+        <p:txBody>
+          <a:bodyPr anchor="ctr"/>
+          <a:lstStyle>
+            <a:lvl1pPr>
+              <a:defRPr sz="3200"/>
+            </a:lvl1pPr>
+          </a:lstStyle>
+          <a:p>
+            <a:r>
+              <a:rPr lang="en-US" smtClean="0"/>
+              <a:t>Click to edit Master title style</a:t>
+            </a:r>
+            <a:endParaRPr lang="en-US" dirty="0"/>
+          </a:p>
+        </p:txBody>
+      </p:sp>
+      <p:sp>
+        <p:nvSpPr>
+          <p:cNvPr id="4" name="Text Placeholder 3"/>
+          <p:cNvSpPr>
+            <a:spLocks noGrp="1"/>
+          </p:cNvSpPr>
+          <p:nvPr>
+            <p:ph type="body" sz="half" idx="2"/>
+          </p:nvPr>
+        </p:nvSpPr>
+        <p:spPr>
+          <a:xfrm>
+            <a:off x="680322" y="4711615"/>
+            <a:ext cx="9613859" cy="1090789"/>
+          </a:xfrm>
+        </p:spPr>
+        <p:txBody>
+          <a:bodyPr anchor="ctr"/>
+          <a:lstStyle>
+            <a:lvl1pPr marL="0" indent="0">
+              <a:buNone/>
+              <a:defRPr sz="1600"/>
+            </a:lvl1pPr>
+            <a:lvl2pPr marL="457200" indent="0">
+              <a:buNone/>
+              <a:defRPr sz="1400"/>
+            </a:lvl2pPr>
+            <a:lvl3pPr marL="914400" indent="0">
+              <a:buNone/>
+              <a:defRPr sz="1200"/>
+            </a:lvl3pPr>
+            <a:lvl4pPr marL="1371600" indent="0">
+              <a:buNone/>
+              <a:defRPr sz="1000"/>
+            </a:lvl4pPr>
+            <a:lvl5pPr marL="1828800" indent="0">
+              <a:buNone/>
+              <a:defRPr sz="1000"/>
+            </a:lvl5pPr>
+            <a:lvl6pPr marL="2286000" indent="0">
+              <a:buNone/>
+              <a:defRPr sz="1000"/>
+            </a:lvl6pPr>
+            <a:lvl7pPr marL="2743200" indent="0">
+              <a:buNone/>
+              <a:defRPr sz="1000"/>
+            </a:lvl7pPr>
+            <a:lvl8pPr marL="3200400" indent="0">
+              <a:buNone/>
+              <a:defRPr sz="1000"/>
+            </a:lvl8pPr>
+            <a:lvl9pPr marL="3657600" indent="0">
+              <a:buNone/>
+              <a:defRPr sz="1000"/>
+            </a:lvl9pPr>
+          </a:lstStyle>
+          <a:p>
+            <a:pPr lvl="0"/>
+            <a:r>
+              <a:rPr lang="en-US" smtClean="0"/>
+              <a:t>Click to edit Master text styles</a:t>
+            </a:r>
+          </a:p>
+        </p:txBody>
+      </p:sp>
+      <p:sp>
+        <p:nvSpPr>
+          <p:cNvPr id="5" name="Date Placeholder 4"/>
+          <p:cNvSpPr>
+            <a:spLocks noGrp="1"/>
+          </p:cNvSpPr>
+          <p:nvPr>
+            <p:ph type="dt" sz="half" idx="10"/>
+          </p:nvPr>
+        </p:nvSpPr>
+        <p:spPr/>
+        <p:txBody>
+          <a:bodyPr/>
+          <a:lstStyle/>
+          <a:p>
+            <a:fld id="{346E5E81-2ED8-4512-8620-486D144720FF}" type="datetimeFigureOut">
+              <a:rPr lang="en-US" smtClean="0"/>
+              <a:t>4/16/2013</a:t>
+            </a:fld>
+            <a:endParaRPr lang="en-US"/>
+          </a:p>
+        </p:txBody>
+      </p:sp>
+      <p:sp>
+        <p:nvSpPr>
+          <p:cNvPr id="6" name="Footer Placeholder 5"/>
+          <p:cNvSpPr>
+            <a:spLocks noGrp="1"/>
+          </p:cNvSpPr>
+          <p:nvPr>
+            <p:ph type="ftr" sz="quarter" idx="11"/>
+          </p:nvPr>
+        </p:nvSpPr>
+        <p:spPr/>
+        <p:txBody>
+          <a:bodyPr/>
+          <a:lstStyle/>
+          <a:p>
+            <a:endParaRPr lang="en-US"/>
+          </a:p>
+        </p:txBody>
+      </p:sp>
+      <p:sp>
+        <p:nvSpPr>
+          <p:cNvPr id="7" name="Slide Number Placeholder 6"/>
+          <p:cNvSpPr>
+            <a:spLocks noGrp="1"/>
+          </p:cNvSpPr>
+          <p:nvPr>
+            <p:ph type="sldNum" sz="quarter" idx="12"/>
+          </p:nvPr>
+        </p:nvSpPr>
+        <p:spPr>
+          <a:xfrm>
+            <a:off x="10729455" y="4711615"/>
+            <a:ext cx="1154151" cy="1090789"/>
+          </a:xfrm>
+        </p:spPr>
+        <p:txBody>
+          <a:bodyPr/>
+          <a:lstStyle/>
+          <a:p>
+            <a:fld id="{B70B7430-D1C7-4683-AB27-07761046DF7E}" type="slidenum">
+              <a:rPr lang="en-US" smtClean="0"/>
+              <a:t>‹#›</a:t>
+            </a:fld>
+            <a:endParaRPr lang="en-US"/>
+          </a:p>
+        </p:txBody>
+      </p:sp>
+    </p:spTree>
+    <p:extLst>
+      <p:ext uri="{BB962C8B-B14F-4D97-AF65-F5344CB8AC3E}">
+        <p14:creationId xmlns:p14="http://schemas.microsoft.com/office/powerpoint/2010/main" val="2227799035"/>
+      </p:ext>
+    </p:extLst>
+  </p:cSld>
+  <p:clrMapOvr>
+    <a:masterClrMapping/>
+  </p:clrMapOvr>
+</p:sldLayout>
+</file>
+
+<file path=ppt/slideLayouts/slideLayout12.xml><?xml version="1.0" encoding="utf-8"?>
+<p:sldLayout xmlns:a="http://schemas.openxmlformats.org/drawingml/2006/main" xmlns:r="http://schemas.openxmlformats.org/officeDocument/2006/relationships" xmlns:p="http://schemas.openxmlformats.org/presentationml/2006/main" preserve="1">
+  <p:cSld name="Quote with Caption">
+    <p:spTree>
+      <p:nvGrpSpPr>
+        <p:cNvPr id="1" name=""/>
+        <p:cNvGrpSpPr/>
+        <p:nvPr/>
+      </p:nvGrpSpPr>
+      <p:grpSpPr>
+        <a:xfrm>
+          <a:off x="0" y="0"/>
+          <a:ext cx="0" cy="0"/>
+          <a:chOff x="0" y="0"/>
+          <a:chExt cx="0" cy="0"/>
+        </a:xfrm>
+      </p:grpSpPr>
+      <p:pic>
+        <p:nvPicPr>
+          <p:cNvPr id="11" name="Picture 10" descr="HD-ShadowLong.png"/>
+          <p:cNvPicPr>
+            <a:picLocks noChangeAspect="1"/>
+          </p:cNvPicPr>
+          <p:nvPr/>
+        </p:nvPicPr>
+        <p:blipFill>
+          <a:blip r:embed="rId2">
+            <a:extLst>
+              <a:ext uri="{28A0092B-C50C-407E-A947-70E740481C1C}">
+                <a14:useLocalDpi xmlns:a14="http://schemas.microsoft.com/office/drawing/2010/main" val="0"/>
+              </a:ext>
+            </a:extLst>
+          </a:blip>
+          <a:stretch>
+            <a:fillRect/>
+          </a:stretch>
+        </p:blipFill>
+        <p:spPr>
+          <a:xfrm>
+            <a:off x="1" y="5928628"/>
+            <a:ext cx="10437812" cy="321164"/>
+          </a:xfrm>
+          <a:prstGeom prst="rect">
+            <a:avLst/>
+          </a:prstGeom>
+        </p:spPr>
+      </p:pic>
+      <p:pic>
+        <p:nvPicPr>
+          <p:cNvPr id="13" name="Picture 12" descr="HD-ShadowShort.png"/>
+          <p:cNvPicPr>
+            <a:picLocks noChangeAspect="1"/>
+          </p:cNvPicPr>
+          <p:nvPr/>
+        </p:nvPicPr>
+        <p:blipFill>
+          <a:blip r:embed="rId3" cstate="print">
+            <a:extLst>
+              <a:ext uri="{28A0092B-C50C-407E-A947-70E740481C1C}">
+                <a14:useLocalDpi xmlns:a14="http://schemas.microsoft.com/office/drawing/2010/main" val="0"/>
+              </a:ext>
+            </a:extLst>
+          </a:blip>
+          <a:stretch>
+            <a:fillRect/>
+          </a:stretch>
+        </p:blipFill>
+        <p:spPr>
+          <a:xfrm>
+            <a:off x="10585826" y="5929622"/>
+            <a:ext cx="1602997" cy="144270"/>
+          </a:xfrm>
+          <a:prstGeom prst="rect">
+            <a:avLst/>
+          </a:prstGeom>
+        </p:spPr>
+      </p:pic>
+      <p:sp>
+        <p:nvSpPr>
+          <p:cNvPr id="14" name="Rectangle 13"/>
+          <p:cNvSpPr/>
+          <p:nvPr/>
+        </p:nvSpPr>
+        <p:spPr>
+          <a:xfrm>
+            <a:off x="0" y="4567988"/>
+            <a:ext cx="10437812" cy="1368198"/>
+          </a:xfrm>
+          <a:prstGeom prst="rect">
+            <a:avLst/>
+          </a:prstGeom>
+          <a:solidFill>
+            <a:schemeClr val="bg1">
+              <a:lumMod val="85000"/>
+              <a:lumOff val="15000"/>
+            </a:schemeClr>
+          </a:solidFill>
+          <a:ln>
+            <a:noFill/>
+          </a:ln>
+        </p:spPr>
+        <p:style>
+          <a:lnRef idx="2">
+            <a:schemeClr val="accent1">
+              <a:shade val="50000"/>
+            </a:schemeClr>
+          </a:lnRef>
+          <a:fillRef idx="1">
+            <a:schemeClr val="accent1"/>
+          </a:fillRef>
+          <a:effectRef idx="0">
+            <a:schemeClr val="accent1"/>
+          </a:effectRef>
+          <a:fontRef idx="minor">
+            <a:schemeClr val="lt1"/>
+          </a:fontRef>
+        </p:style>
+      </p:sp>
+      <p:sp>
+        <p:nvSpPr>
+          <p:cNvPr id="15" name="Rectangle 14"/>
+          <p:cNvSpPr/>
+          <p:nvPr/>
+        </p:nvSpPr>
+        <p:spPr>
+          <a:xfrm>
+            <a:off x="10585827" y="4567988"/>
+            <a:ext cx="1602997" cy="1368198"/>
+          </a:xfrm>
+          <a:prstGeom prst="rect">
+            <a:avLst/>
+          </a:prstGeom>
+          <a:solidFill>
+            <a:schemeClr val="accent1"/>
+          </a:solidFill>
+          <a:ln>
+            <a:noFill/>
+          </a:ln>
+        </p:spPr>
+        <p:style>
+          <a:lnRef idx="2">
+            <a:schemeClr val="accent1">
+              <a:shade val="50000"/>
+            </a:schemeClr>
+          </a:lnRef>
+          <a:fillRef idx="1">
+            <a:schemeClr val="accent1"/>
+          </a:fillRef>
+          <a:effectRef idx="0">
+            <a:schemeClr val="accent1"/>
+          </a:effectRef>
+          <a:fontRef idx="minor">
+            <a:schemeClr val="lt1"/>
+          </a:fontRef>
+        </p:style>
+      </p:sp>
+      <p:sp>
+        <p:nvSpPr>
+          <p:cNvPr id="2" name="Title 1"/>
+          <p:cNvSpPr>
+            <a:spLocks noGrp="1"/>
+          </p:cNvSpPr>
+          <p:nvPr>
+            <p:ph type="title"/>
+          </p:nvPr>
+        </p:nvSpPr>
+        <p:spPr>
+          <a:xfrm>
+            <a:off x="1127856" y="609598"/>
+            <a:ext cx="8718877" cy="3036061"/>
+          </a:xfrm>
+        </p:spPr>
+        <p:txBody>
+          <a:bodyPr anchor="ctr"/>
+          <a:lstStyle>
+            <a:lvl1pPr>
+              <a:defRPr sz="3200"/>
+            </a:lvl1pPr>
+          </a:lstStyle>
+          <a:p>
+            <a:r>
+              <a:rPr lang="en-US" smtClean="0"/>
+              <a:t>Click to edit Master title style</a:t>
+            </a:r>
+            <a:endParaRPr lang="en-US" dirty="0"/>
+          </a:p>
+        </p:txBody>
+      </p:sp>
+      <p:sp>
+        <p:nvSpPr>
+          <p:cNvPr id="12" name="Text Placeholder 3"/>
+          <p:cNvSpPr>
+            <a:spLocks noGrp="1"/>
+          </p:cNvSpPr>
+          <p:nvPr>
+            <p:ph type="body" sz="half" idx="13"/>
+          </p:nvPr>
+        </p:nvSpPr>
+        <p:spPr>
+          <a:xfrm>
+            <a:off x="1402288" y="3653379"/>
+            <a:ext cx="8156579" cy="548968"/>
+          </a:xfrm>
+        </p:spPr>
+        <p:txBody>
+          <a:bodyPr anchor="t">
+            <a:normAutofit/>
+          </a:bodyPr>
+          <a:lstStyle>
+            <a:lvl1pPr marL="0" indent="0">
+              <a:buNone/>
+              <a:defRPr sz="1400"/>
+            </a:lvl1pPr>
+            <a:lvl2pPr marL="457200" indent="0">
+              <a:buNone/>
+              <a:defRPr sz="1400"/>
+            </a:lvl2pPr>
+            <a:lvl3pPr marL="914400" indent="0">
+              <a:buNone/>
+              <a:defRPr sz="1200"/>
+            </a:lvl3pPr>
+            <a:lvl4pPr marL="1371600" indent="0">
+              <a:buNone/>
+              <a:defRPr sz="1000"/>
+            </a:lvl4pPr>
+            <a:lvl5pPr marL="1828800" indent="0">
+              <a:buNone/>
+              <a:defRPr sz="1000"/>
+            </a:lvl5pPr>
+            <a:lvl6pPr marL="2286000" indent="0">
+              <a:buNone/>
+              <a:defRPr sz="1000"/>
+            </a:lvl6pPr>
+            <a:lvl7pPr marL="2743200" indent="0">
+              <a:buNone/>
+              <a:defRPr sz="1000"/>
+            </a:lvl7pPr>
+            <a:lvl8pPr marL="3200400" indent="0">
+              <a:buNone/>
+              <a:defRPr sz="1000"/>
+            </a:lvl8pPr>
+            <a:lvl9pPr marL="3657600" indent="0">
+              <a:buNone/>
+              <a:defRPr sz="1000"/>
+            </a:lvl9pPr>
+          </a:lstStyle>
+          <a:p>
+            <a:pPr lvl="0"/>
+            <a:r>
+              <a:rPr lang="en-US" smtClean="0"/>
+              <a:t>Click to edit Master text styles</a:t>
+            </a:r>
+          </a:p>
+        </p:txBody>
+      </p:sp>
+      <p:sp>
+        <p:nvSpPr>
+          <p:cNvPr id="4" name="Text Placeholder 3"/>
+          <p:cNvSpPr>
+            <a:spLocks noGrp="1"/>
+          </p:cNvSpPr>
+          <p:nvPr>
+            <p:ph type="body" sz="half" idx="2"/>
+          </p:nvPr>
+        </p:nvSpPr>
+        <p:spPr>
+          <a:xfrm>
+            <a:off x="680322" y="4711615"/>
+            <a:ext cx="9613859" cy="1090789"/>
+          </a:xfrm>
+        </p:spPr>
+        <p:txBody>
+          <a:bodyPr anchor="ctr">
+            <a:normAutofit/>
+          </a:bodyPr>
+          <a:lstStyle>
+            <a:lvl1pPr marL="0" indent="0">
+              <a:buNone/>
+              <a:defRPr sz="1600"/>
+            </a:lvl1pPr>
+            <a:lvl2pPr marL="457200" indent="0">
+              <a:buNone/>
+              <a:defRPr sz="1400"/>
+            </a:lvl2pPr>
+            <a:lvl3pPr marL="914400" indent="0">
+              <a:buNone/>
+              <a:defRPr sz="1200"/>
+            </a:lvl3pPr>
+            <a:lvl4pPr marL="1371600" indent="0">
+              <a:buNone/>
+              <a:defRPr sz="1000"/>
+            </a:lvl4pPr>
+            <a:lvl5pPr marL="1828800" indent="0">
+              <a:buNone/>
+              <a:defRPr sz="1000"/>
+            </a:lvl5pPr>
+            <a:lvl6pPr marL="2286000" indent="0">
+              <a:buNone/>
+              <a:defRPr sz="1000"/>
+            </a:lvl6pPr>
+            <a:lvl7pPr marL="2743200" indent="0">
+              <a:buNone/>
+              <a:defRPr sz="1000"/>
+            </a:lvl7pPr>
+            <a:lvl8pPr marL="3200400" indent="0">
+              <a:buNone/>
+              <a:defRPr sz="1000"/>
+            </a:lvl8pPr>
+            <a:lvl9pPr marL="3657600" indent="0">
+              <a:buNone/>
+              <a:defRPr sz="1000"/>
+            </a:lvl9pPr>
+          </a:lstStyle>
+          <a:p>
+            <a:pPr lvl="0"/>
+            <a:r>
+              <a:rPr lang="en-US" smtClean="0"/>
+              <a:t>Click to edit Master text styles</a:t>
+            </a:r>
+          </a:p>
+        </p:txBody>
+      </p:sp>
+      <p:sp>
+        <p:nvSpPr>
+          <p:cNvPr id="5" name="Date Placeholder 4"/>
+          <p:cNvSpPr>
+            <a:spLocks noGrp="1"/>
+          </p:cNvSpPr>
+          <p:nvPr>
+            <p:ph type="dt" sz="half" idx="10"/>
+          </p:nvPr>
+        </p:nvSpPr>
+        <p:spPr/>
+        <p:txBody>
+          <a:bodyPr/>
+          <a:lstStyle/>
+          <a:p>
+            <a:fld id="{346E5E81-2ED8-4512-8620-486D144720FF}" type="datetimeFigureOut">
+              <a:rPr lang="en-US" smtClean="0"/>
+              <a:t>4/16/2013</a:t>
+            </a:fld>
+            <a:endParaRPr lang="en-US"/>
+          </a:p>
+        </p:txBody>
+      </p:sp>
+      <p:sp>
+        <p:nvSpPr>
+          <p:cNvPr id="6" name="Footer Placeholder 5"/>
+          <p:cNvSpPr>
+            <a:spLocks noGrp="1"/>
+          </p:cNvSpPr>
+          <p:nvPr>
+            <p:ph type="ftr" sz="quarter" idx="11"/>
+          </p:nvPr>
+        </p:nvSpPr>
+        <p:spPr/>
+        <p:txBody>
+          <a:bodyPr/>
+          <a:lstStyle/>
+          <a:p>
+            <a:endParaRPr lang="en-US"/>
+          </a:p>
+        </p:txBody>
+      </p:sp>
+      <p:sp>
+        <p:nvSpPr>
+          <p:cNvPr id="7" name="Slide Number Placeholder 6"/>
+          <p:cNvSpPr>
+            <a:spLocks noGrp="1"/>
+          </p:cNvSpPr>
+          <p:nvPr>
+            <p:ph type="sldNum" sz="quarter" idx="12"/>
+          </p:nvPr>
+        </p:nvSpPr>
+        <p:spPr>
+          <a:xfrm>
+            <a:off x="10729455" y="4709925"/>
+            <a:ext cx="1154151" cy="1090789"/>
+          </a:xfrm>
+        </p:spPr>
+        <p:txBody>
+          <a:bodyPr/>
+          <a:lstStyle/>
+          <a:p>
+            <a:fld id="{B70B7430-D1C7-4683-AB27-07761046DF7E}" type="slidenum">
+              <a:rPr lang="en-US" smtClean="0"/>
+              <a:t>‹#›</a:t>
+            </a:fld>
+            <a:endParaRPr lang="en-US"/>
+          </a:p>
+        </p:txBody>
+      </p:sp>
+      <p:sp>
+        <p:nvSpPr>
+          <p:cNvPr id="16" name="TextBox 15"/>
+          <p:cNvSpPr txBox="1"/>
+          <p:nvPr/>
+        </p:nvSpPr>
+        <p:spPr>
+          <a:xfrm>
+            <a:off x="583572" y="748116"/>
+            <a:ext cx="609600" cy="584776"/>
+          </a:xfrm>
+          <a:prstGeom prst="rect">
+            <a:avLst/>
+          </a:prstGeom>
+        </p:spPr>
+        <p:txBody>
+          <a:bodyPr vert="horz" lIns="91440" tIns="45720" rIns="91440" bIns="45720" rtlCol="0" anchor="ctr">
+            <a:noAutofit/>
+          </a:bodyPr>
+          <a:lstStyle>
+            <a:lvl1pPr>
+              <a:spcBef>
+                <a:spcPct val="0"/>
+              </a:spcBef>
+              <a:buNone/>
+              <a:defRPr sz="3200" b="0" cap="all">
+                <a:ln w="3175" cmpd="sng">
+                  <a:noFill/>
+                </a:ln>
+                <a:effectLst>
+                  <a:glow rad="38100">
+                    <a:schemeClr val="bg1">
+                      <a:lumMod val="65000"/>
+                      <a:lumOff val="35000"/>
+                      <a:alpha val="40000"/>
+                    </a:schemeClr>
+                  </a:glow>
+                  <a:outerShdw blurRad="28575" dist="38100" dir="14040000" algn="tl" rotWithShape="0">
+                    <a:srgbClr val="000000">
+                      <a:alpha val="25000"/>
+                    </a:srgbClr>
+                  </a:outerShdw>
+                </a:effectLst>
+              </a:defRPr>
+            </a:lvl1pPr>
+            <a:lvl2pPr>
+              <a:defRPr>
+                <a:solidFill>
+                  <a:schemeClr val="tx2"/>
+                </a:solidFill>
+              </a:defRPr>
+            </a:lvl2pPr>
+            <a:lvl3pPr>
+              <a:defRPr>
+                <a:solidFill>
+                  <a:schemeClr val="tx2"/>
+                </a:solidFill>
+              </a:defRPr>
+            </a:lvl3pPr>
+            <a:lvl4pPr>
+              <a:defRPr>
+                <a:solidFill>
+                  <a:schemeClr val="tx2"/>
+                </a:solidFill>
+              </a:defRPr>
+            </a:lvl4pPr>
+            <a:lvl5pPr>
+              <a:defRPr>
+                <a:solidFill>
+                  <a:schemeClr val="tx2"/>
+                </a:solidFill>
+              </a:defRPr>
+            </a:lvl5pPr>
+            <a:lvl6pPr>
+              <a:defRPr>
+                <a:solidFill>
+                  <a:schemeClr val="tx2"/>
+                </a:solidFill>
+              </a:defRPr>
+            </a:lvl6pPr>
+            <a:lvl7pPr>
+              <a:defRPr>
+                <a:solidFill>
+                  <a:schemeClr val="tx2"/>
+                </a:solidFill>
+              </a:defRPr>
+            </a:lvl7pPr>
+            <a:lvl8pPr>
+              <a:defRPr>
+                <a:solidFill>
+                  <a:schemeClr val="tx2"/>
+                </a:solidFill>
+              </a:defRPr>
+            </a:lvl8pPr>
+            <a:lvl9pPr>
+              <a:defRPr>
+                <a:solidFill>
+                  <a:schemeClr val="tx2"/>
+                </a:solidFill>
+              </a:defRPr>
+            </a:lvl9pPr>
+          </a:lstStyle>
+          <a:p>
+            <a:pPr lvl="0"/>
+            <a:r>
+              <a:rPr lang="en-US" sz="7200" dirty="0">
+                <a:solidFill>
+                  <a:schemeClr val="tx1"/>
+                </a:solidFill>
+                <a:effectLst/>
+              </a:rPr>
+              <a:t>“</a:t>
+            </a:r>
+          </a:p>
+        </p:txBody>
+      </p:sp>
+      <p:sp>
+        <p:nvSpPr>
+          <p:cNvPr id="17" name="TextBox 16"/>
+          <p:cNvSpPr txBox="1"/>
+          <p:nvPr/>
+        </p:nvSpPr>
+        <p:spPr>
+          <a:xfrm>
+            <a:off x="9662809" y="3033524"/>
+            <a:ext cx="609600" cy="584776"/>
+          </a:xfrm>
+          <a:prstGeom prst="rect">
+            <a:avLst/>
+          </a:prstGeom>
+        </p:spPr>
+        <p:txBody>
+          <a:bodyPr vert="horz" lIns="91440" tIns="45720" rIns="91440" bIns="45720" rtlCol="0" anchor="ctr">
+            <a:noAutofit/>
+          </a:bodyPr>
+          <a:lstStyle>
+            <a:lvl1pPr>
+              <a:spcBef>
+                <a:spcPct val="0"/>
+              </a:spcBef>
+              <a:buNone/>
+              <a:defRPr sz="3200" b="0" cap="all">
+                <a:ln w="3175" cmpd="sng">
+                  <a:noFill/>
+                </a:ln>
+                <a:effectLst>
+                  <a:glow rad="38100">
+                    <a:schemeClr val="bg1">
+                      <a:lumMod val="65000"/>
+                      <a:lumOff val="35000"/>
+                      <a:alpha val="40000"/>
+                    </a:schemeClr>
+                  </a:glow>
+                  <a:outerShdw blurRad="28575" dist="38100" dir="14040000" algn="tl" rotWithShape="0">
+                    <a:srgbClr val="000000">
+                      <a:alpha val="25000"/>
+                    </a:srgbClr>
+                  </a:outerShdw>
+                </a:effectLst>
+              </a:defRPr>
+            </a:lvl1pPr>
+            <a:lvl2pPr>
+              <a:defRPr>
+                <a:solidFill>
+                  <a:schemeClr val="tx2"/>
+                </a:solidFill>
+              </a:defRPr>
+            </a:lvl2pPr>
+            <a:lvl3pPr>
+              <a:defRPr>
+                <a:solidFill>
+                  <a:schemeClr val="tx2"/>
+                </a:solidFill>
+              </a:defRPr>
+            </a:lvl3pPr>
+            <a:lvl4pPr>
+              <a:defRPr>
+                <a:solidFill>
+                  <a:schemeClr val="tx2"/>
+                </a:solidFill>
+              </a:defRPr>
+            </a:lvl4pPr>
+            <a:lvl5pPr>
+              <a:defRPr>
+                <a:solidFill>
+                  <a:schemeClr val="tx2"/>
+                </a:solidFill>
+              </a:defRPr>
+            </a:lvl5pPr>
+            <a:lvl6pPr>
+              <a:defRPr>
+                <a:solidFill>
+                  <a:schemeClr val="tx2"/>
+                </a:solidFill>
+              </a:defRPr>
+            </a:lvl6pPr>
+            <a:lvl7pPr>
+              <a:defRPr>
+                <a:solidFill>
+                  <a:schemeClr val="tx2"/>
+                </a:solidFill>
+              </a:defRPr>
+            </a:lvl7pPr>
+            <a:lvl8pPr>
+              <a:defRPr>
+                <a:solidFill>
+                  <a:schemeClr val="tx2"/>
+                </a:solidFill>
+              </a:defRPr>
+            </a:lvl8pPr>
+            <a:lvl9pPr>
+              <a:defRPr>
+                <a:solidFill>
+                  <a:schemeClr val="tx2"/>
+                </a:solidFill>
+              </a:defRPr>
+            </a:lvl9pPr>
+          </a:lstStyle>
+          <a:p>
+            <a:pPr lvl="0" algn="r"/>
+            <a:r>
+              <a:rPr lang="en-US" sz="7200" dirty="0">
+                <a:solidFill>
+                  <a:schemeClr val="tx1"/>
+                </a:solidFill>
+                <a:effectLst/>
+              </a:rPr>
+              <a:t>”</a:t>
+            </a:r>
+          </a:p>
+        </p:txBody>
+      </p:sp>
+    </p:spTree>
+    <p:extLst>
+      <p:ext uri="{BB962C8B-B14F-4D97-AF65-F5344CB8AC3E}">
+        <p14:creationId xmlns:p14="http://schemas.microsoft.com/office/powerpoint/2010/main" val="3600293433"/>
+      </p:ext>
+    </p:extLst>
+  </p:cSld>
+  <p:clrMapOvr>
+    <a:masterClrMapping/>
+  </p:clrMapOvr>
+</p:sldLayout>
+</file>
+
+<file path=ppt/slideLayouts/slideLayout13.xml><?xml version="1.0" encoding="utf-8"?>
+<p:sldLayout xmlns:a="http://schemas.openxmlformats.org/drawingml/2006/main" xmlns:r="http://schemas.openxmlformats.org/officeDocument/2006/relationships" xmlns:p="http://schemas.openxmlformats.org/presentationml/2006/main" preserve="1">
+  <p:cSld name="Name Card">
+    <p:spTree>
+      <p:nvGrpSpPr>
+        <p:cNvPr id="1" name=""/>
+        <p:cNvGrpSpPr/>
+        <p:nvPr/>
+      </p:nvGrpSpPr>
+      <p:grpSpPr>
+        <a:xfrm>
+          <a:off x="0" y="0"/>
+          <a:ext cx="0" cy="0"/>
+          <a:chOff x="0" y="0"/>
+          <a:chExt cx="0" cy="0"/>
+        </a:xfrm>
+      </p:grpSpPr>
+      <p:pic>
+        <p:nvPicPr>
+          <p:cNvPr id="9" name="Picture 8" descr="HD-ShadowLong.png"/>
+          <p:cNvPicPr>
+            <a:picLocks noChangeAspect="1"/>
+          </p:cNvPicPr>
+          <p:nvPr/>
+        </p:nvPicPr>
+        <p:blipFill>
+          <a:blip r:embed="rId2">
+            <a:extLst>
+              <a:ext uri="{28A0092B-C50C-407E-A947-70E740481C1C}">
+                <a14:useLocalDpi xmlns:a14="http://schemas.microsoft.com/office/drawing/2010/main" val="0"/>
+              </a:ext>
+            </a:extLst>
+          </a:blip>
+          <a:stretch>
+            <a:fillRect/>
+          </a:stretch>
+        </p:blipFill>
+        <p:spPr>
+          <a:xfrm>
+            <a:off x="1" y="5928628"/>
+            <a:ext cx="10437812" cy="321164"/>
+          </a:xfrm>
+          <a:prstGeom prst="rect">
+            <a:avLst/>
+          </a:prstGeom>
+        </p:spPr>
+      </p:pic>
+      <p:pic>
+        <p:nvPicPr>
+          <p:cNvPr id="10" name="Picture 9" descr="HD-ShadowShort.png"/>
+          <p:cNvPicPr>
+            <a:picLocks noChangeAspect="1"/>
+          </p:cNvPicPr>
+          <p:nvPr/>
+        </p:nvPicPr>
+        <p:blipFill>
+          <a:blip r:embed="rId3" cstate="print">
+            <a:extLst>
+              <a:ext uri="{28A0092B-C50C-407E-A947-70E740481C1C}">
+                <a14:useLocalDpi xmlns:a14="http://schemas.microsoft.com/office/drawing/2010/main" val="0"/>
+              </a:ext>
+            </a:extLst>
+          </a:blip>
+          <a:stretch>
+            <a:fillRect/>
+          </a:stretch>
+        </p:blipFill>
+        <p:spPr>
+          <a:xfrm>
+            <a:off x="10585826" y="5929622"/>
+            <a:ext cx="1602997" cy="144270"/>
+          </a:xfrm>
+          <a:prstGeom prst="rect">
+            <a:avLst/>
+          </a:prstGeom>
+        </p:spPr>
+      </p:pic>
+      <p:sp>
+        <p:nvSpPr>
+          <p:cNvPr id="11" name="Rectangle 10"/>
+          <p:cNvSpPr/>
+          <p:nvPr/>
+        </p:nvSpPr>
+        <p:spPr>
+          <a:xfrm>
+            <a:off x="0" y="4567988"/>
+            <a:ext cx="10437812" cy="1368198"/>
+          </a:xfrm>
+          <a:prstGeom prst="rect">
+            <a:avLst/>
+          </a:prstGeom>
+          <a:solidFill>
+            <a:schemeClr val="bg1">
+              <a:lumMod val="85000"/>
+              <a:lumOff val="15000"/>
+            </a:schemeClr>
+          </a:solidFill>
+          <a:ln>
+            <a:noFill/>
+          </a:ln>
+        </p:spPr>
+        <p:style>
+          <a:lnRef idx="2">
+            <a:schemeClr val="accent1">
+              <a:shade val="50000"/>
+            </a:schemeClr>
+          </a:lnRef>
+          <a:fillRef idx="1">
+            <a:schemeClr val="accent1"/>
+          </a:fillRef>
+          <a:effectRef idx="0">
+            <a:schemeClr val="accent1"/>
+          </a:effectRef>
+          <a:fontRef idx="minor">
+            <a:schemeClr val="lt1"/>
+          </a:fontRef>
+        </p:style>
+      </p:sp>
+      <p:sp>
+        <p:nvSpPr>
+          <p:cNvPr id="12" name="Rectangle 11"/>
+          <p:cNvSpPr/>
+          <p:nvPr/>
+        </p:nvSpPr>
+        <p:spPr>
+          <a:xfrm>
+            <a:off x="10585827" y="4567988"/>
+            <a:ext cx="1602997" cy="1368198"/>
+          </a:xfrm>
+          <a:prstGeom prst="rect">
+            <a:avLst/>
+          </a:prstGeom>
+          <a:solidFill>
+            <a:schemeClr val="accent1"/>
+          </a:solidFill>
+          <a:ln>
+            <a:noFill/>
+          </a:ln>
+        </p:spPr>
+        <p:style>
+          <a:lnRef idx="2">
+            <a:schemeClr val="accent1">
+              <a:shade val="50000"/>
+            </a:schemeClr>
+          </a:lnRef>
+          <a:fillRef idx="1">
+            <a:schemeClr val="accent1"/>
+          </a:fillRef>
+          <a:effectRef idx="0">
+            <a:schemeClr val="accent1"/>
+          </a:effectRef>
+          <a:fontRef idx="minor">
+            <a:schemeClr val="lt1"/>
+          </a:fontRef>
+        </p:style>
+      </p:sp>
+      <p:sp>
+        <p:nvSpPr>
+          <p:cNvPr id="2" name="Title 1"/>
+          <p:cNvSpPr>
+            <a:spLocks noGrp="1"/>
+          </p:cNvSpPr>
+          <p:nvPr>
+            <p:ph type="title"/>
+          </p:nvPr>
+        </p:nvSpPr>
+        <p:spPr>
+          <a:xfrm>
+            <a:off x="680319" y="4711615"/>
+            <a:ext cx="9613862" cy="588535"/>
+          </a:xfrm>
+        </p:spPr>
+        <p:txBody>
+          <a:bodyPr anchor="b"/>
+          <a:lstStyle>
+            <a:lvl1pPr>
+              <a:defRPr sz="3200"/>
+            </a:lvl1pPr>
+          </a:lstStyle>
+          <a:p>
+            <a:r>
+              <a:rPr lang="en-US" smtClean="0"/>
+              <a:t>Click to edit Master title style</a:t>
+            </a:r>
+            <a:endParaRPr lang="en-US" dirty="0"/>
+          </a:p>
+        </p:txBody>
+      </p:sp>
+      <p:sp>
+        <p:nvSpPr>
+          <p:cNvPr id="4" name="Text Placeholder 3"/>
+          <p:cNvSpPr>
+            <a:spLocks noGrp="1"/>
+          </p:cNvSpPr>
+          <p:nvPr>
+            <p:ph type="body" sz="half" idx="2"/>
+          </p:nvPr>
+        </p:nvSpPr>
+        <p:spPr>
+          <a:xfrm>
+            <a:off x="680320" y="5300149"/>
+            <a:ext cx="9613862" cy="502255"/>
+          </a:xfrm>
+        </p:spPr>
+        <p:txBody>
+          <a:bodyPr anchor="t"/>
+          <a:lstStyle>
+            <a:lvl1pPr marL="0" indent="0">
+              <a:buNone/>
+              <a:defRPr sz="1600"/>
+            </a:lvl1pPr>
+            <a:lvl2pPr marL="457200" indent="0">
+              <a:buNone/>
+              <a:defRPr sz="1400"/>
+            </a:lvl2pPr>
+            <a:lvl3pPr marL="914400" indent="0">
+              <a:buNone/>
+              <a:defRPr sz="1200"/>
+            </a:lvl3pPr>
+            <a:lvl4pPr marL="1371600" indent="0">
+              <a:buNone/>
+              <a:defRPr sz="1000"/>
+            </a:lvl4pPr>
+            <a:lvl5pPr marL="1828800" indent="0">
+              <a:buNone/>
+              <a:defRPr sz="1000"/>
+            </a:lvl5pPr>
+            <a:lvl6pPr marL="2286000" indent="0">
+              <a:buNone/>
+              <a:defRPr sz="1000"/>
+            </a:lvl6pPr>
+            <a:lvl7pPr marL="2743200" indent="0">
+              <a:buNone/>
+              <a:defRPr sz="1000"/>
+            </a:lvl7pPr>
+            <a:lvl8pPr marL="3200400" indent="0">
+              <a:buNone/>
+              <a:defRPr sz="1000"/>
+            </a:lvl8pPr>
+            <a:lvl9pPr marL="3657600" indent="0">
+              <a:buNone/>
+              <a:defRPr sz="1000"/>
+            </a:lvl9pPr>
+          </a:lstStyle>
+          <a:p>
+            <a:pPr lvl="0"/>
+            <a:r>
+              <a:rPr lang="en-US" smtClean="0"/>
+              <a:t>Click to edit Master text styles</a:t>
+            </a:r>
+          </a:p>
+        </p:txBody>
+      </p:sp>
+      <p:sp>
+        <p:nvSpPr>
+          <p:cNvPr id="5" name="Date Placeholder 4"/>
+          <p:cNvSpPr>
+            <a:spLocks noGrp="1"/>
+          </p:cNvSpPr>
+          <p:nvPr>
+            <p:ph type="dt" sz="half" idx="10"/>
+          </p:nvPr>
+        </p:nvSpPr>
+        <p:spPr/>
+        <p:txBody>
+          <a:bodyPr/>
+          <a:lstStyle/>
+          <a:p>
+            <a:fld id="{346E5E81-2ED8-4512-8620-486D144720FF}" type="datetimeFigureOut">
+              <a:rPr lang="en-US" smtClean="0"/>
+              <a:t>4/16/2013</a:t>
+            </a:fld>
+            <a:endParaRPr lang="en-US"/>
+          </a:p>
+        </p:txBody>
+      </p:sp>
+      <p:sp>
+        <p:nvSpPr>
+          <p:cNvPr id="6" name="Footer Placeholder 5"/>
+          <p:cNvSpPr>
+            <a:spLocks noGrp="1"/>
+          </p:cNvSpPr>
+          <p:nvPr>
+            <p:ph type="ftr" sz="quarter" idx="11"/>
+          </p:nvPr>
+        </p:nvSpPr>
+        <p:spPr/>
+        <p:txBody>
+          <a:bodyPr/>
+          <a:lstStyle/>
+          <a:p>
+            <a:endParaRPr lang="en-US"/>
+          </a:p>
+        </p:txBody>
+      </p:sp>
+      <p:sp>
+        <p:nvSpPr>
+          <p:cNvPr id="7" name="Slide Number Placeholder 6"/>
+          <p:cNvSpPr>
+            <a:spLocks noGrp="1"/>
+          </p:cNvSpPr>
+          <p:nvPr>
+            <p:ph type="sldNum" sz="quarter" idx="12"/>
+          </p:nvPr>
+        </p:nvSpPr>
+        <p:spPr>
+          <a:xfrm>
+            <a:off x="10729455" y="4709925"/>
+            <a:ext cx="1154151" cy="1090789"/>
+          </a:xfrm>
+        </p:spPr>
+        <p:txBody>
+          <a:bodyPr/>
+          <a:lstStyle/>
+          <a:p>
+            <a:fld id="{B70B7430-D1C7-4683-AB27-07761046DF7E}" type="slidenum">
+              <a:rPr lang="en-US" smtClean="0"/>
+              <a:t>‹#›</a:t>
+            </a:fld>
+            <a:endParaRPr lang="en-US"/>
+          </a:p>
+        </p:txBody>
+      </p:sp>
+    </p:spTree>
+    <p:extLst>
+      <p:ext uri="{BB962C8B-B14F-4D97-AF65-F5344CB8AC3E}">
+        <p14:creationId xmlns:p14="http://schemas.microsoft.com/office/powerpoint/2010/main" val="747144813"/>
+      </p:ext>
+    </p:extLst>
+  </p:cSld>
+  <p:clrMapOvr>
+    <a:masterClrMapping/>
+  </p:clrMapOvr>
+</p:sldLayout>
+</file>
+
+<file path=ppt/slideLayouts/slideLayout14.xml><?xml version="1.0" encoding="utf-8"?>
+<p:sldLayout xmlns:a="http://schemas.openxmlformats.org/drawingml/2006/main" xmlns:r="http://schemas.openxmlformats.org/officeDocument/2006/relationships" xmlns:p="http://schemas.openxmlformats.org/presentationml/2006/main" preserve="1">
+  <p:cSld name="3 Column">
+    <p:spTree>
+      <p:nvGrpSpPr>
+        <p:cNvPr id="1" name=""/>
+        <p:cNvGrpSpPr/>
+        <p:nvPr/>
+      </p:nvGrpSpPr>
+      <p:grpSpPr>
+        <a:xfrm>
+          <a:off x="0" y="0"/>
+          <a:ext cx="0" cy="0"/>
+          <a:chOff x="0" y="0"/>
+          <a:chExt cx="0" cy="0"/>
+        </a:xfrm>
+      </p:grpSpPr>
+      <p:pic>
+        <p:nvPicPr>
+          <p:cNvPr id="13" name="Picture 12" descr="HD-ShadowLong.png"/>
+          <p:cNvPicPr>
+            <a:picLocks noChangeAspect="1"/>
+          </p:cNvPicPr>
+          <p:nvPr/>
+        </p:nvPicPr>
+        <p:blipFill>
+          <a:blip r:embed="rId2">
+            <a:extLst>
+              <a:ext uri="{28A0092B-C50C-407E-A947-70E740481C1C}">
+                <a14:useLocalDpi xmlns:a14="http://schemas.microsoft.com/office/drawing/2010/main" val="0"/>
+              </a:ext>
+            </a:extLst>
+          </a:blip>
+          <a:stretch>
+            <a:fillRect/>
+          </a:stretch>
+        </p:blipFill>
+        <p:spPr>
+          <a:xfrm>
+            <a:off x="1" y="1970240"/>
+            <a:ext cx="10437812" cy="321164"/>
+          </a:xfrm>
+          <a:prstGeom prst="rect">
+            <a:avLst/>
+          </a:prstGeom>
+        </p:spPr>
+      </p:pic>
+      <p:pic>
+        <p:nvPicPr>
+          <p:cNvPr id="14" name="Picture 13" descr="HD-ShadowShort.png"/>
+          <p:cNvPicPr>
+            <a:picLocks noChangeAspect="1"/>
+          </p:cNvPicPr>
+          <p:nvPr/>
+        </p:nvPicPr>
+        <p:blipFill>
+          <a:blip r:embed="rId3" cstate="print">
+            <a:extLst>
+              <a:ext uri="{28A0092B-C50C-407E-A947-70E740481C1C}">
+                <a14:useLocalDpi xmlns:a14="http://schemas.microsoft.com/office/drawing/2010/main" val="0"/>
+              </a:ext>
+            </a:extLst>
+          </a:blip>
+          <a:stretch>
+            <a:fillRect/>
+          </a:stretch>
+        </p:blipFill>
+        <p:spPr>
+          <a:xfrm>
+            <a:off x="10585826" y="1971234"/>
+            <a:ext cx="1602997" cy="144270"/>
+          </a:xfrm>
+          <a:prstGeom prst="rect">
+            <a:avLst/>
+          </a:prstGeom>
+        </p:spPr>
+      </p:pic>
+      <p:sp>
+        <p:nvSpPr>
+          <p:cNvPr id="16" name="Rectangle 15"/>
+          <p:cNvSpPr/>
+          <p:nvPr/>
+        </p:nvSpPr>
+        <p:spPr>
+          <a:xfrm>
+            <a:off x="0" y="609600"/>
+            <a:ext cx="10437812" cy="1368198"/>
+          </a:xfrm>
+          <a:prstGeom prst="rect">
+            <a:avLst/>
+          </a:prstGeom>
+          <a:solidFill>
+            <a:schemeClr val="bg1">
+              <a:lumMod val="85000"/>
+              <a:lumOff val="15000"/>
+            </a:schemeClr>
+          </a:solidFill>
+          <a:ln>
+            <a:noFill/>
+          </a:ln>
+        </p:spPr>
+        <p:style>
+          <a:lnRef idx="2">
+            <a:schemeClr val="accent1">
+              <a:shade val="50000"/>
+            </a:schemeClr>
+          </a:lnRef>
+          <a:fillRef idx="1">
+            <a:schemeClr val="accent1"/>
+          </a:fillRef>
+          <a:effectRef idx="0">
+            <a:schemeClr val="accent1"/>
+          </a:effectRef>
+          <a:fontRef idx="minor">
+            <a:schemeClr val="lt1"/>
+          </a:fontRef>
+        </p:style>
+      </p:sp>
+      <p:sp>
+        <p:nvSpPr>
+          <p:cNvPr id="17" name="Rectangle 16"/>
+          <p:cNvSpPr/>
+          <p:nvPr/>
+        </p:nvSpPr>
+        <p:spPr>
+          <a:xfrm>
+            <a:off x="10585827" y="609600"/>
+            <a:ext cx="1602997" cy="1368198"/>
+          </a:xfrm>
+          <a:prstGeom prst="rect">
+            <a:avLst/>
+          </a:prstGeom>
+          <a:solidFill>
+            <a:schemeClr val="accent1"/>
+          </a:solidFill>
+          <a:ln>
+            <a:noFill/>
+          </a:ln>
+        </p:spPr>
+        <p:style>
+          <a:lnRef idx="2">
+            <a:schemeClr val="accent1">
+              <a:shade val="50000"/>
+            </a:schemeClr>
+          </a:lnRef>
+          <a:fillRef idx="1">
+            <a:schemeClr val="accent1"/>
+          </a:fillRef>
+          <a:effectRef idx="0">
+            <a:schemeClr val="accent1"/>
+          </a:effectRef>
+          <a:fontRef idx="minor">
+            <a:schemeClr val="lt1"/>
+          </a:fontRef>
+        </p:style>
+      </p:sp>
+      <p:sp>
+        <p:nvSpPr>
+          <p:cNvPr id="15" name="Title 1"/>
+          <p:cNvSpPr>
+            <a:spLocks noGrp="1"/>
+          </p:cNvSpPr>
+          <p:nvPr>
+            <p:ph type="title"/>
+          </p:nvPr>
+        </p:nvSpPr>
+        <p:spPr>
+          <a:xfrm>
+            <a:off x="669222" y="753228"/>
+            <a:ext cx="9624960" cy="1080938"/>
+          </a:xfrm>
+        </p:spPr>
+        <p:txBody>
+          <a:bodyPr/>
+          <a:lstStyle/>
+          <a:p>
+            <a:r>
+              <a:rPr lang="en-US" smtClean="0"/>
+              <a:t>Click to edit Master title style</a:t>
+            </a:r>
+            <a:endParaRPr lang="en-US" dirty="0"/>
+          </a:p>
+        </p:txBody>
+      </p:sp>
+      <p:sp>
+        <p:nvSpPr>
+          <p:cNvPr id="7" name="Text Placeholder 2"/>
+          <p:cNvSpPr>
+            <a:spLocks noGrp="1"/>
+          </p:cNvSpPr>
+          <p:nvPr>
+            <p:ph type="body" idx="1"/>
+          </p:nvPr>
+        </p:nvSpPr>
+        <p:spPr>
+          <a:xfrm>
+            <a:off x="660946" y="2336873"/>
+            <a:ext cx="3070034" cy="576262"/>
+          </a:xfrm>
+        </p:spPr>
+        <p:txBody>
+          <a:bodyPr anchor="b">
+            <a:noAutofit/>
+          </a:bodyPr>
+          <a:lstStyle>
+            <a:lvl1pPr marL="0" indent="0">
+              <a:buNone/>
+              <a:defRPr sz="2400" b="0">
+                <a:solidFill>
+                  <a:schemeClr val="tx1"/>
+                </a:solidFill>
+              </a:defRPr>
+            </a:lvl1pPr>
+            <a:lvl2pPr marL="457200" indent="0">
+              <a:buNone/>
+              <a:defRPr sz="2000" b="1"/>
+            </a:lvl2pPr>
+            <a:lvl3pPr marL="914400" indent="0">
+              <a:buNone/>
+              <a:defRPr sz="1800" b="1"/>
+            </a:lvl3pPr>
+            <a:lvl4pPr marL="1371600" indent="0">
+              <a:buNone/>
+              <a:defRPr sz="1600" b="1"/>
+            </a:lvl4pPr>
+            <a:lvl5pPr marL="1828800" indent="0">
+              <a:buNone/>
+              <a:defRPr sz="1600" b="1"/>
+            </a:lvl5pPr>
+            <a:lvl6pPr marL="2286000" indent="0">
+              <a:buNone/>
+              <a:defRPr sz="1600" b="1"/>
+            </a:lvl6pPr>
+            <a:lvl7pPr marL="2743200" indent="0">
+              <a:buNone/>
+              <a:defRPr sz="1600" b="1"/>
+            </a:lvl7pPr>
+            <a:lvl8pPr marL="3200400" indent="0">
+              <a:buNone/>
+              <a:defRPr sz="1600" b="1"/>
+            </a:lvl8pPr>
+            <a:lvl9pPr marL="3657600" indent="0">
+              <a:buNone/>
+              <a:defRPr sz="1600" b="1"/>
+            </a:lvl9pPr>
+          </a:lstStyle>
+          <a:p>
+            <a:pPr lvl="0"/>
+            <a:r>
+              <a:rPr lang="en-US" smtClean="0"/>
+              <a:t>Click to edit Master text styles</a:t>
+            </a:r>
+          </a:p>
+        </p:txBody>
+      </p:sp>
+      <p:sp>
+        <p:nvSpPr>
+          <p:cNvPr id="8" name="Text Placeholder 3"/>
+          <p:cNvSpPr>
+            <a:spLocks noGrp="1"/>
+          </p:cNvSpPr>
+          <p:nvPr>
+            <p:ph type="body" sz="half" idx="15"/>
+          </p:nvPr>
+        </p:nvSpPr>
+        <p:spPr>
+          <a:xfrm>
+            <a:off x="680322" y="3022673"/>
+            <a:ext cx="3049702" cy="2913513"/>
+          </a:xfrm>
+        </p:spPr>
+        <p:txBody>
+          <a:bodyPr anchor="t">
+            <a:normAutofit/>
+          </a:bodyPr>
+          <a:lstStyle>
+            <a:lvl1pPr marL="0" indent="0">
+              <a:buNone/>
+              <a:defRPr sz="1400"/>
+            </a:lvl1pPr>
+            <a:lvl2pPr marL="457200" indent="0">
+              <a:buNone/>
+              <a:defRPr sz="1200"/>
+            </a:lvl2pPr>
+            <a:lvl3pPr marL="914400" indent="0">
+              <a:buNone/>
+              <a:defRPr sz="1000"/>
+            </a:lvl3pPr>
+            <a:lvl4pPr marL="1371600" indent="0">
+              <a:buNone/>
+              <a:defRPr sz="900"/>
+            </a:lvl4pPr>
+            <a:lvl5pPr marL="1828800" indent="0">
+              <a:buNone/>
+              <a:defRPr sz="900"/>
+            </a:lvl5pPr>
+            <a:lvl6pPr marL="2286000" indent="0">
+              <a:buNone/>
+              <a:defRPr sz="900"/>
+            </a:lvl6pPr>
+            <a:lvl7pPr marL="2743200" indent="0">
+              <a:buNone/>
+              <a:defRPr sz="900"/>
+            </a:lvl7pPr>
+            <a:lvl8pPr marL="3200400" indent="0">
+              <a:buNone/>
+              <a:defRPr sz="900"/>
+            </a:lvl8pPr>
+            <a:lvl9pPr marL="3657600" indent="0">
+              <a:buNone/>
+              <a:defRPr sz="900"/>
+            </a:lvl9pPr>
+          </a:lstStyle>
+          <a:p>
+            <a:pPr lvl="0"/>
+            <a:r>
+              <a:rPr lang="en-US" smtClean="0"/>
+              <a:t>Click to edit Master text styles</a:t>
+            </a:r>
+          </a:p>
+        </p:txBody>
+      </p:sp>
+      <p:sp>
+        <p:nvSpPr>
+          <p:cNvPr id="9" name="Text Placeholder 4"/>
+          <p:cNvSpPr>
+            <a:spLocks noGrp="1"/>
+          </p:cNvSpPr>
+          <p:nvPr>
+            <p:ph type="body" sz="quarter" idx="3"/>
+          </p:nvPr>
+        </p:nvSpPr>
+        <p:spPr>
+          <a:xfrm>
+            <a:off x="3956025" y="2336873"/>
+            <a:ext cx="3063240" cy="576262"/>
+          </a:xfrm>
+        </p:spPr>
+        <p:txBody>
+          <a:bodyPr anchor="b">
+            <a:noAutofit/>
+          </a:bodyPr>
+          <a:lstStyle>
+            <a:lvl1pPr marL="0" indent="0">
+              <a:buNone/>
+              <a:defRPr sz="2400" b="0">
+                <a:solidFill>
+                  <a:schemeClr val="tx1"/>
+                </a:solidFill>
+              </a:defRPr>
+            </a:lvl1pPr>
+            <a:lvl2pPr marL="457200" indent="0">
+              <a:buNone/>
+              <a:defRPr sz="2000" b="1"/>
+            </a:lvl2pPr>
+            <a:lvl3pPr marL="914400" indent="0">
+              <a:buNone/>
+              <a:defRPr sz="1800" b="1"/>
+            </a:lvl3pPr>
+            <a:lvl4pPr marL="1371600" indent="0">
+              <a:buNone/>
+              <a:defRPr sz="1600" b="1"/>
+            </a:lvl4pPr>
+            <a:lvl5pPr marL="1828800" indent="0">
+              <a:buNone/>
+              <a:defRPr sz="1600" b="1"/>
+            </a:lvl5pPr>
+            <a:lvl6pPr marL="2286000" indent="0">
+              <a:buNone/>
+              <a:defRPr sz="1600" b="1"/>
+            </a:lvl6pPr>
+            <a:lvl7pPr marL="2743200" indent="0">
+              <a:buNone/>
+              <a:defRPr sz="1600" b="1"/>
+            </a:lvl7pPr>
+            <a:lvl8pPr marL="3200400" indent="0">
+              <a:buNone/>
+              <a:defRPr sz="1600" b="1"/>
+            </a:lvl8pPr>
+            <a:lvl9pPr marL="3657600" indent="0">
+              <a:buNone/>
+              <a:defRPr sz="1600" b="1"/>
+            </a:lvl9pPr>
+          </a:lstStyle>
+          <a:p>
+            <a:pPr lvl="0"/>
+            <a:r>
+              <a:rPr lang="en-US" smtClean="0"/>
+              <a:t>Click to edit Master text styles</a:t>
+            </a:r>
+          </a:p>
+        </p:txBody>
+      </p:sp>
+      <p:sp>
+        <p:nvSpPr>
+          <p:cNvPr id="10" name="Text Placeholder 3"/>
+          <p:cNvSpPr>
+            <a:spLocks noGrp="1"/>
+          </p:cNvSpPr>
+          <p:nvPr>
+            <p:ph type="body" sz="half" idx="16"/>
+          </p:nvPr>
+        </p:nvSpPr>
+        <p:spPr>
+          <a:xfrm>
+            <a:off x="3945470" y="3022673"/>
+            <a:ext cx="3063240" cy="2913513"/>
+          </a:xfrm>
+        </p:spPr>
+        <p:txBody>
+          <a:bodyPr anchor="t">
+            <a:normAutofit/>
+          </a:bodyPr>
+          <a:lstStyle>
+            <a:lvl1pPr marL="0" indent="0">
+              <a:buNone/>
+              <a:defRPr sz="1400"/>
+            </a:lvl1pPr>
+            <a:lvl2pPr marL="457200" indent="0">
+              <a:buNone/>
+              <a:defRPr sz="1200"/>
+            </a:lvl2pPr>
+            <a:lvl3pPr marL="914400" indent="0">
+              <a:buNone/>
+              <a:defRPr sz="1000"/>
+            </a:lvl3pPr>
+            <a:lvl4pPr marL="1371600" indent="0">
+              <a:buNone/>
+              <a:defRPr sz="900"/>
+            </a:lvl4pPr>
+            <a:lvl5pPr marL="1828800" indent="0">
+              <a:buNone/>
+              <a:defRPr sz="900"/>
+            </a:lvl5pPr>
+            <a:lvl6pPr marL="2286000" indent="0">
+              <a:buNone/>
+              <a:defRPr sz="900"/>
+            </a:lvl6pPr>
+            <a:lvl7pPr marL="2743200" indent="0">
+              <a:buNone/>
+              <a:defRPr sz="900"/>
+            </a:lvl7pPr>
+            <a:lvl8pPr marL="3200400" indent="0">
+              <a:buNone/>
+              <a:defRPr sz="900"/>
+            </a:lvl8pPr>
+            <a:lvl9pPr marL="3657600" indent="0">
+              <a:buNone/>
+              <a:defRPr sz="900"/>
+            </a:lvl9pPr>
+          </a:lstStyle>
+          <a:p>
+            <a:pPr lvl="0"/>
+            <a:r>
+              <a:rPr lang="en-US" smtClean="0"/>
+              <a:t>Click to edit Master text styles</a:t>
+            </a:r>
+          </a:p>
+        </p:txBody>
+      </p:sp>
+      <p:sp>
+        <p:nvSpPr>
+          <p:cNvPr id="11" name="Text Placeholder 4"/>
+          <p:cNvSpPr>
+            <a:spLocks noGrp="1"/>
+          </p:cNvSpPr>
+          <p:nvPr>
+            <p:ph type="body" sz="quarter" idx="13"/>
+          </p:nvPr>
+        </p:nvSpPr>
+        <p:spPr>
+          <a:xfrm>
+            <a:off x="7224156" y="2336873"/>
+            <a:ext cx="3070025" cy="576262"/>
+          </a:xfrm>
+        </p:spPr>
+        <p:txBody>
+          <a:bodyPr anchor="b">
+            <a:noAutofit/>
+          </a:bodyPr>
+          <a:lstStyle>
+            <a:lvl1pPr marL="0" indent="0">
+              <a:buNone/>
+              <a:defRPr sz="2400" b="0">
+                <a:solidFill>
+                  <a:schemeClr val="tx1"/>
+                </a:solidFill>
+              </a:defRPr>
+            </a:lvl1pPr>
+            <a:lvl2pPr marL="457200" indent="0">
+              <a:buNone/>
+              <a:defRPr sz="2000" b="1"/>
+            </a:lvl2pPr>
+            <a:lvl3pPr marL="914400" indent="0">
+              <a:buNone/>
+              <a:defRPr sz="1800" b="1"/>
+            </a:lvl3pPr>
+            <a:lvl4pPr marL="1371600" indent="0">
+              <a:buNone/>
+              <a:defRPr sz="1600" b="1"/>
+            </a:lvl4pPr>
+            <a:lvl5pPr marL="1828800" indent="0">
+              <a:buNone/>
+              <a:defRPr sz="1600" b="1"/>
+            </a:lvl5pPr>
+            <a:lvl6pPr marL="2286000" indent="0">
+              <a:buNone/>
+              <a:defRPr sz="1600" b="1"/>
+            </a:lvl6pPr>
+            <a:lvl7pPr marL="2743200" indent="0">
+              <a:buNone/>
+              <a:defRPr sz="1600" b="1"/>
+            </a:lvl7pPr>
+            <a:lvl8pPr marL="3200400" indent="0">
+              <a:buNone/>
+              <a:defRPr sz="1600" b="1"/>
+            </a:lvl8pPr>
+            <a:lvl9pPr marL="3657600" indent="0">
+              <a:buNone/>
+              <a:defRPr sz="1600" b="1"/>
+            </a:lvl9pPr>
+          </a:lstStyle>
+          <a:p>
+            <a:pPr lvl="0"/>
+            <a:r>
+              <a:rPr lang="en-US" smtClean="0"/>
+              <a:t>Click to edit Master text styles</a:t>
+            </a:r>
+          </a:p>
+        </p:txBody>
+      </p:sp>
+      <p:sp>
+        <p:nvSpPr>
+          <p:cNvPr id="12" name="Text Placeholder 3"/>
+          <p:cNvSpPr>
+            <a:spLocks noGrp="1"/>
+          </p:cNvSpPr>
+          <p:nvPr>
+            <p:ph type="body" sz="half" idx="17"/>
+          </p:nvPr>
+        </p:nvSpPr>
+        <p:spPr>
+          <a:xfrm>
+            <a:off x="7224156" y="3022673"/>
+            <a:ext cx="3070025" cy="2913513"/>
+          </a:xfrm>
+        </p:spPr>
+        <p:txBody>
+          <a:bodyPr anchor="t">
+            <a:normAutofit/>
+          </a:bodyPr>
+          <a:lstStyle>
+            <a:lvl1pPr marL="0" indent="0">
+              <a:buNone/>
+              <a:defRPr sz="1400"/>
+            </a:lvl1pPr>
+            <a:lvl2pPr marL="457200" indent="0">
+              <a:buNone/>
+              <a:defRPr sz="1200"/>
+            </a:lvl2pPr>
+            <a:lvl3pPr marL="914400" indent="0">
+              <a:buNone/>
+              <a:defRPr sz="1000"/>
+            </a:lvl3pPr>
+            <a:lvl4pPr marL="1371600" indent="0">
+              <a:buNone/>
+              <a:defRPr sz="900"/>
+            </a:lvl4pPr>
+            <a:lvl5pPr marL="1828800" indent="0">
+              <a:buNone/>
+              <a:defRPr sz="900"/>
+            </a:lvl5pPr>
+            <a:lvl6pPr marL="2286000" indent="0">
+              <a:buNone/>
+              <a:defRPr sz="900"/>
+            </a:lvl6pPr>
+            <a:lvl7pPr marL="2743200" indent="0">
+              <a:buNone/>
+              <a:defRPr sz="900"/>
+            </a:lvl7pPr>
+            <a:lvl8pPr marL="3200400" indent="0">
+              <a:buNone/>
+              <a:defRPr sz="900"/>
+            </a:lvl8pPr>
+            <a:lvl9pPr marL="3657600" indent="0">
+              <a:buNone/>
+              <a:defRPr sz="900"/>
+            </a:lvl9pPr>
+          </a:lstStyle>
+          <a:p>
+            <a:pPr lvl="0"/>
+            <a:r>
+              <a:rPr lang="en-US" smtClean="0"/>
+              <a:t>Click to edit Master text styles</a:t>
+            </a:r>
+          </a:p>
+        </p:txBody>
+      </p:sp>
+      <p:sp>
+        <p:nvSpPr>
+          <p:cNvPr id="3" name="Date Placeholder 2"/>
+          <p:cNvSpPr>
+            <a:spLocks noGrp="1"/>
+          </p:cNvSpPr>
+          <p:nvPr>
+            <p:ph type="dt" sz="half" idx="10"/>
+          </p:nvPr>
+        </p:nvSpPr>
+        <p:spPr/>
+        <p:txBody>
+          <a:bodyPr/>
+          <a:lstStyle/>
+          <a:p>
+            <a:fld id="{346E5E81-2ED8-4512-8620-486D144720FF}" type="datetimeFigureOut">
+              <a:rPr lang="en-US" smtClean="0"/>
+              <a:t>4/16/2013</a:t>
+            </a:fld>
+            <a:endParaRPr lang="en-US"/>
+          </a:p>
+        </p:txBody>
+      </p:sp>
+      <p:sp>
+        <p:nvSpPr>
+          <p:cNvPr id="4" name="Footer Placeholder 3"/>
+          <p:cNvSpPr>
+            <a:spLocks noGrp="1"/>
+          </p:cNvSpPr>
+          <p:nvPr>
+            <p:ph type="ftr" sz="quarter" idx="11"/>
+          </p:nvPr>
+        </p:nvSpPr>
+        <p:spPr/>
+        <p:txBody>
+          <a:bodyPr/>
+          <a:lstStyle/>
+          <a:p>
+            <a:endParaRPr lang="en-US"/>
+          </a:p>
+        </p:txBody>
+      </p:sp>
+      <p:sp>
+        <p:nvSpPr>
+          <p:cNvPr id="5" name="Slide Number Placeholder 4"/>
+          <p:cNvSpPr>
+            <a:spLocks noGrp="1"/>
+          </p:cNvSpPr>
+          <p:nvPr>
+            <p:ph type="sldNum" sz="quarter" idx="12"/>
+          </p:nvPr>
+        </p:nvSpPr>
+        <p:spPr/>
+        <p:txBody>
+          <a:bodyPr/>
+          <a:lstStyle/>
+          <a:p>
+            <a:fld id="{B70B7430-D1C7-4683-AB27-07761046DF7E}" type="slidenum">
+              <a:rPr lang="en-US" smtClean="0"/>
+              <a:t>‹#›</a:t>
+            </a:fld>
+            <a:endParaRPr lang="en-US"/>
+          </a:p>
+        </p:txBody>
+      </p:sp>
+    </p:spTree>
+    <p:extLst>
+      <p:ext uri="{BB962C8B-B14F-4D97-AF65-F5344CB8AC3E}">
+        <p14:creationId xmlns:p14="http://schemas.microsoft.com/office/powerpoint/2010/main" val="250068068"/>
+      </p:ext>
+    </p:extLst>
+  </p:cSld>
+  <p:clrMapOvr>
+    <a:masterClrMapping/>
+  </p:clrMapOvr>
+</p:sldLayout>
+</file>
+
+<file path=ppt/slideLayouts/slideLayout15.xml><?xml version="1.0" encoding="utf-8"?>
+<p:sldLayout xmlns:a="http://schemas.openxmlformats.org/drawingml/2006/main" xmlns:r="http://schemas.openxmlformats.org/officeDocument/2006/relationships" xmlns:p="http://schemas.openxmlformats.org/presentationml/2006/main" preserve="1">
+  <p:cSld name="3 Picture Column">
+    <p:spTree>
+      <p:nvGrpSpPr>
+        <p:cNvPr id="1" name=""/>
+        <p:cNvGrpSpPr/>
+        <p:nvPr/>
+      </p:nvGrpSpPr>
+      <p:grpSpPr>
+        <a:xfrm>
+          <a:off x="0" y="0"/>
+          <a:ext cx="0" cy="0"/>
+          <a:chOff x="0" y="0"/>
+          <a:chExt cx="0" cy="0"/>
+        </a:xfrm>
+      </p:grpSpPr>
+      <p:pic>
+        <p:nvPicPr>
+          <p:cNvPr id="15" name="Picture 14" descr="HD-ShadowLong.png"/>
+          <p:cNvPicPr>
+            <a:picLocks noChangeAspect="1"/>
+          </p:cNvPicPr>
+          <p:nvPr/>
+        </p:nvPicPr>
+        <p:blipFill>
+          <a:blip r:embed="rId2">
+            <a:extLst>
+              <a:ext uri="{28A0092B-C50C-407E-A947-70E740481C1C}">
+                <a14:useLocalDpi xmlns:a14="http://schemas.microsoft.com/office/drawing/2010/main" val="0"/>
+              </a:ext>
+            </a:extLst>
+          </a:blip>
+          <a:stretch>
+            <a:fillRect/>
+          </a:stretch>
+        </p:blipFill>
+        <p:spPr>
+          <a:xfrm>
+            <a:off x="1" y="1970240"/>
+            <a:ext cx="10437812" cy="321164"/>
+          </a:xfrm>
+          <a:prstGeom prst="rect">
+            <a:avLst/>
+          </a:prstGeom>
+        </p:spPr>
+      </p:pic>
+      <p:pic>
+        <p:nvPicPr>
+          <p:cNvPr id="16" name="Picture 15" descr="HD-ShadowShort.png"/>
+          <p:cNvPicPr>
+            <a:picLocks noChangeAspect="1"/>
+          </p:cNvPicPr>
+          <p:nvPr/>
+        </p:nvPicPr>
+        <p:blipFill>
+          <a:blip r:embed="rId3" cstate="print">
+            <a:extLst>
+              <a:ext uri="{28A0092B-C50C-407E-A947-70E740481C1C}">
+                <a14:useLocalDpi xmlns:a14="http://schemas.microsoft.com/office/drawing/2010/main" val="0"/>
+              </a:ext>
+            </a:extLst>
+          </a:blip>
+          <a:stretch>
+            <a:fillRect/>
+          </a:stretch>
+        </p:blipFill>
+        <p:spPr>
+          <a:xfrm>
+            <a:off x="10585826" y="1971234"/>
+            <a:ext cx="1602997" cy="144270"/>
+          </a:xfrm>
+          <a:prstGeom prst="rect">
+            <a:avLst/>
+          </a:prstGeom>
+        </p:spPr>
+      </p:pic>
+      <p:sp>
+        <p:nvSpPr>
+          <p:cNvPr id="17" name="Rectangle 16"/>
+          <p:cNvSpPr/>
+          <p:nvPr/>
+        </p:nvSpPr>
+        <p:spPr>
+          <a:xfrm>
+            <a:off x="0" y="609600"/>
+            <a:ext cx="10437812" cy="1368198"/>
+          </a:xfrm>
+          <a:prstGeom prst="rect">
+            <a:avLst/>
+          </a:prstGeom>
+          <a:solidFill>
+            <a:schemeClr val="bg1">
+              <a:lumMod val="85000"/>
+              <a:lumOff val="15000"/>
+            </a:schemeClr>
+          </a:solidFill>
+          <a:ln>
+            <a:noFill/>
+          </a:ln>
+        </p:spPr>
+        <p:style>
+          <a:lnRef idx="2">
+            <a:schemeClr val="accent1">
+              <a:shade val="50000"/>
+            </a:schemeClr>
+          </a:lnRef>
+          <a:fillRef idx="1">
+            <a:schemeClr val="accent1"/>
+          </a:fillRef>
+          <a:effectRef idx="0">
+            <a:schemeClr val="accent1"/>
+          </a:effectRef>
+          <a:fontRef idx="minor">
+            <a:schemeClr val="lt1"/>
+          </a:fontRef>
+        </p:style>
+      </p:sp>
+      <p:sp>
+        <p:nvSpPr>
+          <p:cNvPr id="18" name="Rectangle 17"/>
+          <p:cNvSpPr/>
+          <p:nvPr/>
+        </p:nvSpPr>
+        <p:spPr>
+          <a:xfrm>
+            <a:off x="10585827" y="609600"/>
+            <a:ext cx="1602997" cy="1368198"/>
+          </a:xfrm>
+          <a:prstGeom prst="rect">
+            <a:avLst/>
+          </a:prstGeom>
+          <a:solidFill>
+            <a:schemeClr val="accent1"/>
+          </a:solidFill>
+          <a:ln>
+            <a:noFill/>
+          </a:ln>
+        </p:spPr>
+        <p:style>
+          <a:lnRef idx="2">
+            <a:schemeClr val="accent1">
+              <a:shade val="50000"/>
+            </a:schemeClr>
+          </a:lnRef>
+          <a:fillRef idx="1">
+            <a:schemeClr val="accent1"/>
+          </a:fillRef>
+          <a:effectRef idx="0">
+            <a:schemeClr val="accent1"/>
+          </a:effectRef>
+          <a:fontRef idx="minor">
+            <a:schemeClr val="lt1"/>
+          </a:fontRef>
+        </p:style>
+      </p:sp>
+      <p:sp>
+        <p:nvSpPr>
+          <p:cNvPr id="30" name="Title 1"/>
+          <p:cNvSpPr>
+            <a:spLocks noGrp="1"/>
+          </p:cNvSpPr>
+          <p:nvPr>
+            <p:ph type="title"/>
+          </p:nvPr>
+        </p:nvSpPr>
+        <p:spPr>
+          <a:xfrm>
+            <a:off x="680322" y="753228"/>
+            <a:ext cx="9613860" cy="1080938"/>
+          </a:xfrm>
+        </p:spPr>
+        <p:txBody>
+          <a:bodyPr/>
+          <a:lstStyle/>
+          <a:p>
+            <a:r>
+              <a:rPr lang="en-US" smtClean="0"/>
+              <a:t>Click to edit Master title style</a:t>
+            </a:r>
+            <a:endParaRPr lang="en-US" dirty="0"/>
+          </a:p>
+        </p:txBody>
+      </p:sp>
+      <p:sp>
+        <p:nvSpPr>
+          <p:cNvPr id="19" name="Text Placeholder 2"/>
+          <p:cNvSpPr>
+            <a:spLocks noGrp="1"/>
+          </p:cNvSpPr>
+          <p:nvPr>
+            <p:ph type="body" idx="1"/>
+          </p:nvPr>
+        </p:nvSpPr>
+        <p:spPr>
+          <a:xfrm>
+            <a:off x="680318" y="4297503"/>
+            <a:ext cx="3049705" cy="576262"/>
+          </a:xfrm>
+        </p:spPr>
+        <p:txBody>
+          <a:bodyPr anchor="b">
+            <a:noAutofit/>
+          </a:bodyPr>
+          <a:lstStyle>
+            <a:lvl1pPr marL="0" indent="0">
+              <a:buNone/>
+              <a:defRPr sz="2400" b="0">
+                <a:solidFill>
+                  <a:schemeClr val="tx1"/>
+                </a:solidFill>
+              </a:defRPr>
+            </a:lvl1pPr>
+            <a:lvl2pPr marL="457200" indent="0">
+              <a:buNone/>
+              <a:defRPr sz="2000" b="1"/>
+            </a:lvl2pPr>
+            <a:lvl3pPr marL="914400" indent="0">
+              <a:buNone/>
+              <a:defRPr sz="1800" b="1"/>
+            </a:lvl3pPr>
+            <a:lvl4pPr marL="1371600" indent="0">
+              <a:buNone/>
+              <a:defRPr sz="1600" b="1"/>
+            </a:lvl4pPr>
+            <a:lvl5pPr marL="1828800" indent="0">
+              <a:buNone/>
+              <a:defRPr sz="1600" b="1"/>
+            </a:lvl5pPr>
+            <a:lvl6pPr marL="2286000" indent="0">
+              <a:buNone/>
+              <a:defRPr sz="1600" b="1"/>
+            </a:lvl6pPr>
+            <a:lvl7pPr marL="2743200" indent="0">
+              <a:buNone/>
+              <a:defRPr sz="1600" b="1"/>
+            </a:lvl7pPr>
+            <a:lvl8pPr marL="3200400" indent="0">
+              <a:buNone/>
+              <a:defRPr sz="1600" b="1"/>
+            </a:lvl8pPr>
+            <a:lvl9pPr marL="3657600" indent="0">
+              <a:buNone/>
+              <a:defRPr sz="1600" b="1"/>
+            </a:lvl9pPr>
+          </a:lstStyle>
+          <a:p>
+            <a:pPr lvl="0"/>
+            <a:r>
+              <a:rPr lang="en-US" smtClean="0"/>
+              <a:t>Click to edit Master text styles</a:t>
+            </a:r>
+          </a:p>
+        </p:txBody>
+      </p:sp>
+      <p:sp>
+        <p:nvSpPr>
+          <p:cNvPr id="20" name="Picture Placeholder 2"/>
+          <p:cNvSpPr>
+            <a:spLocks noGrp="1" noChangeAspect="1"/>
+          </p:cNvSpPr>
+          <p:nvPr>
+            <p:ph type="pic" idx="15"/>
+          </p:nvPr>
+        </p:nvSpPr>
+        <p:spPr>
+          <a:xfrm>
+            <a:off x="680318" y="2336873"/>
+            <a:ext cx="3049705" cy="1524000"/>
+          </a:xfrm>
+          <a:prstGeom prst="roundRect">
+            <a:avLst>
+              <a:gd name="adj" fmla="val 0"/>
+            </a:avLst>
+          </a:prstGeom>
+          <a:effectLst>
+            <a:outerShdw blurRad="50800" dist="50800" dir="5400000" algn="tl" rotWithShape="0">
+              <a:srgbClr val="000000">
+                <a:alpha val="43000"/>
+              </a:srgbClr>
+            </a:outerShdw>
+          </a:effectLst>
+        </p:spPr>
+        <p:txBody>
+          <a:bodyPr anchor="t">
+            <a:normAutofit/>
+          </a:bodyPr>
+          <a:lstStyle>
+            <a:lvl1pPr marL="0" indent="0" algn="ctr">
+              <a:buNone/>
+              <a:defRPr sz="1600"/>
+            </a:lvl1pPr>
+            <a:lvl2pPr marL="457200" indent="0">
+              <a:buNone/>
+              <a:defRPr sz="1600"/>
+            </a:lvl2pPr>
+            <a:lvl3pPr marL="914400" indent="0">
+              <a:buNone/>
+              <a:defRPr sz="1600"/>
+            </a:lvl3pPr>
+            <a:lvl4pPr marL="1371600" indent="0">
+              <a:buNone/>
+              <a:defRPr sz="1600"/>
+            </a:lvl4pPr>
+            <a:lvl5pPr marL="1828800" indent="0">
+              <a:buNone/>
+              <a:defRPr sz="1600"/>
+            </a:lvl5pPr>
+            <a:lvl6pPr marL="2286000" indent="0">
+              <a:buNone/>
+              <a:defRPr sz="1600"/>
+            </a:lvl6pPr>
+            <a:lvl7pPr marL="2743200" indent="0">
+              <a:buNone/>
+              <a:defRPr sz="1600"/>
+            </a:lvl7pPr>
+            <a:lvl8pPr marL="3200400" indent="0">
+              <a:buNone/>
+              <a:defRPr sz="1600"/>
+            </a:lvl8pPr>
+            <a:lvl9pPr marL="3657600" indent="0">
+              <a:buNone/>
+              <a:defRPr sz="1600"/>
+            </a:lvl9pPr>
+          </a:lstStyle>
+          <a:p>
+            <a:r>
+              <a:rPr lang="en-US" smtClean="0"/>
+              <a:t>Click icon to add picture</a:t>
+            </a:r>
+            <a:endParaRPr lang="en-US" dirty="0"/>
+          </a:p>
+        </p:txBody>
+      </p:sp>
+      <p:sp>
+        <p:nvSpPr>
+          <p:cNvPr id="21" name="Text Placeholder 3"/>
+          <p:cNvSpPr>
+            <a:spLocks noGrp="1"/>
+          </p:cNvSpPr>
+          <p:nvPr>
+            <p:ph type="body" sz="half" idx="18"/>
+          </p:nvPr>
+        </p:nvSpPr>
+        <p:spPr>
+          <a:xfrm>
+            <a:off x="680318" y="4873765"/>
+            <a:ext cx="3049705" cy="1062422"/>
+          </a:xfrm>
+        </p:spPr>
+        <p:txBody>
+          <a:bodyPr anchor="t">
+            <a:normAutofit/>
+          </a:bodyPr>
+          <a:lstStyle>
+            <a:lvl1pPr marL="0" indent="0">
+              <a:buNone/>
+              <a:defRPr sz="1400"/>
+            </a:lvl1pPr>
+            <a:lvl2pPr marL="457200" indent="0">
+              <a:buNone/>
+              <a:defRPr sz="1200"/>
+            </a:lvl2pPr>
+            <a:lvl3pPr marL="914400" indent="0">
+              <a:buNone/>
+              <a:defRPr sz="1000"/>
+            </a:lvl3pPr>
+            <a:lvl4pPr marL="1371600" indent="0">
+              <a:buNone/>
+              <a:defRPr sz="900"/>
+            </a:lvl4pPr>
+            <a:lvl5pPr marL="1828800" indent="0">
+              <a:buNone/>
+              <a:defRPr sz="900"/>
+            </a:lvl5pPr>
+            <a:lvl6pPr marL="2286000" indent="0">
+              <a:buNone/>
+              <a:defRPr sz="900"/>
+            </a:lvl6pPr>
+            <a:lvl7pPr marL="2743200" indent="0">
+              <a:buNone/>
+              <a:defRPr sz="900"/>
+            </a:lvl7pPr>
+            <a:lvl8pPr marL="3200400" indent="0">
+              <a:buNone/>
+              <a:defRPr sz="900"/>
+            </a:lvl8pPr>
+            <a:lvl9pPr marL="3657600" indent="0">
+              <a:buNone/>
+              <a:defRPr sz="900"/>
+            </a:lvl9pPr>
+          </a:lstStyle>
+          <a:p>
+            <a:pPr lvl="0"/>
+            <a:r>
+              <a:rPr lang="en-US" smtClean="0"/>
+              <a:t>Click to edit Master text styles</a:t>
+            </a:r>
+          </a:p>
+        </p:txBody>
+      </p:sp>
+      <p:sp>
+        <p:nvSpPr>
+          <p:cNvPr id="22" name="Text Placeholder 4"/>
+          <p:cNvSpPr>
+            <a:spLocks noGrp="1"/>
+          </p:cNvSpPr>
+          <p:nvPr>
+            <p:ph type="body" sz="quarter" idx="3"/>
+          </p:nvPr>
+        </p:nvSpPr>
+        <p:spPr>
+          <a:xfrm>
+            <a:off x="3945471" y="4297503"/>
+            <a:ext cx="3063240" cy="576262"/>
+          </a:xfrm>
+        </p:spPr>
+        <p:txBody>
+          <a:bodyPr anchor="b">
+            <a:noAutofit/>
+          </a:bodyPr>
+          <a:lstStyle>
+            <a:lvl1pPr marL="0" indent="0">
+              <a:buNone/>
+              <a:defRPr sz="2400" b="0">
+                <a:solidFill>
+                  <a:schemeClr val="tx1"/>
+                </a:solidFill>
+              </a:defRPr>
+            </a:lvl1pPr>
+            <a:lvl2pPr marL="457200" indent="0">
+              <a:buNone/>
+              <a:defRPr sz="2000" b="1"/>
+            </a:lvl2pPr>
+            <a:lvl3pPr marL="914400" indent="0">
+              <a:buNone/>
+              <a:defRPr sz="1800" b="1"/>
+            </a:lvl3pPr>
+            <a:lvl4pPr marL="1371600" indent="0">
+              <a:buNone/>
+              <a:defRPr sz="1600" b="1"/>
+            </a:lvl4pPr>
+            <a:lvl5pPr marL="1828800" indent="0">
+              <a:buNone/>
+              <a:defRPr sz="1600" b="1"/>
+            </a:lvl5pPr>
+            <a:lvl6pPr marL="2286000" indent="0">
+              <a:buNone/>
+              <a:defRPr sz="1600" b="1"/>
+            </a:lvl6pPr>
+            <a:lvl7pPr marL="2743200" indent="0">
+              <a:buNone/>
+              <a:defRPr sz="1600" b="1"/>
+            </a:lvl7pPr>
+            <a:lvl8pPr marL="3200400" indent="0">
+              <a:buNone/>
+              <a:defRPr sz="1600" b="1"/>
+            </a:lvl8pPr>
+            <a:lvl9pPr marL="3657600" indent="0">
+              <a:buNone/>
+              <a:defRPr sz="1600" b="1"/>
+            </a:lvl9pPr>
+          </a:lstStyle>
+          <a:p>
+            <a:pPr lvl="0"/>
+            <a:r>
+              <a:rPr lang="en-US" smtClean="0"/>
+              <a:t>Click to edit Master text styles</a:t>
+            </a:r>
+          </a:p>
+        </p:txBody>
+      </p:sp>
+      <p:sp>
+        <p:nvSpPr>
+          <p:cNvPr id="23" name="Picture Placeholder 2"/>
+          <p:cNvSpPr>
+            <a:spLocks noGrp="1" noChangeAspect="1"/>
+          </p:cNvSpPr>
+          <p:nvPr>
+            <p:ph type="pic" idx="21"/>
+          </p:nvPr>
+        </p:nvSpPr>
+        <p:spPr>
+          <a:xfrm>
+            <a:off x="3945470" y="2336873"/>
+            <a:ext cx="3063240" cy="1524000"/>
+          </a:xfrm>
+          <a:prstGeom prst="roundRect">
+            <a:avLst>
+              <a:gd name="adj" fmla="val 0"/>
+            </a:avLst>
+          </a:prstGeom>
+          <a:effectLst>
+            <a:outerShdw blurRad="50800" dist="50800" dir="5400000" algn="tl" rotWithShape="0">
+              <a:srgbClr val="000000">
+                <a:alpha val="43000"/>
+              </a:srgbClr>
+            </a:outerShdw>
+          </a:effectLst>
+        </p:spPr>
+        <p:txBody>
+          <a:bodyPr anchor="t">
+            <a:normAutofit/>
+          </a:bodyPr>
+          <a:lstStyle>
+            <a:lvl1pPr marL="0" indent="0" algn="ctr">
+              <a:buNone/>
+              <a:defRPr sz="1600"/>
+            </a:lvl1pPr>
+            <a:lvl2pPr marL="457200" indent="0">
+              <a:buNone/>
+              <a:defRPr sz="1600"/>
+            </a:lvl2pPr>
+            <a:lvl3pPr marL="914400" indent="0">
+              <a:buNone/>
+              <a:defRPr sz="1600"/>
+            </a:lvl3pPr>
+            <a:lvl4pPr marL="1371600" indent="0">
+              <a:buNone/>
+              <a:defRPr sz="1600"/>
+            </a:lvl4pPr>
+            <a:lvl5pPr marL="1828800" indent="0">
+              <a:buNone/>
+              <a:defRPr sz="1600"/>
+            </a:lvl5pPr>
+            <a:lvl6pPr marL="2286000" indent="0">
+              <a:buNone/>
+              <a:defRPr sz="1600"/>
+            </a:lvl6pPr>
+            <a:lvl7pPr marL="2743200" indent="0">
+              <a:buNone/>
+              <a:defRPr sz="1600"/>
+            </a:lvl7pPr>
+            <a:lvl8pPr marL="3200400" indent="0">
+              <a:buNone/>
+              <a:defRPr sz="1600"/>
+            </a:lvl8pPr>
+            <a:lvl9pPr marL="3657600" indent="0">
+              <a:buNone/>
+              <a:defRPr sz="1600"/>
+            </a:lvl9pPr>
+          </a:lstStyle>
+          <a:p>
+            <a:r>
+              <a:rPr lang="en-US" smtClean="0"/>
+              <a:t>Click icon to add picture</a:t>
+            </a:r>
+            <a:endParaRPr lang="en-US" dirty="0"/>
+          </a:p>
+        </p:txBody>
+      </p:sp>
+      <p:sp>
+        <p:nvSpPr>
+          <p:cNvPr id="24" name="Text Placeholder 3"/>
+          <p:cNvSpPr>
+            <a:spLocks noGrp="1"/>
+          </p:cNvSpPr>
+          <p:nvPr>
+            <p:ph type="body" sz="half" idx="19"/>
+          </p:nvPr>
+        </p:nvSpPr>
+        <p:spPr>
+          <a:xfrm>
+            <a:off x="3944117" y="4873764"/>
+            <a:ext cx="3067297" cy="1062422"/>
+          </a:xfrm>
+        </p:spPr>
+        <p:txBody>
+          <a:bodyPr anchor="t">
+            <a:normAutofit/>
+          </a:bodyPr>
+          <a:lstStyle>
+            <a:lvl1pPr marL="0" indent="0">
+              <a:buNone/>
+              <a:defRPr sz="1400"/>
+            </a:lvl1pPr>
+            <a:lvl2pPr marL="457200" indent="0">
+              <a:buNone/>
+              <a:defRPr sz="1200"/>
+            </a:lvl2pPr>
+            <a:lvl3pPr marL="914400" indent="0">
+              <a:buNone/>
+              <a:defRPr sz="1000"/>
+            </a:lvl3pPr>
+            <a:lvl4pPr marL="1371600" indent="0">
+              <a:buNone/>
+              <a:defRPr sz="900"/>
+            </a:lvl4pPr>
+            <a:lvl5pPr marL="1828800" indent="0">
+              <a:buNone/>
+              <a:defRPr sz="900"/>
+            </a:lvl5pPr>
+            <a:lvl6pPr marL="2286000" indent="0">
+              <a:buNone/>
+              <a:defRPr sz="900"/>
+            </a:lvl6pPr>
+            <a:lvl7pPr marL="2743200" indent="0">
+              <a:buNone/>
+              <a:defRPr sz="900"/>
+            </a:lvl7pPr>
+            <a:lvl8pPr marL="3200400" indent="0">
+              <a:buNone/>
+              <a:defRPr sz="900"/>
+            </a:lvl8pPr>
+            <a:lvl9pPr marL="3657600" indent="0">
+              <a:buNone/>
+              <a:defRPr sz="900"/>
+            </a:lvl9pPr>
+          </a:lstStyle>
+          <a:p>
+            <a:pPr lvl="0"/>
+            <a:r>
+              <a:rPr lang="en-US" smtClean="0"/>
+              <a:t>Click to edit Master text styles</a:t>
+            </a:r>
+          </a:p>
+        </p:txBody>
+      </p:sp>
+      <p:sp>
+        <p:nvSpPr>
+          <p:cNvPr id="25" name="Text Placeholder 4"/>
+          <p:cNvSpPr>
+            <a:spLocks noGrp="1"/>
+          </p:cNvSpPr>
+          <p:nvPr>
+            <p:ph type="body" sz="quarter" idx="13"/>
+          </p:nvPr>
+        </p:nvSpPr>
+        <p:spPr>
+          <a:xfrm>
+            <a:off x="7230678" y="4297503"/>
+            <a:ext cx="3063505" cy="576262"/>
+          </a:xfrm>
+        </p:spPr>
+        <p:txBody>
+          <a:bodyPr anchor="b">
+            <a:noAutofit/>
+          </a:bodyPr>
+          <a:lstStyle>
+            <a:lvl1pPr marL="0" indent="0">
+              <a:buNone/>
+              <a:defRPr sz="2400" b="0">
+                <a:solidFill>
+                  <a:schemeClr val="tx1"/>
+                </a:solidFill>
+              </a:defRPr>
+            </a:lvl1pPr>
+            <a:lvl2pPr marL="457200" indent="0">
+              <a:buNone/>
+              <a:defRPr sz="2000" b="1"/>
+            </a:lvl2pPr>
+            <a:lvl3pPr marL="914400" indent="0">
+              <a:buNone/>
+              <a:defRPr sz="1800" b="1"/>
+            </a:lvl3pPr>
+            <a:lvl4pPr marL="1371600" indent="0">
+              <a:buNone/>
+              <a:defRPr sz="1600" b="1"/>
+            </a:lvl4pPr>
+            <a:lvl5pPr marL="1828800" indent="0">
+              <a:buNone/>
+              <a:defRPr sz="1600" b="1"/>
+            </a:lvl5pPr>
+            <a:lvl6pPr marL="2286000" indent="0">
+              <a:buNone/>
+              <a:defRPr sz="1600" b="1"/>
+            </a:lvl6pPr>
+            <a:lvl7pPr marL="2743200" indent="0">
+              <a:buNone/>
+              <a:defRPr sz="1600" b="1"/>
+            </a:lvl7pPr>
+            <a:lvl8pPr marL="3200400" indent="0">
+              <a:buNone/>
+              <a:defRPr sz="1600" b="1"/>
+            </a:lvl8pPr>
+            <a:lvl9pPr marL="3657600" indent="0">
+              <a:buNone/>
+              <a:defRPr sz="1600" b="1"/>
+            </a:lvl9pPr>
+          </a:lstStyle>
+          <a:p>
+            <a:pPr lvl="0"/>
+            <a:r>
+              <a:rPr lang="en-US" smtClean="0"/>
+              <a:t>Click to edit Master text styles</a:t>
+            </a:r>
+          </a:p>
+        </p:txBody>
+      </p:sp>
+      <p:sp>
+        <p:nvSpPr>
+          <p:cNvPr id="26" name="Picture Placeholder 2"/>
+          <p:cNvSpPr>
+            <a:spLocks noGrp="1" noChangeAspect="1"/>
+          </p:cNvSpPr>
+          <p:nvPr>
+            <p:ph type="pic" idx="22"/>
+          </p:nvPr>
+        </p:nvSpPr>
+        <p:spPr>
+          <a:xfrm>
+            <a:off x="7230677" y="2336873"/>
+            <a:ext cx="3063505" cy="1524000"/>
+          </a:xfrm>
+          <a:prstGeom prst="roundRect">
+            <a:avLst>
+              <a:gd name="adj" fmla="val 0"/>
+            </a:avLst>
+          </a:prstGeom>
+          <a:effectLst>
+            <a:outerShdw blurRad="50800" dist="50800" dir="5400000" algn="tl" rotWithShape="0">
+              <a:srgbClr val="000000">
+                <a:alpha val="43000"/>
+              </a:srgbClr>
+            </a:outerShdw>
+          </a:effectLst>
+        </p:spPr>
+        <p:txBody>
+          <a:bodyPr anchor="t">
+            <a:normAutofit/>
+          </a:bodyPr>
+          <a:lstStyle>
+            <a:lvl1pPr marL="0" indent="0" algn="ctr">
+              <a:buNone/>
+              <a:defRPr sz="1600"/>
+            </a:lvl1pPr>
+            <a:lvl2pPr marL="457200" indent="0">
+              <a:buNone/>
+              <a:defRPr sz="1600"/>
+            </a:lvl2pPr>
+            <a:lvl3pPr marL="914400" indent="0">
+              <a:buNone/>
+              <a:defRPr sz="1600"/>
+            </a:lvl3pPr>
+            <a:lvl4pPr marL="1371600" indent="0">
+              <a:buNone/>
+              <a:defRPr sz="1600"/>
+            </a:lvl4pPr>
+            <a:lvl5pPr marL="1828800" indent="0">
+              <a:buNone/>
+              <a:defRPr sz="1600"/>
+            </a:lvl5pPr>
+            <a:lvl6pPr marL="2286000" indent="0">
+              <a:buNone/>
+              <a:defRPr sz="1600"/>
+            </a:lvl6pPr>
+            <a:lvl7pPr marL="2743200" indent="0">
+              <a:buNone/>
+              <a:defRPr sz="1600"/>
+            </a:lvl7pPr>
+            <a:lvl8pPr marL="3200400" indent="0">
+              <a:buNone/>
+              <a:defRPr sz="1600"/>
+            </a:lvl8pPr>
+            <a:lvl9pPr marL="3657600" indent="0">
+              <a:buNone/>
+              <a:defRPr sz="1600"/>
+            </a:lvl9pPr>
+          </a:lstStyle>
+          <a:p>
+            <a:r>
+              <a:rPr lang="en-US" smtClean="0"/>
+              <a:t>Click icon to add picture</a:t>
+            </a:r>
+            <a:endParaRPr lang="en-US" dirty="0"/>
+          </a:p>
+        </p:txBody>
+      </p:sp>
+      <p:sp>
+        <p:nvSpPr>
+          <p:cNvPr id="27" name="Text Placeholder 3"/>
+          <p:cNvSpPr>
+            <a:spLocks noGrp="1"/>
+          </p:cNvSpPr>
+          <p:nvPr>
+            <p:ph type="body" sz="half" idx="20"/>
+          </p:nvPr>
+        </p:nvSpPr>
+        <p:spPr>
+          <a:xfrm>
+            <a:off x="7230553" y="4873762"/>
+            <a:ext cx="3067563" cy="1062422"/>
+          </a:xfrm>
+        </p:spPr>
+        <p:txBody>
+          <a:bodyPr anchor="t">
+            <a:normAutofit/>
+          </a:bodyPr>
+          <a:lstStyle>
+            <a:lvl1pPr marL="0" indent="0">
+              <a:buNone/>
+              <a:defRPr sz="1400"/>
+            </a:lvl1pPr>
+            <a:lvl2pPr marL="457200" indent="0">
+              <a:buNone/>
+              <a:defRPr sz="1200"/>
+            </a:lvl2pPr>
+            <a:lvl3pPr marL="914400" indent="0">
+              <a:buNone/>
+              <a:defRPr sz="1000"/>
+            </a:lvl3pPr>
+            <a:lvl4pPr marL="1371600" indent="0">
+              <a:buNone/>
+              <a:defRPr sz="900"/>
+            </a:lvl4pPr>
+            <a:lvl5pPr marL="1828800" indent="0">
+              <a:buNone/>
+              <a:defRPr sz="900"/>
+            </a:lvl5pPr>
+            <a:lvl6pPr marL="2286000" indent="0">
+              <a:buNone/>
+              <a:defRPr sz="900"/>
+            </a:lvl6pPr>
+            <a:lvl7pPr marL="2743200" indent="0">
+              <a:buNone/>
+              <a:defRPr sz="900"/>
+            </a:lvl7pPr>
+            <a:lvl8pPr marL="3200400" indent="0">
+              <a:buNone/>
+              <a:defRPr sz="900"/>
+            </a:lvl8pPr>
+            <a:lvl9pPr marL="3657600" indent="0">
+              <a:buNone/>
+              <a:defRPr sz="900"/>
+            </a:lvl9pPr>
+          </a:lstStyle>
+          <a:p>
+            <a:pPr lvl="0"/>
+            <a:r>
+              <a:rPr lang="en-US" smtClean="0"/>
+              <a:t>Click to edit Master text styles</a:t>
+            </a:r>
+          </a:p>
+        </p:txBody>
+      </p:sp>
+      <p:sp>
+        <p:nvSpPr>
+          <p:cNvPr id="3" name="Date Placeholder 2"/>
+          <p:cNvSpPr>
+            <a:spLocks noGrp="1"/>
+          </p:cNvSpPr>
+          <p:nvPr>
+            <p:ph type="dt" sz="half" idx="10"/>
+          </p:nvPr>
+        </p:nvSpPr>
+        <p:spPr/>
+        <p:txBody>
+          <a:bodyPr/>
+          <a:lstStyle/>
+          <a:p>
+            <a:fld id="{346E5E81-2ED8-4512-8620-486D144720FF}" type="datetimeFigureOut">
+              <a:rPr lang="en-US" smtClean="0"/>
+              <a:t>4/16/2013</a:t>
+            </a:fld>
+            <a:endParaRPr lang="en-US"/>
+          </a:p>
+        </p:txBody>
+      </p:sp>
+      <p:sp>
+        <p:nvSpPr>
+          <p:cNvPr id="4" name="Footer Placeholder 3"/>
+          <p:cNvSpPr>
+            <a:spLocks noGrp="1"/>
+          </p:cNvSpPr>
+          <p:nvPr>
+            <p:ph type="ftr" sz="quarter" idx="11"/>
+          </p:nvPr>
+        </p:nvSpPr>
+        <p:spPr/>
+        <p:txBody>
+          <a:bodyPr/>
+          <a:lstStyle/>
+          <a:p>
+            <a:endParaRPr lang="en-US"/>
+          </a:p>
+        </p:txBody>
+      </p:sp>
+      <p:sp>
+        <p:nvSpPr>
+          <p:cNvPr id="5" name="Slide Number Placeholder 4"/>
+          <p:cNvSpPr>
+            <a:spLocks noGrp="1"/>
+          </p:cNvSpPr>
+          <p:nvPr>
+            <p:ph type="sldNum" sz="quarter" idx="12"/>
+          </p:nvPr>
+        </p:nvSpPr>
+        <p:spPr/>
+        <p:txBody>
+          <a:bodyPr/>
+          <a:lstStyle/>
+          <a:p>
+            <a:fld id="{B70B7430-D1C7-4683-AB27-07761046DF7E}" type="slidenum">
+              <a:rPr lang="en-US" smtClean="0"/>
+              <a:t>‹#›</a:t>
+            </a:fld>
+            <a:endParaRPr lang="en-US"/>
+          </a:p>
+        </p:txBody>
+      </p:sp>
+    </p:spTree>
+    <p:extLst>
+      <p:ext uri="{BB962C8B-B14F-4D97-AF65-F5344CB8AC3E}">
+        <p14:creationId xmlns:p14="http://schemas.microsoft.com/office/powerpoint/2010/main" val="758190636"/>
+      </p:ext>
+    </p:extLst>
+  </p:cSld>
+  <p:clrMapOvr>
+    <a:masterClrMapping/>
+  </p:clrMapOvr>
+</p:sldLayout>
+</file>
+
+<file path=ppt/slideLayouts/slideLayout16.xml><?xml version="1.0" encoding="utf-8"?>
 <p:sldLayout xmlns:a="http://schemas.openxmlformats.org/drawingml/2006/main" xmlns:r="http://schemas.openxmlformats.org/officeDocument/2006/relationships" xmlns:p="http://schemas.openxmlformats.org/presentationml/2006/main" type="vertTx" preserve="1">
   <p:cSld name="Title and Vertical Text">
     <p:spTree>
@@ -324,6 +3786,145 @@
           <a:chExt cx="0" cy="0"/>
         </a:xfrm>
       </p:grpSpPr>
+      <p:pic>
+        <p:nvPicPr>
+          <p:cNvPr id="7" name="Picture 6" descr="HD-ShadowLong.png"/>
+          <p:cNvPicPr>
+            <a:picLocks noChangeAspect="1"/>
+          </p:cNvPicPr>
+          <p:nvPr/>
+        </p:nvPicPr>
+        <p:blipFill>
+          <a:blip r:embed="rId2">
+            <a:extLst>
+              <a:ext uri="{28A0092B-C50C-407E-A947-70E740481C1C}">
+                <a14:useLocalDpi xmlns:a14="http://schemas.microsoft.com/office/drawing/2010/main" val="0"/>
+              </a:ext>
+            </a:extLst>
+          </a:blip>
+          <a:stretch>
+            <a:fillRect/>
+          </a:stretch>
+        </p:blipFill>
+        <p:spPr>
+          <a:xfrm>
+            <a:off x="1" y="1970240"/>
+            <a:ext cx="10437812" cy="321164"/>
+          </a:xfrm>
+          <a:prstGeom prst="rect">
+            <a:avLst/>
+          </a:prstGeom>
+        </p:spPr>
+      </p:pic>
+      <p:pic>
+        <p:nvPicPr>
+          <p:cNvPr id="8" name="Picture 7" descr="HD-ShadowShort.png"/>
+          <p:cNvPicPr>
+            <a:picLocks noChangeAspect="1"/>
+          </p:cNvPicPr>
+          <p:nvPr/>
+        </p:nvPicPr>
+        <p:blipFill>
+          <a:blip r:embed="rId3" cstate="print">
+            <a:extLst>
+              <a:ext uri="{28A0092B-C50C-407E-A947-70E740481C1C}">
+                <a14:useLocalDpi xmlns:a14="http://schemas.microsoft.com/office/drawing/2010/main" val="0"/>
+              </a:ext>
+            </a:extLst>
+          </a:blip>
+          <a:stretch>
+            <a:fillRect/>
+          </a:stretch>
+        </p:blipFill>
+        <p:spPr>
+          <a:xfrm>
+            <a:off x="10585826" y="1971234"/>
+            <a:ext cx="1602997" cy="144270"/>
+          </a:xfrm>
+          <a:prstGeom prst="rect">
+            <a:avLst/>
+          </a:prstGeom>
+        </p:spPr>
+      </p:pic>
+      <p:sp>
+        <p:nvSpPr>
+          <p:cNvPr id="9" name="Rectangle 8"/>
+          <p:cNvSpPr/>
+          <p:nvPr/>
+        </p:nvSpPr>
+        <p:spPr>
+          <a:xfrm>
+            <a:off x="0" y="609600"/>
+            <a:ext cx="10437812" cy="1368198"/>
+          </a:xfrm>
+          <a:prstGeom prst="rect">
+            <a:avLst/>
+          </a:prstGeom>
+          <a:solidFill>
+            <a:schemeClr val="bg1">
+              <a:lumMod val="85000"/>
+              <a:lumOff val="15000"/>
+            </a:schemeClr>
+          </a:solidFill>
+          <a:ln>
+            <a:noFill/>
+          </a:ln>
+        </p:spPr>
+        <p:style>
+          <a:lnRef idx="2">
+            <a:schemeClr val="accent1">
+              <a:shade val="50000"/>
+            </a:schemeClr>
+          </a:lnRef>
+          <a:fillRef idx="1">
+            <a:schemeClr val="accent1"/>
+          </a:fillRef>
+          <a:effectRef idx="0">
+            <a:schemeClr val="accent1"/>
+          </a:effectRef>
+          <a:fontRef idx="minor">
+            <a:schemeClr val="lt1"/>
+          </a:fontRef>
+        </p:style>
+      </p:sp>
+      <p:sp>
+        <p:nvSpPr>
+          <p:cNvPr id="10" name="Rectangle 9"/>
+          <p:cNvSpPr/>
+          <p:nvPr/>
+        </p:nvSpPr>
+        <p:spPr>
+          <a:xfrm>
+            <a:off x="10585827" y="609600"/>
+            <a:ext cx="1602997" cy="1368198"/>
+          </a:xfrm>
+          <a:prstGeom prst="rect">
+            <a:avLst/>
+          </a:prstGeom>
+          <a:solidFill>
+            <a:schemeClr val="accent1"/>
+          </a:solidFill>
+          <a:ln>
+            <a:noFill/>
+          </a:ln>
+        </p:spPr>
+        <p:style>
+          <a:lnRef idx="2">
+            <a:schemeClr val="accent1">
+              <a:shade val="50000"/>
+            </a:schemeClr>
+          </a:lnRef>
+          <a:fillRef idx="1">
+            <a:schemeClr val="accent1"/>
+          </a:fillRef>
+          <a:effectRef idx="0">
+            <a:schemeClr val="accent1"/>
+          </a:effectRef>
+          <a:fontRef idx="minor">
+            <a:schemeClr val="lt1"/>
+          </a:fontRef>
+        </p:style>
+      </p:sp>
       <p:sp>
         <p:nvSpPr>
           <p:cNvPr id="2" name="Title 1"/>
@@ -332,6 +3933,85 @@
           </p:cNvSpPr>
           <p:nvPr>
             <p:ph type="title"/>
+          </p:nvPr>
+        </p:nvSpPr>
+        <p:spPr/>
+        <p:txBody>
+          <a:bodyPr/>
+          <a:lstStyle>
+            <a:lvl1pPr algn="r">
+              <a:defRPr/>
+            </a:lvl1pPr>
+          </a:lstStyle>
+          <a:p>
+            <a:r>
+              <a:rPr lang="en-US" smtClean="0"/>
+              <a:t>Click to edit Master title style</a:t>
+            </a:r>
+            <a:endParaRPr lang="en-US" dirty="0"/>
+          </a:p>
+        </p:txBody>
+      </p:sp>
+      <p:sp>
+        <p:nvSpPr>
+          <p:cNvPr id="3" name="Vertical Text Placeholder 2"/>
+          <p:cNvSpPr>
+            <a:spLocks noGrp="1"/>
+          </p:cNvSpPr>
+          <p:nvPr>
+            <p:ph type="body" orient="vert" idx="1"/>
+          </p:nvPr>
+        </p:nvSpPr>
+        <p:spPr/>
+        <p:txBody>
+          <a:bodyPr vert="eaVert"/>
+          <a:lstStyle/>
+          <a:p>
+            <a:pPr lvl="0"/>
+            <a:r>
+              <a:rPr lang="en-US" smtClean="0"/>
+              <a:t>Click to edit Master text styles</a:t>
+            </a:r>
+          </a:p>
+          <a:p>
+            <a:pPr lvl="1"/>
+            <a:r>
+              <a:rPr lang="en-US" smtClean="0"/>
+              <a:t>Second level</a:t>
+            </a:r>
+          </a:p>
+          <a:p>
+            <a:pPr lvl="2"/>
+            <a:r>
+              <a:rPr lang="en-US" smtClean="0"/>
+              <a:t>Third level</a:t>
+            </a:r>
+          </a:p>
+          <a:p>
+            <a:pPr lvl="3"/>
+            <a:r>
+              <a:rPr lang="en-US" smtClean="0"/>
+              <a:t>Fourth level</a:t>
+            </a:r>
+          </a:p>
+          <a:p>
+            <a:pPr lvl="4"/>
+            <a:r>
+              <a:rPr lang="en-US" smtClean="0"/>
+              <a:t>Fifth level</a:t>
+            </a:r>
+            <a:endParaRPr lang="en-US" dirty="0"/>
+          </a:p>
+        </p:txBody>
+      </p:sp>
+      <p:sp>
+        <p:nvSpPr>
+          <p:cNvPr id="4" name="Date Placeholder 3"/>
+          <p:cNvSpPr>
+            <a:spLocks noGrp="1"/>
+          </p:cNvSpPr>
+          <p:nvPr>
+            <p:ph type="dt" sz="half" idx="10"/>
           </p:nvPr>
         </p:nvSpPr>
         <p:spPr/>
@@ -339,84 +4019,9 @@
           <a:bodyPr/>
           <a:lstStyle/>
           <a:p>
-            <a:r>
-              <a:rPr lang="en-US" smtClean="0"/>
-              <a:t>Click to edit Master title style</a:t>
-            </a:r>
-            <a:endParaRPr lang="en-US"/>
-          </a:p>
-        </p:txBody>
-      </p:sp>
-      <p:sp>
-        <p:nvSpPr>
-          <p:cNvPr id="3" name="Vertical Text Placeholder 2"/>
-          <p:cNvSpPr>
-            <a:spLocks noGrp="1"/>
-          </p:cNvSpPr>
-          <p:nvPr>
-            <p:ph type="body" orient="vert" idx="1"/>
-          </p:nvPr>
-        </p:nvSpPr>
-        <p:spPr/>
-        <p:txBody>
-          <a:bodyPr vert="eaVert"/>
-          <a:lstStyle/>
-          <a:p>
-            <a:pPr lvl="0"/>
-            <a:r>
-              <a:rPr lang="en-US" smtClean="0"/>
-              <a:t>Click to edit Master text styles</a:t>
-            </a:r>
-          </a:p>
-          <a:p>
-            <a:pPr lvl="1"/>
-            <a:r>
-              <a:rPr lang="en-US" smtClean="0"/>
-              <a:t>Second level</a:t>
-            </a:r>
-          </a:p>
-          <a:p>
-            <a:pPr lvl="2"/>
-            <a:r>
-              <a:rPr lang="en-US" smtClean="0"/>
-              <a:t>Third level</a:t>
-            </a:r>
-          </a:p>
-          <a:p>
-            <a:pPr lvl="3"/>
-            <a:r>
-              <a:rPr lang="en-US" smtClean="0"/>
-              <a:t>Fourth level</a:t>
-            </a:r>
-          </a:p>
-          <a:p>
-            <a:pPr lvl="4"/>
-            <a:r>
-              <a:rPr lang="en-US" smtClean="0"/>
-              <a:t>Fifth level</a:t>
-            </a:r>
-            <a:endParaRPr lang="en-US"/>
-          </a:p>
-        </p:txBody>
-      </p:sp>
-      <p:sp>
-        <p:nvSpPr>
-          <p:cNvPr id="4" name="Date Placeholder 3"/>
-          <p:cNvSpPr>
-            <a:spLocks noGrp="1"/>
-          </p:cNvSpPr>
-          <p:nvPr>
-            <p:ph type="dt" sz="half" idx="10"/>
-          </p:nvPr>
-        </p:nvSpPr>
-        <p:spPr/>
-        <p:txBody>
-          <a:bodyPr/>
-          <a:lstStyle/>
-          <a:p>
             <a:fld id="{346E5E81-2ED8-4512-8620-486D144720FF}" type="datetimeFigureOut">
               <a:rPr lang="en-US" smtClean="0"/>
-              <a:t>4/8/2013</a:t>
+              <a:t>4/16/2013</a:t>
             </a:fld>
             <a:endParaRPr lang="en-US"/>
           </a:p>
@@ -467,7 +4072,7 @@
     </p:spTree>
     <p:extLst>
       <p:ext uri="{BB962C8B-B14F-4D97-AF65-F5344CB8AC3E}">
-        <p14:creationId xmlns:p14="http://schemas.microsoft.com/office/powerpoint/2010/main" val="1973986461"/>
+        <p14:creationId xmlns:p14="http://schemas.microsoft.com/office/powerpoint/2010/main" val="839791234"/>
       </p:ext>
     </p:extLst>
   </p:cSld>
@@ -477,7 +4082,7 @@
 </p:sldLayout>
 </file>
 
-<file path=ppt/slideLayouts/slideLayout11.xml><?xml version="1.0" encoding="utf-8"?>
+<file path=ppt/slideLayouts/slideLayout17.xml><?xml version="1.0" encoding="utf-8"?>
 <p:sldLayout xmlns:a="http://schemas.openxmlformats.org/drawingml/2006/main" xmlns:r="http://schemas.openxmlformats.org/officeDocument/2006/relationships" xmlns:p="http://schemas.openxmlformats.org/presentationml/2006/main" type="vertTitleAndTx" preserve="1">
   <p:cSld name="Vertical Title and Text">
     <p:spTree>
@@ -496,6 +4101,85 @@
       </p:grpSpPr>
       <p:sp>
         <p:nvSpPr>
+          <p:cNvPr id="7" name="Rectangle 6"/>
+          <p:cNvSpPr/>
+          <p:nvPr/>
+        </p:nvSpPr>
+        <p:spPr>
+          <a:xfrm rot="5400000">
+            <a:off x="8116207" y="1869395"/>
+            <a:ext cx="5106988" cy="1368198"/>
+          </a:xfrm>
+          <a:prstGeom prst="rect">
+            <a:avLst/>
+          </a:prstGeom>
+          <a:solidFill>
+            <a:schemeClr val="bg1">
+              <a:lumMod val="85000"/>
+              <a:lumOff val="15000"/>
+            </a:schemeClr>
+          </a:solidFill>
+          <a:ln>
+            <a:noFill/>
+          </a:ln>
+        </p:spPr>
+        <p:style>
+          <a:lnRef idx="2">
+            <a:schemeClr val="accent1">
+              <a:shade val="50000"/>
+            </a:schemeClr>
+          </a:lnRef>
+          <a:fillRef idx="1">
+            <a:schemeClr val="accent1"/>
+          </a:fillRef>
+          <a:effectRef idx="0">
+            <a:schemeClr val="accent1"/>
+          </a:effectRef>
+          <a:fontRef idx="minor">
+            <a:schemeClr val="lt1"/>
+          </a:fontRef>
+        </p:style>
+      </p:sp>
+      <p:sp>
+        <p:nvSpPr>
+          <p:cNvPr id="8" name="Rectangle 7"/>
+          <p:cNvSpPr/>
+          <p:nvPr/>
+        </p:nvSpPr>
+        <p:spPr>
+          <a:xfrm rot="5400000">
+            <a:off x="9868202" y="5372403"/>
+            <a:ext cx="1602997" cy="1368198"/>
+          </a:xfrm>
+          <a:prstGeom prst="rect">
+            <a:avLst/>
+          </a:prstGeom>
+          <a:solidFill>
+            <a:schemeClr val="accent1"/>
+          </a:solidFill>
+          <a:ln>
+            <a:noFill/>
+          </a:ln>
+        </p:spPr>
+        <p:style>
+          <a:lnRef idx="2">
+            <a:schemeClr val="accent1">
+              <a:shade val="50000"/>
+            </a:schemeClr>
+          </a:lnRef>
+          <a:fillRef idx="1">
+            <a:schemeClr val="accent1"/>
+          </a:fillRef>
+          <a:effectRef idx="0">
+            <a:schemeClr val="accent1"/>
+          </a:effectRef>
+          <a:fontRef idx="minor">
+            <a:schemeClr val="lt1"/>
+          </a:fontRef>
+        </p:style>
+      </p:sp>
+      <p:sp>
+        <p:nvSpPr>
           <p:cNvPr id="2" name="Vertical Title 1"/>
           <p:cNvSpPr>
             <a:spLocks noGrp="1"/>
@@ -506,8 +4190,8 @@
         </p:nvSpPr>
         <p:spPr>
           <a:xfrm>
-            <a:off x="8724900" y="274638"/>
-            <a:ext cx="2628900" cy="5897562"/>
+            <a:off x="10129231" y="609597"/>
+            <a:ext cx="1073802" cy="4353760"/>
           </a:xfrm>
         </p:spPr>
         <p:txBody>
@@ -518,7 +4202,7 @@
               <a:rPr lang="en-US" smtClean="0"/>
               <a:t>Click to edit Master title style</a:t>
             </a:r>
-            <a:endParaRPr lang="en-US"/>
+            <a:endParaRPr lang="en-US" dirty="0"/>
           </a:p>
         </p:txBody>
       </p:sp>
@@ -534,8 +4218,8 @@
         </p:nvSpPr>
         <p:spPr>
           <a:xfrm>
-            <a:off x="838200" y="274638"/>
-            <a:ext cx="7734300" cy="5897562"/>
+            <a:off x="680322" y="609597"/>
+            <a:ext cx="8870004" cy="5326589"/>
           </a:xfrm>
         </p:spPr>
         <p:txBody>
@@ -575,7 +4259,7 @@
               <a:rPr lang="en-US" smtClean="0"/>
               <a:t>Fifth level</a:t>
             </a:r>
-            <a:endParaRPr lang="en-US"/>
+            <a:endParaRPr lang="en-US" dirty="0"/>
           </a:p>
         </p:txBody>
       </p:sp>
@@ -589,14 +4273,19 @@
             <p:ph type="dt" sz="half" idx="10"/>
           </p:nvPr>
         </p:nvSpPr>
-        <p:spPr/>
+        <p:spPr>
+          <a:xfrm>
+            <a:off x="6807126" y="5936187"/>
+            <a:ext cx="2743200" cy="365125"/>
+          </a:xfrm>
+        </p:spPr>
         <p:txBody>
           <a:bodyPr/>
           <a:lstStyle/>
           <a:p>
             <a:fld id="{346E5E81-2ED8-4512-8620-486D144720FF}" type="datetimeFigureOut">
               <a:rPr lang="en-US" smtClean="0"/>
-              <a:t>4/8/2013</a:t>
+              <a:t>4/16/2013</a:t>
             </a:fld>
             <a:endParaRPr lang="en-US"/>
           </a:p>
@@ -612,7 +4301,12 @@
             <p:ph type="ftr" sz="quarter" idx="11"/>
           </p:nvPr>
         </p:nvSpPr>
-        <p:spPr/>
+        <p:spPr>
+          <a:xfrm>
+            <a:off x="680321" y="5936188"/>
+            <a:ext cx="6126805" cy="365125"/>
+          </a:xfrm>
+        </p:spPr>
         <p:txBody>
           <a:bodyPr/>
           <a:lstStyle/>
@@ -631,10 +4325,19 @@
             <p:ph type="sldNum" sz="quarter" idx="12"/>
           </p:nvPr>
         </p:nvSpPr>
-        <p:spPr/>
-        <p:txBody>
-          <a:bodyPr/>
-          <a:lstStyle/>
+        <p:spPr>
+          <a:xfrm>
+            <a:off x="10097550" y="5398633"/>
+            <a:ext cx="1154151" cy="1090789"/>
+          </a:xfrm>
+        </p:spPr>
+        <p:txBody>
+          <a:bodyPr anchor="t"/>
+          <a:lstStyle>
+            <a:lvl1pPr algn="ctr">
+              <a:defRPr/>
+            </a:lvl1pPr>
+          </a:lstStyle>
           <a:p>
             <a:fld id="{B70B7430-D1C7-4683-AB27-07761046DF7E}" type="slidenum">
               <a:rPr lang="en-US" smtClean="0"/>
@@ -647,7 +4350,7 @@
     </p:spTree>
     <p:extLst>
       <p:ext uri="{BB962C8B-B14F-4D97-AF65-F5344CB8AC3E}">
-        <p14:creationId xmlns:p14="http://schemas.microsoft.com/office/powerpoint/2010/main" val="1532769713"/>
+        <p14:creationId xmlns:p14="http://schemas.microsoft.com/office/powerpoint/2010/main" val="4284938483"/>
       </p:ext>
     </p:extLst>
   </p:cSld>
@@ -674,6 +4377,145 @@
           <a:chExt cx="0" cy="0"/>
         </a:xfrm>
       </p:grpSpPr>
+      <p:pic>
+        <p:nvPicPr>
+          <p:cNvPr id="15" name="Picture 14" descr="HD-ShadowLong.png"/>
+          <p:cNvPicPr>
+            <a:picLocks noChangeAspect="1"/>
+          </p:cNvPicPr>
+          <p:nvPr/>
+        </p:nvPicPr>
+        <p:blipFill>
+          <a:blip r:embed="rId2">
+            <a:extLst>
+              <a:ext uri="{28A0092B-C50C-407E-A947-70E740481C1C}">
+                <a14:useLocalDpi xmlns:a14="http://schemas.microsoft.com/office/drawing/2010/main" val="0"/>
+              </a:ext>
+            </a:extLst>
+          </a:blip>
+          <a:stretch>
+            <a:fillRect/>
+          </a:stretch>
+        </p:blipFill>
+        <p:spPr>
+          <a:xfrm>
+            <a:off x="1" y="1970240"/>
+            <a:ext cx="10437812" cy="321164"/>
+          </a:xfrm>
+          <a:prstGeom prst="rect">
+            <a:avLst/>
+          </a:prstGeom>
+        </p:spPr>
+      </p:pic>
+      <p:pic>
+        <p:nvPicPr>
+          <p:cNvPr id="16" name="Picture 15" descr="HD-ShadowShort.png"/>
+          <p:cNvPicPr>
+            <a:picLocks noChangeAspect="1"/>
+          </p:cNvPicPr>
+          <p:nvPr/>
+        </p:nvPicPr>
+        <p:blipFill>
+          <a:blip r:embed="rId3" cstate="print">
+            <a:extLst>
+              <a:ext uri="{28A0092B-C50C-407E-A947-70E740481C1C}">
+                <a14:useLocalDpi xmlns:a14="http://schemas.microsoft.com/office/drawing/2010/main" val="0"/>
+              </a:ext>
+            </a:extLst>
+          </a:blip>
+          <a:stretch>
+            <a:fillRect/>
+          </a:stretch>
+        </p:blipFill>
+        <p:spPr>
+          <a:xfrm>
+            <a:off x="10585826" y="1971234"/>
+            <a:ext cx="1602997" cy="144270"/>
+          </a:xfrm>
+          <a:prstGeom prst="rect">
+            <a:avLst/>
+          </a:prstGeom>
+        </p:spPr>
+      </p:pic>
+      <p:sp>
+        <p:nvSpPr>
+          <p:cNvPr id="17" name="Rectangle 16"/>
+          <p:cNvSpPr/>
+          <p:nvPr/>
+        </p:nvSpPr>
+        <p:spPr>
+          <a:xfrm>
+            <a:off x="0" y="609600"/>
+            <a:ext cx="10437812" cy="1368198"/>
+          </a:xfrm>
+          <a:prstGeom prst="rect">
+            <a:avLst/>
+          </a:prstGeom>
+          <a:solidFill>
+            <a:schemeClr val="bg1">
+              <a:lumMod val="85000"/>
+              <a:lumOff val="15000"/>
+            </a:schemeClr>
+          </a:solidFill>
+          <a:ln>
+            <a:noFill/>
+          </a:ln>
+        </p:spPr>
+        <p:style>
+          <a:lnRef idx="2">
+            <a:schemeClr val="accent1">
+              <a:shade val="50000"/>
+            </a:schemeClr>
+          </a:lnRef>
+          <a:fillRef idx="1">
+            <a:schemeClr val="accent1"/>
+          </a:fillRef>
+          <a:effectRef idx="0">
+            <a:schemeClr val="accent1"/>
+          </a:effectRef>
+          <a:fontRef idx="minor">
+            <a:schemeClr val="lt1"/>
+          </a:fontRef>
+        </p:style>
+      </p:sp>
+      <p:sp>
+        <p:nvSpPr>
+          <p:cNvPr id="18" name="Rectangle 17"/>
+          <p:cNvSpPr/>
+          <p:nvPr/>
+        </p:nvSpPr>
+        <p:spPr>
+          <a:xfrm>
+            <a:off x="10585827" y="609600"/>
+            <a:ext cx="1602997" cy="1368198"/>
+          </a:xfrm>
+          <a:prstGeom prst="rect">
+            <a:avLst/>
+          </a:prstGeom>
+          <a:solidFill>
+            <a:schemeClr val="accent1"/>
+          </a:solidFill>
+          <a:ln>
+            <a:noFill/>
+          </a:ln>
+        </p:spPr>
+        <p:style>
+          <a:lnRef idx="2">
+            <a:schemeClr val="accent1">
+              <a:shade val="50000"/>
+            </a:schemeClr>
+          </a:lnRef>
+          <a:fillRef idx="1">
+            <a:schemeClr val="accent1"/>
+          </a:fillRef>
+          <a:effectRef idx="0">
+            <a:schemeClr val="accent1"/>
+          </a:effectRef>
+          <a:fontRef idx="minor">
+            <a:schemeClr val="lt1"/>
+          </a:fontRef>
+        </p:style>
+      </p:sp>
       <p:sp>
         <p:nvSpPr>
           <p:cNvPr id="2" name="Title 1"/>
@@ -693,7 +4535,7 @@
               <a:rPr lang="en-US" smtClean="0"/>
               <a:t>Click to edit Master title style</a:t>
             </a:r>
-            <a:endParaRPr lang="en-US"/>
+            <a:endParaRPr lang="en-US" dirty="0"/>
           </a:p>
         </p:txBody>
       </p:sp>
@@ -745,7 +4587,7 @@
               <a:rPr lang="en-US" smtClean="0"/>
               <a:t>Fifth level</a:t>
             </a:r>
-            <a:endParaRPr lang="en-US"/>
+            <a:endParaRPr lang="en-US" dirty="0"/>
           </a:p>
         </p:txBody>
       </p:sp>
@@ -766,7 +4608,7 @@
           <a:p>
             <a:fld id="{346E5E81-2ED8-4512-8620-486D144720FF}" type="datetimeFigureOut">
               <a:rPr lang="en-US" smtClean="0"/>
-              <a:t>4/8/2013</a:t>
+              <a:t>4/16/2013</a:t>
             </a:fld>
             <a:endParaRPr lang="en-US"/>
           </a:p>
@@ -817,7 +4659,7 @@
     </p:spTree>
     <p:extLst>
       <p:ext uri="{BB962C8B-B14F-4D97-AF65-F5344CB8AC3E}">
-        <p14:creationId xmlns:p14="http://schemas.microsoft.com/office/powerpoint/2010/main" val="1294511077"/>
+        <p14:creationId xmlns:p14="http://schemas.microsoft.com/office/powerpoint/2010/main" val="2882779197"/>
       </p:ext>
     </p:extLst>
   </p:cSld>
@@ -844,6 +4686,145 @@
           <a:chExt cx="0" cy="0"/>
         </a:xfrm>
       </p:grpSpPr>
+      <p:pic>
+        <p:nvPicPr>
+          <p:cNvPr id="7" name="Picture 6" descr="HD-ShadowLong.png"/>
+          <p:cNvPicPr>
+            <a:picLocks noChangeAspect="1"/>
+          </p:cNvPicPr>
+          <p:nvPr/>
+        </p:nvPicPr>
+        <p:blipFill>
+          <a:blip r:embed="rId2">
+            <a:extLst>
+              <a:ext uri="{28A0092B-C50C-407E-A947-70E740481C1C}">
+                <a14:useLocalDpi xmlns:a14="http://schemas.microsoft.com/office/drawing/2010/main" val="0"/>
+              </a:ext>
+            </a:extLst>
+          </a:blip>
+          <a:stretch>
+            <a:fillRect/>
+          </a:stretch>
+        </p:blipFill>
+        <p:spPr>
+          <a:xfrm>
+            <a:off x="-1" y="4086907"/>
+            <a:ext cx="10437812" cy="321164"/>
+          </a:xfrm>
+          <a:prstGeom prst="rect">
+            <a:avLst/>
+          </a:prstGeom>
+        </p:spPr>
+      </p:pic>
+      <p:pic>
+        <p:nvPicPr>
+          <p:cNvPr id="8" name="Picture 7" descr="HD-ShadowShort.png"/>
+          <p:cNvPicPr>
+            <a:picLocks noChangeAspect="1"/>
+          </p:cNvPicPr>
+          <p:nvPr/>
+        </p:nvPicPr>
+        <p:blipFill>
+          <a:blip r:embed="rId3" cstate="print">
+            <a:extLst>
+              <a:ext uri="{28A0092B-C50C-407E-A947-70E740481C1C}">
+                <a14:useLocalDpi xmlns:a14="http://schemas.microsoft.com/office/drawing/2010/main" val="0"/>
+              </a:ext>
+            </a:extLst>
+          </a:blip>
+          <a:stretch>
+            <a:fillRect/>
+          </a:stretch>
+        </p:blipFill>
+        <p:spPr>
+          <a:xfrm>
+            <a:off x="10585824" y="4087901"/>
+            <a:ext cx="1602997" cy="144270"/>
+          </a:xfrm>
+          <a:prstGeom prst="rect">
+            <a:avLst/>
+          </a:prstGeom>
+        </p:spPr>
+      </p:pic>
+      <p:sp>
+        <p:nvSpPr>
+          <p:cNvPr id="9" name="Rectangle 8"/>
+          <p:cNvSpPr/>
+          <p:nvPr/>
+        </p:nvSpPr>
+        <p:spPr>
+          <a:xfrm>
+            <a:off x="-2" y="2726267"/>
+            <a:ext cx="10437812" cy="1368198"/>
+          </a:xfrm>
+          <a:prstGeom prst="rect">
+            <a:avLst/>
+          </a:prstGeom>
+          <a:solidFill>
+            <a:schemeClr val="bg1">
+              <a:lumMod val="85000"/>
+              <a:lumOff val="15000"/>
+            </a:schemeClr>
+          </a:solidFill>
+          <a:ln>
+            <a:noFill/>
+          </a:ln>
+        </p:spPr>
+        <p:style>
+          <a:lnRef idx="2">
+            <a:schemeClr val="accent1">
+              <a:shade val="50000"/>
+            </a:schemeClr>
+          </a:lnRef>
+          <a:fillRef idx="1">
+            <a:schemeClr val="accent1"/>
+          </a:fillRef>
+          <a:effectRef idx="0">
+            <a:schemeClr val="accent1"/>
+          </a:effectRef>
+          <a:fontRef idx="minor">
+            <a:schemeClr val="lt1"/>
+          </a:fontRef>
+        </p:style>
+      </p:sp>
+      <p:sp>
+        <p:nvSpPr>
+          <p:cNvPr id="10" name="Rectangle 9"/>
+          <p:cNvSpPr/>
+          <p:nvPr/>
+        </p:nvSpPr>
+        <p:spPr>
+          <a:xfrm>
+            <a:off x="10585825" y="2726267"/>
+            <a:ext cx="1602997" cy="1368198"/>
+          </a:xfrm>
+          <a:prstGeom prst="rect">
+            <a:avLst/>
+          </a:prstGeom>
+          <a:solidFill>
+            <a:schemeClr val="accent1"/>
+          </a:solidFill>
+          <a:ln>
+            <a:noFill/>
+          </a:ln>
+        </p:spPr>
+        <p:style>
+          <a:lnRef idx="2">
+            <a:schemeClr val="accent1">
+              <a:shade val="50000"/>
+            </a:schemeClr>
+          </a:lnRef>
+          <a:fillRef idx="1">
+            <a:schemeClr val="accent1"/>
+          </a:fillRef>
+          <a:effectRef idx="0">
+            <a:schemeClr val="accent1"/>
+          </a:effectRef>
+          <a:fontRef idx="minor">
+            <a:schemeClr val="lt1"/>
+          </a:fontRef>
+        </p:style>
+      </p:sp>
       <p:sp>
         <p:nvSpPr>
           <p:cNvPr id="2" name="Title 1"/>
@@ -856,15 +4837,17 @@
         </p:nvSpPr>
         <p:spPr>
           <a:xfrm>
-            <a:off x="831850" y="4406900"/>
-            <a:ext cx="10515600" cy="1362075"/>
-          </a:xfrm>
-        </p:spPr>
-        <p:txBody>
-          <a:bodyPr anchor="t"/>
+            <a:off x="680322" y="2869895"/>
+            <a:ext cx="9613860" cy="1090788"/>
+          </a:xfrm>
+        </p:spPr>
+        <p:txBody>
+          <a:bodyPr anchor="ctr">
+            <a:normAutofit/>
+          </a:bodyPr>
           <a:lstStyle>
-            <a:lvl1pPr>
-              <a:defRPr sz="4000" b="1"/>
+            <a:lvl1pPr algn="r">
+              <a:defRPr sz="3600"/>
             </a:lvl1pPr>
           </a:lstStyle>
           <a:p>
@@ -872,7 +4855,7 @@
               <a:rPr lang="en-US" smtClean="0"/>
               <a:t>Click to edit Master title style</a:t>
             </a:r>
-            <a:endParaRPr lang="en-US"/>
+            <a:endParaRPr lang="en-US" dirty="0"/>
           </a:p>
         </p:txBody>
       </p:sp>
@@ -888,14 +4871,16 @@
         </p:nvSpPr>
         <p:spPr>
           <a:xfrm>
-            <a:off x="831850" y="2906713"/>
-            <a:ext cx="10515600" cy="1500187"/>
-          </a:xfrm>
-        </p:spPr>
-        <p:txBody>
-          <a:bodyPr anchor="b"/>
+            <a:off x="680322" y="4232171"/>
+            <a:ext cx="9613860" cy="1704017"/>
+          </a:xfrm>
+        </p:spPr>
+        <p:txBody>
+          <a:bodyPr>
+            <a:normAutofit/>
+          </a:bodyPr>
           <a:lstStyle>
-            <a:lvl1pPr marL="0" indent="0">
+            <a:lvl1pPr marL="0" indent="0" algn="r">
               <a:buNone/>
               <a:defRPr sz="2000">
                 <a:solidFill>
@@ -907,7 +4892,7 @@
             </a:lvl1pPr>
             <a:lvl2pPr marL="457200" indent="0">
               <a:buNone/>
-              <a:defRPr sz="1800">
+              <a:defRPr sz="2000">
                 <a:solidFill>
                   <a:schemeClr val="tx1">
                     <a:tint val="75000"/>
@@ -917,7 +4902,7 @@
             </a:lvl2pPr>
             <a:lvl3pPr marL="914400" indent="0">
               <a:buNone/>
-              <a:defRPr sz="1600">
+              <a:defRPr sz="1800">
                 <a:solidFill>
                   <a:schemeClr val="tx1">
                     <a:tint val="75000"/>
@@ -927,7 +4912,7 @@
             </a:lvl3pPr>
             <a:lvl4pPr marL="1371600" indent="0">
               <a:buNone/>
-              <a:defRPr sz="1400">
+              <a:defRPr sz="1600">
                 <a:solidFill>
                   <a:schemeClr val="tx1">
                     <a:tint val="75000"/>
@@ -937,7 +4922,7 @@
             </a:lvl4pPr>
             <a:lvl5pPr marL="1828800" indent="0">
               <a:buNone/>
-              <a:defRPr sz="1400">
+              <a:defRPr sz="1600">
                 <a:solidFill>
                   <a:schemeClr val="tx1">
                     <a:tint val="75000"/>
@@ -947,7 +4932,7 @@
             </a:lvl5pPr>
             <a:lvl6pPr marL="2286000" indent="0">
               <a:buNone/>
-              <a:defRPr sz="1400">
+              <a:defRPr sz="1600">
                 <a:solidFill>
                   <a:schemeClr val="tx1">
                     <a:tint val="75000"/>
@@ -957,7 +4942,7 @@
             </a:lvl6pPr>
             <a:lvl7pPr marL="2743200" indent="0">
               <a:buNone/>
-              <a:defRPr sz="1400">
+              <a:defRPr sz="1600">
                 <a:solidFill>
                   <a:schemeClr val="tx1">
                     <a:tint val="75000"/>
@@ -967,7 +4952,7 @@
             </a:lvl7pPr>
             <a:lvl8pPr marL="3200400" indent="0">
               <a:buNone/>
-              <a:defRPr sz="1400">
+              <a:defRPr sz="1600">
                 <a:solidFill>
                   <a:schemeClr val="tx1">
                     <a:tint val="75000"/>
@@ -977,7 +4962,7 @@
             </a:lvl8pPr>
             <a:lvl9pPr marL="3657600" indent="0">
               <a:buNone/>
-              <a:defRPr sz="1400">
+              <a:defRPr sz="1600">
                 <a:solidFill>
                   <a:schemeClr val="tx1">
                     <a:tint val="75000"/>
@@ -1012,7 +4997,7 @@
           <a:p>
             <a:fld id="{346E5E81-2ED8-4512-8620-486D144720FF}" type="datetimeFigureOut">
               <a:rPr lang="en-US" smtClean="0"/>
-              <a:t>4/8/2013</a:t>
+              <a:t>4/16/2013</a:t>
             </a:fld>
             <a:endParaRPr lang="en-US"/>
           </a:p>
@@ -1047,7 +5032,12 @@
             <p:ph type="sldNum" sz="quarter" idx="12"/>
           </p:nvPr>
         </p:nvSpPr>
-        <p:spPr/>
+        <p:spPr>
+          <a:xfrm>
+            <a:off x="10729455" y="2869895"/>
+            <a:ext cx="1154151" cy="1090789"/>
+          </a:xfrm>
+        </p:spPr>
         <p:txBody>
           <a:bodyPr/>
           <a:lstStyle/>
@@ -1063,7 +5053,7 @@
     </p:spTree>
     <p:extLst>
       <p:ext uri="{BB962C8B-B14F-4D97-AF65-F5344CB8AC3E}">
-        <p14:creationId xmlns:p14="http://schemas.microsoft.com/office/powerpoint/2010/main" val="3637885178"/>
+        <p14:creationId xmlns:p14="http://schemas.microsoft.com/office/powerpoint/2010/main" val="210334747"/>
       </p:ext>
     </p:extLst>
   </p:cSld>
@@ -1090,6 +5080,145 @@
           <a:chExt cx="0" cy="0"/>
         </a:xfrm>
       </p:grpSpPr>
+      <p:pic>
+        <p:nvPicPr>
+          <p:cNvPr id="8" name="Picture 7" descr="HD-ShadowLong.png"/>
+          <p:cNvPicPr>
+            <a:picLocks noChangeAspect="1"/>
+          </p:cNvPicPr>
+          <p:nvPr/>
+        </p:nvPicPr>
+        <p:blipFill>
+          <a:blip r:embed="rId2">
+            <a:extLst>
+              <a:ext uri="{28A0092B-C50C-407E-A947-70E740481C1C}">
+                <a14:useLocalDpi xmlns:a14="http://schemas.microsoft.com/office/drawing/2010/main" val="0"/>
+              </a:ext>
+            </a:extLst>
+          </a:blip>
+          <a:stretch>
+            <a:fillRect/>
+          </a:stretch>
+        </p:blipFill>
+        <p:spPr>
+          <a:xfrm>
+            <a:off x="1" y="1970240"/>
+            <a:ext cx="10437812" cy="321164"/>
+          </a:xfrm>
+          <a:prstGeom prst="rect">
+            <a:avLst/>
+          </a:prstGeom>
+        </p:spPr>
+      </p:pic>
+      <p:pic>
+        <p:nvPicPr>
+          <p:cNvPr id="9" name="Picture 8" descr="HD-ShadowShort.png"/>
+          <p:cNvPicPr>
+            <a:picLocks noChangeAspect="1"/>
+          </p:cNvPicPr>
+          <p:nvPr/>
+        </p:nvPicPr>
+        <p:blipFill>
+          <a:blip r:embed="rId3" cstate="print">
+            <a:extLst>
+              <a:ext uri="{28A0092B-C50C-407E-A947-70E740481C1C}">
+                <a14:useLocalDpi xmlns:a14="http://schemas.microsoft.com/office/drawing/2010/main" val="0"/>
+              </a:ext>
+            </a:extLst>
+          </a:blip>
+          <a:stretch>
+            <a:fillRect/>
+          </a:stretch>
+        </p:blipFill>
+        <p:spPr>
+          <a:xfrm>
+            <a:off x="10585826" y="1971234"/>
+            <a:ext cx="1602997" cy="144270"/>
+          </a:xfrm>
+          <a:prstGeom prst="rect">
+            <a:avLst/>
+          </a:prstGeom>
+        </p:spPr>
+      </p:pic>
+      <p:sp>
+        <p:nvSpPr>
+          <p:cNvPr id="10" name="Rectangle 9"/>
+          <p:cNvSpPr/>
+          <p:nvPr/>
+        </p:nvSpPr>
+        <p:spPr>
+          <a:xfrm>
+            <a:off x="0" y="609600"/>
+            <a:ext cx="10437812" cy="1368198"/>
+          </a:xfrm>
+          <a:prstGeom prst="rect">
+            <a:avLst/>
+          </a:prstGeom>
+          <a:solidFill>
+            <a:schemeClr val="bg1">
+              <a:lumMod val="85000"/>
+              <a:lumOff val="15000"/>
+            </a:schemeClr>
+          </a:solidFill>
+          <a:ln>
+            <a:noFill/>
+          </a:ln>
+        </p:spPr>
+        <p:style>
+          <a:lnRef idx="2">
+            <a:schemeClr val="accent1">
+              <a:shade val="50000"/>
+            </a:schemeClr>
+          </a:lnRef>
+          <a:fillRef idx="1">
+            <a:schemeClr val="accent1"/>
+          </a:fillRef>
+          <a:effectRef idx="0">
+            <a:schemeClr val="accent1"/>
+          </a:effectRef>
+          <a:fontRef idx="minor">
+            <a:schemeClr val="lt1"/>
+          </a:fontRef>
+        </p:style>
+      </p:sp>
+      <p:sp>
+        <p:nvSpPr>
+          <p:cNvPr id="11" name="Rectangle 10"/>
+          <p:cNvSpPr/>
+          <p:nvPr/>
+        </p:nvSpPr>
+        <p:spPr>
+          <a:xfrm>
+            <a:off x="10585827" y="609600"/>
+            <a:ext cx="1602997" cy="1368198"/>
+          </a:xfrm>
+          <a:prstGeom prst="rect">
+            <a:avLst/>
+          </a:prstGeom>
+          <a:solidFill>
+            <a:schemeClr val="accent1"/>
+          </a:solidFill>
+          <a:ln>
+            <a:noFill/>
+          </a:ln>
+        </p:spPr>
+        <p:style>
+          <a:lnRef idx="2">
+            <a:schemeClr val="accent1">
+              <a:shade val="50000"/>
+            </a:schemeClr>
+          </a:lnRef>
+          <a:fillRef idx="1">
+            <a:schemeClr val="accent1"/>
+          </a:fillRef>
+          <a:effectRef idx="0">
+            <a:schemeClr val="accent1"/>
+          </a:effectRef>
+          <a:fontRef idx="minor">
+            <a:schemeClr val="lt1"/>
+          </a:fontRef>
+        </p:style>
+      </p:sp>
       <p:sp>
         <p:nvSpPr>
           <p:cNvPr id="2" name="Title 1"/>
@@ -1109,7 +5238,7 @@
               <a:rPr lang="en-US" smtClean="0"/>
               <a:t>Click to edit Master title style</a:t>
             </a:r>
-            <a:endParaRPr lang="en-US"/>
+            <a:endParaRPr lang="en-US" dirty="0"/>
           </a:p>
         </p:txBody>
       </p:sp>
@@ -1125,182 +5254,126 @@
         </p:nvSpPr>
         <p:spPr>
           <a:xfrm>
-            <a:off x="838200" y="1820863"/>
-            <a:ext cx="5181600" cy="4351337"/>
-          </a:xfrm>
-        </p:spPr>
-        <p:txBody>
-          <a:bodyPr/>
-          <a:lstStyle>
-            <a:lvl1pPr>
-              <a:defRPr sz="2800"/>
-            </a:lvl1pPr>
-            <a:lvl2pPr>
-              <a:defRPr sz="2400"/>
-            </a:lvl2pPr>
-            <a:lvl3pPr>
-              <a:defRPr sz="2000"/>
-            </a:lvl3pPr>
-            <a:lvl4pPr>
-              <a:defRPr sz="1800"/>
-            </a:lvl4pPr>
-            <a:lvl5pPr>
-              <a:defRPr sz="1800"/>
-            </a:lvl5pPr>
-            <a:lvl6pPr>
-              <a:defRPr sz="1800"/>
-            </a:lvl6pPr>
-            <a:lvl7pPr>
-              <a:defRPr sz="1800"/>
-            </a:lvl7pPr>
-            <a:lvl8pPr>
-              <a:defRPr sz="1800"/>
-            </a:lvl8pPr>
-            <a:lvl9pPr>
-              <a:defRPr sz="1800"/>
-            </a:lvl9pPr>
-          </a:lstStyle>
-          <a:p>
-            <a:pPr lvl="0"/>
-            <a:r>
-              <a:rPr lang="en-US" smtClean="0"/>
-              <a:t>Click to edit Master text styles</a:t>
-            </a:r>
-          </a:p>
-          <a:p>
-            <a:pPr lvl="1"/>
-            <a:r>
-              <a:rPr lang="en-US" smtClean="0"/>
-              <a:t>Second level</a:t>
-            </a:r>
-          </a:p>
-          <a:p>
-            <a:pPr lvl="2"/>
-            <a:r>
-              <a:rPr lang="en-US" smtClean="0"/>
-              <a:t>Third level</a:t>
-            </a:r>
-          </a:p>
-          <a:p>
-            <a:pPr lvl="3"/>
-            <a:r>
-              <a:rPr lang="en-US" smtClean="0"/>
-              <a:t>Fourth level</a:t>
-            </a:r>
-          </a:p>
-          <a:p>
-            <a:pPr lvl="4"/>
-            <a:r>
-              <a:rPr lang="en-US" smtClean="0"/>
-              <a:t>Fifth level</a:t>
-            </a:r>
-            <a:endParaRPr lang="en-US"/>
-          </a:p>
-        </p:txBody>
-      </p:sp>
-      <p:sp>
-        <p:nvSpPr>
-          <p:cNvPr id="4" name="Content Placeholder 3"/>
-          <p:cNvSpPr>
-            <a:spLocks noGrp="1"/>
-          </p:cNvSpPr>
-          <p:nvPr>
-            <p:ph sz="half" idx="2"/>
-          </p:nvPr>
-        </p:nvSpPr>
-        <p:spPr>
-          <a:xfrm>
-            <a:off x="6172200" y="1820863"/>
-            <a:ext cx="5181600" cy="4351337"/>
-          </a:xfrm>
-        </p:spPr>
-        <p:txBody>
-          <a:bodyPr/>
-          <a:lstStyle>
-            <a:lvl1pPr>
-              <a:defRPr sz="2800"/>
-            </a:lvl1pPr>
-            <a:lvl2pPr>
-              <a:defRPr sz="2400"/>
-            </a:lvl2pPr>
-            <a:lvl3pPr>
-              <a:defRPr sz="2000"/>
-            </a:lvl3pPr>
-            <a:lvl4pPr>
-              <a:defRPr sz="1800"/>
-            </a:lvl4pPr>
-            <a:lvl5pPr>
-              <a:defRPr sz="1800"/>
-            </a:lvl5pPr>
-            <a:lvl6pPr>
-              <a:defRPr sz="1800"/>
-            </a:lvl6pPr>
-            <a:lvl7pPr>
-              <a:defRPr sz="1800"/>
-            </a:lvl7pPr>
-            <a:lvl8pPr>
-              <a:defRPr sz="1800"/>
-            </a:lvl8pPr>
-            <a:lvl9pPr>
-              <a:defRPr sz="1800"/>
-            </a:lvl9pPr>
-          </a:lstStyle>
-          <a:p>
-            <a:pPr lvl="0"/>
-            <a:r>
-              <a:rPr lang="en-US" smtClean="0"/>
-              <a:t>Click to edit Master text styles</a:t>
-            </a:r>
-          </a:p>
-          <a:p>
-            <a:pPr lvl="1"/>
-            <a:r>
-              <a:rPr lang="en-US" smtClean="0"/>
-              <a:t>Second level</a:t>
-            </a:r>
-          </a:p>
-          <a:p>
-            <a:pPr lvl="2"/>
-            <a:r>
-              <a:rPr lang="en-US" smtClean="0"/>
-              <a:t>Third level</a:t>
-            </a:r>
-          </a:p>
-          <a:p>
-            <a:pPr lvl="3"/>
-            <a:r>
-              <a:rPr lang="en-US" smtClean="0"/>
-              <a:t>Fourth level</a:t>
-            </a:r>
-          </a:p>
-          <a:p>
-            <a:pPr lvl="4"/>
-            <a:r>
-              <a:rPr lang="en-US" smtClean="0"/>
-              <a:t>Fifth level</a:t>
-            </a:r>
-            <a:endParaRPr lang="en-US"/>
-          </a:p>
-        </p:txBody>
-      </p:sp>
-      <p:sp>
-        <p:nvSpPr>
-          <p:cNvPr id="5" name="Date Placeholder 4"/>
-          <p:cNvSpPr>
-            <a:spLocks noGrp="1"/>
-          </p:cNvSpPr>
-          <p:nvPr>
-            <p:ph type="dt" sz="half" idx="10"/>
-          </p:nvPr>
-        </p:nvSpPr>
-        <p:spPr/>
+            <a:off x="680320" y="2336873"/>
+            <a:ext cx="4698358" cy="3599316"/>
+          </a:xfrm>
+        </p:spPr>
         <p:txBody>
           <a:bodyPr/>
           <a:lstStyle/>
           <a:p>
+            <a:pPr lvl="0"/>
+            <a:r>
+              <a:rPr lang="en-US" smtClean="0"/>
+              <a:t>Click to edit Master text styles</a:t>
+            </a:r>
+          </a:p>
+          <a:p>
+            <a:pPr lvl="1"/>
+            <a:r>
+              <a:rPr lang="en-US" smtClean="0"/>
+              <a:t>Second level</a:t>
+            </a:r>
+          </a:p>
+          <a:p>
+            <a:pPr lvl="2"/>
+            <a:r>
+              <a:rPr lang="en-US" smtClean="0"/>
+              <a:t>Third level</a:t>
+            </a:r>
+          </a:p>
+          <a:p>
+            <a:pPr lvl="3"/>
+            <a:r>
+              <a:rPr lang="en-US" smtClean="0"/>
+              <a:t>Fourth level</a:t>
+            </a:r>
+          </a:p>
+          <a:p>
+            <a:pPr lvl="4"/>
+            <a:r>
+              <a:rPr lang="en-US" smtClean="0"/>
+              <a:t>Fifth level</a:t>
+            </a:r>
+            <a:endParaRPr lang="en-US" dirty="0"/>
+          </a:p>
+        </p:txBody>
+      </p:sp>
+      <p:sp>
+        <p:nvSpPr>
+          <p:cNvPr id="4" name="Content Placeholder 3"/>
+          <p:cNvSpPr>
+            <a:spLocks noGrp="1"/>
+          </p:cNvSpPr>
+          <p:nvPr>
+            <p:ph sz="half" idx="2"/>
+          </p:nvPr>
+        </p:nvSpPr>
+        <p:spPr>
+          <a:xfrm>
+            <a:off x="5594123" y="2336873"/>
+            <a:ext cx="4700058" cy="3599316"/>
+          </a:xfrm>
+        </p:spPr>
+        <p:txBody>
+          <a:bodyPr/>
+          <a:lstStyle/>
+          <a:p>
+            <a:pPr lvl="0"/>
+            <a:r>
+              <a:rPr lang="en-US" smtClean="0"/>
+              <a:t>Click to edit Master text styles</a:t>
+            </a:r>
+          </a:p>
+          <a:p>
+            <a:pPr lvl="1"/>
+            <a:r>
+              <a:rPr lang="en-US" smtClean="0"/>
+              <a:t>Second level</a:t>
+            </a:r>
+          </a:p>
+          <a:p>
+            <a:pPr lvl="2"/>
+            <a:r>
+              <a:rPr lang="en-US" smtClean="0"/>
+              <a:t>Third level</a:t>
+            </a:r>
+          </a:p>
+          <a:p>
+            <a:pPr lvl="3"/>
+            <a:r>
+              <a:rPr lang="en-US" smtClean="0"/>
+              <a:t>Fourth level</a:t>
+            </a:r>
+          </a:p>
+          <a:p>
+            <a:pPr lvl="4"/>
+            <a:r>
+              <a:rPr lang="en-US" smtClean="0"/>
+              <a:t>Fifth level</a:t>
+            </a:r>
+            <a:endParaRPr lang="en-US" dirty="0"/>
+          </a:p>
+        </p:txBody>
+      </p:sp>
+      <p:sp>
+        <p:nvSpPr>
+          <p:cNvPr id="5" name="Date Placeholder 4"/>
+          <p:cNvSpPr>
+            <a:spLocks noGrp="1"/>
+          </p:cNvSpPr>
+          <p:nvPr>
+            <p:ph type="dt" sz="half" idx="10"/>
+          </p:nvPr>
+        </p:nvSpPr>
+        <p:spPr/>
+        <p:txBody>
+          <a:bodyPr/>
+          <a:lstStyle/>
+          <a:p>
             <a:fld id="{346E5E81-2ED8-4512-8620-486D144720FF}" type="datetimeFigureOut">
               <a:rPr lang="en-US" smtClean="0"/>
-              <a:t>4/8/2013</a:t>
+              <a:t>4/16/2013</a:t>
             </a:fld>
             <a:endParaRPr lang="en-US"/>
           </a:p>
@@ -1351,7 +5424,7 @@
     </p:spTree>
     <p:extLst>
       <p:ext uri="{BB962C8B-B14F-4D97-AF65-F5344CB8AC3E}">
-        <p14:creationId xmlns:p14="http://schemas.microsoft.com/office/powerpoint/2010/main" val="3090406740"/>
+        <p14:creationId xmlns:p14="http://schemas.microsoft.com/office/powerpoint/2010/main" val="877209974"/>
       </p:ext>
     </p:extLst>
   </p:cSld>
@@ -1378,6 +5451,145 @@
           <a:chExt cx="0" cy="0"/>
         </a:xfrm>
       </p:grpSpPr>
+      <p:pic>
+        <p:nvPicPr>
+          <p:cNvPr id="10" name="Picture 9" descr="HD-ShadowLong.png"/>
+          <p:cNvPicPr>
+            <a:picLocks noChangeAspect="1"/>
+          </p:cNvPicPr>
+          <p:nvPr/>
+        </p:nvPicPr>
+        <p:blipFill>
+          <a:blip r:embed="rId2">
+            <a:extLst>
+              <a:ext uri="{28A0092B-C50C-407E-A947-70E740481C1C}">
+                <a14:useLocalDpi xmlns:a14="http://schemas.microsoft.com/office/drawing/2010/main" val="0"/>
+              </a:ext>
+            </a:extLst>
+          </a:blip>
+          <a:stretch>
+            <a:fillRect/>
+          </a:stretch>
+        </p:blipFill>
+        <p:spPr>
+          <a:xfrm>
+            <a:off x="1" y="1970240"/>
+            <a:ext cx="10437812" cy="321164"/>
+          </a:xfrm>
+          <a:prstGeom prst="rect">
+            <a:avLst/>
+          </a:prstGeom>
+        </p:spPr>
+      </p:pic>
+      <p:pic>
+        <p:nvPicPr>
+          <p:cNvPr id="11" name="Picture 10" descr="HD-ShadowShort.png"/>
+          <p:cNvPicPr>
+            <a:picLocks noChangeAspect="1"/>
+          </p:cNvPicPr>
+          <p:nvPr/>
+        </p:nvPicPr>
+        <p:blipFill>
+          <a:blip r:embed="rId3" cstate="print">
+            <a:extLst>
+              <a:ext uri="{28A0092B-C50C-407E-A947-70E740481C1C}">
+                <a14:useLocalDpi xmlns:a14="http://schemas.microsoft.com/office/drawing/2010/main" val="0"/>
+              </a:ext>
+            </a:extLst>
+          </a:blip>
+          <a:stretch>
+            <a:fillRect/>
+          </a:stretch>
+        </p:blipFill>
+        <p:spPr>
+          <a:xfrm>
+            <a:off x="10585826" y="1971234"/>
+            <a:ext cx="1602997" cy="144270"/>
+          </a:xfrm>
+          <a:prstGeom prst="rect">
+            <a:avLst/>
+          </a:prstGeom>
+        </p:spPr>
+      </p:pic>
+      <p:sp>
+        <p:nvSpPr>
+          <p:cNvPr id="12" name="Rectangle 11"/>
+          <p:cNvSpPr/>
+          <p:nvPr/>
+        </p:nvSpPr>
+        <p:spPr>
+          <a:xfrm>
+            <a:off x="0" y="609600"/>
+            <a:ext cx="10437812" cy="1368198"/>
+          </a:xfrm>
+          <a:prstGeom prst="rect">
+            <a:avLst/>
+          </a:prstGeom>
+          <a:solidFill>
+            <a:schemeClr val="bg1">
+              <a:lumMod val="85000"/>
+              <a:lumOff val="15000"/>
+            </a:schemeClr>
+          </a:solidFill>
+          <a:ln>
+            <a:noFill/>
+          </a:ln>
+        </p:spPr>
+        <p:style>
+          <a:lnRef idx="2">
+            <a:schemeClr val="accent1">
+              <a:shade val="50000"/>
+            </a:schemeClr>
+          </a:lnRef>
+          <a:fillRef idx="1">
+            <a:schemeClr val="accent1"/>
+          </a:fillRef>
+          <a:effectRef idx="0">
+            <a:schemeClr val="accent1"/>
+          </a:effectRef>
+          <a:fontRef idx="minor">
+            <a:schemeClr val="lt1"/>
+          </a:fontRef>
+        </p:style>
+      </p:sp>
+      <p:sp>
+        <p:nvSpPr>
+          <p:cNvPr id="13" name="Rectangle 12"/>
+          <p:cNvSpPr/>
+          <p:nvPr/>
+        </p:nvSpPr>
+        <p:spPr>
+          <a:xfrm>
+            <a:off x="10585827" y="609600"/>
+            <a:ext cx="1602997" cy="1368198"/>
+          </a:xfrm>
+          <a:prstGeom prst="rect">
+            <a:avLst/>
+          </a:prstGeom>
+          <a:solidFill>
+            <a:schemeClr val="accent1"/>
+          </a:solidFill>
+          <a:ln>
+            <a:noFill/>
+          </a:ln>
+        </p:spPr>
+        <p:style>
+          <a:lnRef idx="2">
+            <a:schemeClr val="accent1">
+              <a:shade val="50000"/>
+            </a:schemeClr>
+          </a:lnRef>
+          <a:fillRef idx="1">
+            <a:schemeClr val="accent1"/>
+          </a:fillRef>
+          <a:effectRef idx="0">
+            <a:schemeClr val="accent1"/>
+          </a:effectRef>
+          <a:fontRef idx="minor">
+            <a:schemeClr val="lt1"/>
+          </a:fontRef>
+        </p:style>
+      </p:sp>
       <p:sp>
         <p:nvSpPr>
           <p:cNvPr id="2" name="Title 1"/>
@@ -1390,8 +5602,8 @@
         </p:nvSpPr>
         <p:spPr>
           <a:xfrm>
-            <a:off x="831850" y="274638"/>
-            <a:ext cx="10515600" cy="1143000"/>
+            <a:off x="680319" y="753229"/>
+            <a:ext cx="9613863" cy="1080937"/>
           </a:xfrm>
         </p:spPr>
         <p:txBody>
@@ -1402,7 +5614,7 @@
               <a:rPr lang="en-US" smtClean="0"/>
               <a:t>Click to edit Master title style</a:t>
             </a:r>
-            <a:endParaRPr lang="en-US"/>
+            <a:endParaRPr lang="en-US" dirty="0"/>
           </a:p>
         </p:txBody>
       </p:sp>
@@ -1418,8 +5630,8 @@
         </p:nvSpPr>
         <p:spPr>
           <a:xfrm>
-            <a:off x="831850" y="1535113"/>
-            <a:ext cx="5156200" cy="639762"/>
+            <a:off x="906350" y="2336873"/>
+            <a:ext cx="4472327" cy="693135"/>
           </a:xfrm>
         </p:spPr>
         <p:txBody>
@@ -1483,41 +5695,13 @@
         </p:nvSpPr>
         <p:spPr>
           <a:xfrm>
-            <a:off x="831850" y="2174875"/>
-            <a:ext cx="5156200" cy="3997325"/>
+            <a:off x="680322" y="3030008"/>
+            <a:ext cx="4698355" cy="2906179"/>
           </a:xfrm>
         </p:spPr>
         <p:txBody>
           <a:bodyPr/>
-          <a:lstStyle>
-            <a:lvl1pPr>
-              <a:defRPr sz="2400"/>
-            </a:lvl1pPr>
-            <a:lvl2pPr>
-              <a:defRPr sz="2000"/>
-            </a:lvl2pPr>
-            <a:lvl3pPr>
-              <a:defRPr sz="1800"/>
-            </a:lvl3pPr>
-            <a:lvl4pPr>
-              <a:defRPr sz="1600"/>
-            </a:lvl4pPr>
-            <a:lvl5pPr>
-              <a:defRPr sz="1600"/>
-            </a:lvl5pPr>
-            <a:lvl6pPr>
-              <a:defRPr sz="1600"/>
-            </a:lvl6pPr>
-            <a:lvl7pPr>
-              <a:defRPr sz="1600"/>
-            </a:lvl7pPr>
-            <a:lvl8pPr>
-              <a:defRPr sz="1600"/>
-            </a:lvl8pPr>
-            <a:lvl9pPr>
-              <a:defRPr sz="1600"/>
-            </a:lvl9pPr>
-          </a:lstStyle>
+          <a:lstStyle/>
           <a:p>
             <a:pPr lvl="0"/>
             <a:r>
@@ -1552,7 +5736,7 @@
               <a:rPr lang="en-US" smtClean="0"/>
               <a:t>Fifth level</a:t>
             </a:r>
-            <a:endParaRPr lang="en-US"/>
+            <a:endParaRPr lang="en-US" dirty="0"/>
           </a:p>
         </p:txBody>
       </p:sp>
@@ -1568,8 +5752,8 @@
         </p:nvSpPr>
         <p:spPr>
           <a:xfrm>
-            <a:off x="6189663" y="1535113"/>
-            <a:ext cx="5157787" cy="639762"/>
+            <a:off x="5820154" y="2336873"/>
+            <a:ext cx="4474028" cy="692076"/>
           </a:xfrm>
         </p:spPr>
         <p:txBody>
@@ -1633,97 +5817,69 @@
         </p:nvSpPr>
         <p:spPr>
           <a:xfrm>
-            <a:off x="6189663" y="2174875"/>
-            <a:ext cx="5157787" cy="3997325"/>
-          </a:xfrm>
-        </p:spPr>
-        <p:txBody>
-          <a:bodyPr/>
-          <a:lstStyle>
-            <a:lvl1pPr>
-              <a:defRPr sz="2400"/>
-            </a:lvl1pPr>
-            <a:lvl2pPr>
-              <a:defRPr sz="2000"/>
-            </a:lvl2pPr>
-            <a:lvl3pPr>
-              <a:defRPr sz="1800"/>
-            </a:lvl3pPr>
-            <a:lvl4pPr>
-              <a:defRPr sz="1600"/>
-            </a:lvl4pPr>
-            <a:lvl5pPr>
-              <a:defRPr sz="1600"/>
-            </a:lvl5pPr>
-            <a:lvl6pPr>
-              <a:defRPr sz="1600"/>
-            </a:lvl6pPr>
-            <a:lvl7pPr>
-              <a:defRPr sz="1600"/>
-            </a:lvl7pPr>
-            <a:lvl8pPr>
-              <a:defRPr sz="1600"/>
-            </a:lvl8pPr>
-            <a:lvl9pPr>
-              <a:defRPr sz="1600"/>
-            </a:lvl9pPr>
-          </a:lstStyle>
-          <a:p>
-            <a:pPr lvl="0"/>
-            <a:r>
-              <a:rPr lang="en-US" smtClean="0"/>
-              <a:t>Click to edit Master text styles</a:t>
-            </a:r>
-          </a:p>
-          <a:p>
-            <a:pPr lvl="1"/>
-            <a:r>
-              <a:rPr lang="en-US" smtClean="0"/>
-              <a:t>Second level</a:t>
-            </a:r>
-          </a:p>
-          <a:p>
-            <a:pPr lvl="2"/>
-            <a:r>
-              <a:rPr lang="en-US" smtClean="0"/>
-              <a:t>Third level</a:t>
-            </a:r>
-          </a:p>
-          <a:p>
-            <a:pPr lvl="3"/>
-            <a:r>
-              <a:rPr lang="en-US" smtClean="0"/>
-              <a:t>Fourth level</a:t>
-            </a:r>
-          </a:p>
-          <a:p>
-            <a:pPr lvl="4"/>
-            <a:r>
-              <a:rPr lang="en-US" smtClean="0"/>
-              <a:t>Fifth level</a:t>
-            </a:r>
-            <a:endParaRPr lang="en-US"/>
-          </a:p>
-        </p:txBody>
-      </p:sp>
-      <p:sp>
-        <p:nvSpPr>
-          <p:cNvPr id="7" name="Date Placeholder 6"/>
-          <p:cNvSpPr>
-            <a:spLocks noGrp="1"/>
-          </p:cNvSpPr>
-          <p:nvPr>
-            <p:ph type="dt" sz="half" idx="10"/>
-          </p:nvPr>
-        </p:nvSpPr>
-        <p:spPr/>
+            <a:off x="5594123" y="3030008"/>
+            <a:ext cx="4700059" cy="2906179"/>
+          </a:xfrm>
+        </p:spPr>
         <p:txBody>
           <a:bodyPr/>
           <a:lstStyle/>
           <a:p>
+            <a:pPr lvl="0"/>
+            <a:r>
+              <a:rPr lang="en-US" smtClean="0"/>
+              <a:t>Click to edit Master text styles</a:t>
+            </a:r>
+          </a:p>
+          <a:p>
+            <a:pPr lvl="1"/>
+            <a:r>
+              <a:rPr lang="en-US" smtClean="0"/>
+              <a:t>Second level</a:t>
+            </a:r>
+          </a:p>
+          <a:p>
+            <a:pPr lvl="2"/>
+            <a:r>
+              <a:rPr lang="en-US" smtClean="0"/>
+              <a:t>Third level</a:t>
+            </a:r>
+          </a:p>
+          <a:p>
+            <a:pPr lvl="3"/>
+            <a:r>
+              <a:rPr lang="en-US" smtClean="0"/>
+              <a:t>Fourth level</a:t>
+            </a:r>
+          </a:p>
+          <a:p>
+            <a:pPr lvl="4"/>
+            <a:r>
+              <a:rPr lang="en-US" smtClean="0"/>
+              <a:t>Fifth level</a:t>
+            </a:r>
+            <a:endParaRPr lang="en-US" dirty="0"/>
+          </a:p>
+        </p:txBody>
+      </p:sp>
+      <p:sp>
+        <p:nvSpPr>
+          <p:cNvPr id="7" name="Date Placeholder 6"/>
+          <p:cNvSpPr>
+            <a:spLocks noGrp="1"/>
+          </p:cNvSpPr>
+          <p:nvPr>
+            <p:ph type="dt" sz="half" idx="10"/>
+          </p:nvPr>
+        </p:nvSpPr>
+        <p:spPr/>
+        <p:txBody>
+          <a:bodyPr/>
+          <a:lstStyle/>
+          <a:p>
             <a:fld id="{346E5E81-2ED8-4512-8620-486D144720FF}" type="datetimeFigureOut">
               <a:rPr lang="en-US" smtClean="0"/>
-              <a:t>4/8/2013</a:t>
+              <a:t>4/16/2013</a:t>
             </a:fld>
             <a:endParaRPr lang="en-US"/>
           </a:p>
@@ -1774,7 +5930,7 @@
     </p:spTree>
     <p:extLst>
       <p:ext uri="{BB962C8B-B14F-4D97-AF65-F5344CB8AC3E}">
-        <p14:creationId xmlns:p14="http://schemas.microsoft.com/office/powerpoint/2010/main" val="2235201942"/>
+        <p14:creationId xmlns:p14="http://schemas.microsoft.com/office/powerpoint/2010/main" val="1520842100"/>
       </p:ext>
     </p:extLst>
   </p:cSld>
@@ -1801,6 +5957,145 @@
           <a:chExt cx="0" cy="0"/>
         </a:xfrm>
       </p:grpSpPr>
+      <p:pic>
+        <p:nvPicPr>
+          <p:cNvPr id="6" name="Picture 5" descr="HD-ShadowLong.png"/>
+          <p:cNvPicPr>
+            <a:picLocks noChangeAspect="1"/>
+          </p:cNvPicPr>
+          <p:nvPr/>
+        </p:nvPicPr>
+        <p:blipFill>
+          <a:blip r:embed="rId2">
+            <a:extLst>
+              <a:ext uri="{28A0092B-C50C-407E-A947-70E740481C1C}">
+                <a14:useLocalDpi xmlns:a14="http://schemas.microsoft.com/office/drawing/2010/main" val="0"/>
+              </a:ext>
+            </a:extLst>
+          </a:blip>
+          <a:stretch>
+            <a:fillRect/>
+          </a:stretch>
+        </p:blipFill>
+        <p:spPr>
+          <a:xfrm>
+            <a:off x="1" y="1970240"/>
+            <a:ext cx="10437812" cy="321164"/>
+          </a:xfrm>
+          <a:prstGeom prst="rect">
+            <a:avLst/>
+          </a:prstGeom>
+        </p:spPr>
+      </p:pic>
+      <p:pic>
+        <p:nvPicPr>
+          <p:cNvPr id="7" name="Picture 6" descr="HD-ShadowShort.png"/>
+          <p:cNvPicPr>
+            <a:picLocks noChangeAspect="1"/>
+          </p:cNvPicPr>
+          <p:nvPr/>
+        </p:nvPicPr>
+        <p:blipFill>
+          <a:blip r:embed="rId3" cstate="print">
+            <a:extLst>
+              <a:ext uri="{28A0092B-C50C-407E-A947-70E740481C1C}">
+                <a14:useLocalDpi xmlns:a14="http://schemas.microsoft.com/office/drawing/2010/main" val="0"/>
+              </a:ext>
+            </a:extLst>
+          </a:blip>
+          <a:stretch>
+            <a:fillRect/>
+          </a:stretch>
+        </p:blipFill>
+        <p:spPr>
+          <a:xfrm>
+            <a:off x="10585826" y="1971234"/>
+            <a:ext cx="1602997" cy="144270"/>
+          </a:xfrm>
+          <a:prstGeom prst="rect">
+            <a:avLst/>
+          </a:prstGeom>
+        </p:spPr>
+      </p:pic>
+      <p:sp>
+        <p:nvSpPr>
+          <p:cNvPr id="8" name="Rectangle 7"/>
+          <p:cNvSpPr/>
+          <p:nvPr/>
+        </p:nvSpPr>
+        <p:spPr>
+          <a:xfrm>
+            <a:off x="0" y="609600"/>
+            <a:ext cx="10437812" cy="1368198"/>
+          </a:xfrm>
+          <a:prstGeom prst="rect">
+            <a:avLst/>
+          </a:prstGeom>
+          <a:solidFill>
+            <a:schemeClr val="bg1">
+              <a:lumMod val="85000"/>
+              <a:lumOff val="15000"/>
+            </a:schemeClr>
+          </a:solidFill>
+          <a:ln>
+            <a:noFill/>
+          </a:ln>
+        </p:spPr>
+        <p:style>
+          <a:lnRef idx="2">
+            <a:schemeClr val="accent1">
+              <a:shade val="50000"/>
+            </a:schemeClr>
+          </a:lnRef>
+          <a:fillRef idx="1">
+            <a:schemeClr val="accent1"/>
+          </a:fillRef>
+          <a:effectRef idx="0">
+            <a:schemeClr val="accent1"/>
+          </a:effectRef>
+          <a:fontRef idx="minor">
+            <a:schemeClr val="lt1"/>
+          </a:fontRef>
+        </p:style>
+      </p:sp>
+      <p:sp>
+        <p:nvSpPr>
+          <p:cNvPr id="9" name="Rectangle 8"/>
+          <p:cNvSpPr/>
+          <p:nvPr/>
+        </p:nvSpPr>
+        <p:spPr>
+          <a:xfrm>
+            <a:off x="10585827" y="609600"/>
+            <a:ext cx="1602997" cy="1368198"/>
+          </a:xfrm>
+          <a:prstGeom prst="rect">
+            <a:avLst/>
+          </a:prstGeom>
+          <a:solidFill>
+            <a:schemeClr val="accent1"/>
+          </a:solidFill>
+          <a:ln>
+            <a:noFill/>
+          </a:ln>
+        </p:spPr>
+        <p:style>
+          <a:lnRef idx="2">
+            <a:schemeClr val="accent1">
+              <a:shade val="50000"/>
+            </a:schemeClr>
+          </a:lnRef>
+          <a:fillRef idx="1">
+            <a:schemeClr val="accent1"/>
+          </a:fillRef>
+          <a:effectRef idx="0">
+            <a:schemeClr val="accent1"/>
+          </a:effectRef>
+          <a:fontRef idx="minor">
+            <a:schemeClr val="lt1"/>
+          </a:fontRef>
+        </p:style>
+      </p:sp>
       <p:sp>
         <p:nvSpPr>
           <p:cNvPr id="2" name="Title 1"/>
@@ -1820,7 +6115,7 @@
               <a:rPr lang="en-US" smtClean="0"/>
               <a:t>Click to edit Master title style</a:t>
             </a:r>
-            <a:endParaRPr lang="en-US"/>
+            <a:endParaRPr lang="en-US" dirty="0"/>
           </a:p>
         </p:txBody>
       </p:sp>
@@ -1841,7 +6136,7 @@
           <a:p>
             <a:fld id="{346E5E81-2ED8-4512-8620-486D144720FF}" type="datetimeFigureOut">
               <a:rPr lang="en-US" smtClean="0"/>
-              <a:t>4/8/2013</a:t>
+              <a:t>4/16/2013</a:t>
             </a:fld>
             <a:endParaRPr lang="en-US"/>
           </a:p>
@@ -1892,7 +6187,7 @@
     </p:spTree>
     <p:extLst>
       <p:ext uri="{BB962C8B-B14F-4D97-AF65-F5344CB8AC3E}">
-        <p14:creationId xmlns:p14="http://schemas.microsoft.com/office/powerpoint/2010/main" val="2954796471"/>
+        <p14:creationId xmlns:p14="http://schemas.microsoft.com/office/powerpoint/2010/main" val="2228869095"/>
       </p:ext>
     </p:extLst>
   </p:cSld>
@@ -1919,6 +6214,74 @@
           <a:chExt cx="0" cy="0"/>
         </a:xfrm>
       </p:grpSpPr>
+      <p:pic>
+        <p:nvPicPr>
+          <p:cNvPr id="5" name="Picture 4" descr="HD-ShadowShort.png"/>
+          <p:cNvPicPr>
+            <a:picLocks noChangeAspect="1"/>
+          </p:cNvPicPr>
+          <p:nvPr/>
+        </p:nvPicPr>
+        <p:blipFill>
+          <a:blip r:embed="rId2" cstate="print">
+            <a:extLst>
+              <a:ext uri="{28A0092B-C50C-407E-A947-70E740481C1C}">
+                <a14:useLocalDpi xmlns:a14="http://schemas.microsoft.com/office/drawing/2010/main" val="0"/>
+              </a:ext>
+            </a:extLst>
+          </a:blip>
+          <a:stretch>
+            <a:fillRect/>
+          </a:stretch>
+        </p:blipFill>
+        <p:spPr>
+          <a:xfrm>
+            <a:off x="10585826" y="1971234"/>
+            <a:ext cx="1602997" cy="144270"/>
+          </a:xfrm>
+          <a:prstGeom prst="rect">
+            <a:avLst/>
+          </a:prstGeom>
+        </p:spPr>
+      </p:pic>
+      <p:sp>
+        <p:nvSpPr>
+          <p:cNvPr id="6" name="Rectangle 5"/>
+          <p:cNvSpPr/>
+          <p:nvPr/>
+        </p:nvSpPr>
+        <p:spPr>
+          <a:xfrm>
+            <a:off x="10585827" y="609600"/>
+            <a:ext cx="1602997" cy="1368198"/>
+          </a:xfrm>
+          <a:prstGeom prst="rect">
+            <a:avLst/>
+          </a:prstGeom>
+          <a:solidFill>
+            <a:schemeClr val="accent1"/>
+          </a:solidFill>
+          <a:ln>
+            <a:noFill/>
+          </a:ln>
+        </p:spPr>
+        <p:style>
+          <a:lnRef idx="2">
+            <a:schemeClr val="accent1">
+              <a:shade val="50000"/>
+            </a:schemeClr>
+          </a:lnRef>
+          <a:fillRef idx="1">
+            <a:schemeClr val="accent1"/>
+          </a:fillRef>
+          <a:effectRef idx="0">
+            <a:schemeClr val="accent1"/>
+          </a:effectRef>
+          <a:fontRef idx="minor">
+            <a:schemeClr val="lt1"/>
+          </a:fontRef>
+        </p:style>
+      </p:sp>
       <p:sp>
         <p:nvSpPr>
           <p:cNvPr id="2" name="Date Placeholder 1"/>
@@ -1936,7 +6299,7 @@
           <a:p>
             <a:fld id="{346E5E81-2ED8-4512-8620-486D144720FF}" type="datetimeFigureOut">
               <a:rPr lang="en-US" smtClean="0"/>
-              <a:t>4/8/2013</a:t>
+              <a:t>4/16/2013</a:t>
             </a:fld>
             <a:endParaRPr lang="en-US"/>
           </a:p>
@@ -1987,7 +6350,7 @@
     </p:spTree>
     <p:extLst>
       <p:ext uri="{BB962C8B-B14F-4D97-AF65-F5344CB8AC3E}">
-        <p14:creationId xmlns:p14="http://schemas.microsoft.com/office/powerpoint/2010/main" val="2399160457"/>
+        <p14:creationId xmlns:p14="http://schemas.microsoft.com/office/powerpoint/2010/main" val="1348498858"/>
       </p:ext>
     </p:extLst>
   </p:cSld>
@@ -2014,6 +6377,145 @@
           <a:chExt cx="0" cy="0"/>
         </a:xfrm>
       </p:grpSpPr>
+      <p:pic>
+        <p:nvPicPr>
+          <p:cNvPr id="8" name="Picture 7" descr="HD-ShadowLong.png"/>
+          <p:cNvPicPr>
+            <a:picLocks noChangeAspect="1"/>
+          </p:cNvPicPr>
+          <p:nvPr/>
+        </p:nvPicPr>
+        <p:blipFill>
+          <a:blip r:embed="rId2">
+            <a:extLst>
+              <a:ext uri="{28A0092B-C50C-407E-A947-70E740481C1C}">
+                <a14:useLocalDpi xmlns:a14="http://schemas.microsoft.com/office/drawing/2010/main" val="0"/>
+              </a:ext>
+            </a:extLst>
+          </a:blip>
+          <a:stretch>
+            <a:fillRect/>
+          </a:stretch>
+        </p:blipFill>
+        <p:spPr>
+          <a:xfrm>
+            <a:off x="1" y="1970240"/>
+            <a:ext cx="10437812" cy="321164"/>
+          </a:xfrm>
+          <a:prstGeom prst="rect">
+            <a:avLst/>
+          </a:prstGeom>
+        </p:spPr>
+      </p:pic>
+      <p:pic>
+        <p:nvPicPr>
+          <p:cNvPr id="9" name="Picture 8" descr="HD-ShadowShort.png"/>
+          <p:cNvPicPr>
+            <a:picLocks noChangeAspect="1"/>
+          </p:cNvPicPr>
+          <p:nvPr/>
+        </p:nvPicPr>
+        <p:blipFill>
+          <a:blip r:embed="rId3" cstate="print">
+            <a:extLst>
+              <a:ext uri="{28A0092B-C50C-407E-A947-70E740481C1C}">
+                <a14:useLocalDpi xmlns:a14="http://schemas.microsoft.com/office/drawing/2010/main" val="0"/>
+              </a:ext>
+            </a:extLst>
+          </a:blip>
+          <a:stretch>
+            <a:fillRect/>
+          </a:stretch>
+        </p:blipFill>
+        <p:spPr>
+          <a:xfrm>
+            <a:off x="10585826" y="1971234"/>
+            <a:ext cx="1602997" cy="144270"/>
+          </a:xfrm>
+          <a:prstGeom prst="rect">
+            <a:avLst/>
+          </a:prstGeom>
+        </p:spPr>
+      </p:pic>
+      <p:sp>
+        <p:nvSpPr>
+          <p:cNvPr id="10" name="Rectangle 9"/>
+          <p:cNvSpPr/>
+          <p:nvPr/>
+        </p:nvSpPr>
+        <p:spPr>
+          <a:xfrm>
+            <a:off x="0" y="609600"/>
+            <a:ext cx="10437812" cy="1368198"/>
+          </a:xfrm>
+          <a:prstGeom prst="rect">
+            <a:avLst/>
+          </a:prstGeom>
+          <a:solidFill>
+            <a:schemeClr val="bg1">
+              <a:lumMod val="85000"/>
+              <a:lumOff val="15000"/>
+            </a:schemeClr>
+          </a:solidFill>
+          <a:ln>
+            <a:noFill/>
+          </a:ln>
+        </p:spPr>
+        <p:style>
+          <a:lnRef idx="2">
+            <a:schemeClr val="accent1">
+              <a:shade val="50000"/>
+            </a:schemeClr>
+          </a:lnRef>
+          <a:fillRef idx="1">
+            <a:schemeClr val="accent1"/>
+          </a:fillRef>
+          <a:effectRef idx="0">
+            <a:schemeClr val="accent1"/>
+          </a:effectRef>
+          <a:fontRef idx="minor">
+            <a:schemeClr val="lt1"/>
+          </a:fontRef>
+        </p:style>
+      </p:sp>
+      <p:sp>
+        <p:nvSpPr>
+          <p:cNvPr id="11" name="Rectangle 10"/>
+          <p:cNvSpPr/>
+          <p:nvPr/>
+        </p:nvSpPr>
+        <p:spPr>
+          <a:xfrm>
+            <a:off x="10585827" y="609600"/>
+            <a:ext cx="1602997" cy="1368198"/>
+          </a:xfrm>
+          <a:prstGeom prst="rect">
+            <a:avLst/>
+          </a:prstGeom>
+          <a:solidFill>
+            <a:schemeClr val="accent1"/>
+          </a:solidFill>
+          <a:ln>
+            <a:noFill/>
+          </a:ln>
+        </p:spPr>
+        <p:style>
+          <a:lnRef idx="2">
+            <a:schemeClr val="accent1">
+              <a:shade val="50000"/>
+            </a:schemeClr>
+          </a:lnRef>
+          <a:fillRef idx="1">
+            <a:schemeClr val="accent1"/>
+          </a:fillRef>
+          <a:effectRef idx="0">
+            <a:schemeClr val="accent1"/>
+          </a:effectRef>
+          <a:fontRef idx="minor">
+            <a:schemeClr val="lt1"/>
+          </a:fontRef>
+        </p:style>
+      </p:sp>
       <p:sp>
         <p:nvSpPr>
           <p:cNvPr id="2" name="Title 1"/>
@@ -2026,15 +6528,17 @@
         </p:nvSpPr>
         <p:spPr>
           <a:xfrm>
-            <a:off x="831850" y="685800"/>
-            <a:ext cx="4013200" cy="1160463"/>
-          </a:xfrm>
-        </p:spPr>
-        <p:txBody>
-          <a:bodyPr anchor="b"/>
+            <a:off x="680321" y="753227"/>
+            <a:ext cx="9613859" cy="1080940"/>
+          </a:xfrm>
+        </p:spPr>
+        <p:txBody>
+          <a:bodyPr anchor="ctr">
+            <a:normAutofit/>
+          </a:bodyPr>
           <a:lstStyle>
             <a:lvl1pPr>
-              <a:defRPr sz="2000" b="1"/>
+              <a:defRPr sz="3600"/>
             </a:lvl1pPr>
           </a:lstStyle>
           <a:p>
@@ -2042,7 +6546,7 @@
               <a:rPr lang="en-US" smtClean="0"/>
               <a:t>Click to edit Master title style</a:t>
             </a:r>
-            <a:endParaRPr lang="en-US"/>
+            <a:endParaRPr lang="en-US" dirty="0"/>
           </a:p>
         </p:txBody>
       </p:sp>
@@ -2058,39 +6562,105 @@
         </p:nvSpPr>
         <p:spPr>
           <a:xfrm>
-            <a:off x="5046663" y="685800"/>
-            <a:ext cx="6300787" cy="5486400"/>
+            <a:off x="4685846" y="2336873"/>
+            <a:ext cx="5608336" cy="3599313"/>
           </a:xfrm>
         </p:spPr>
         <p:txBody>
           <a:bodyPr/>
+          <a:lstStyle/>
+          <a:p>
+            <a:pPr lvl="0"/>
+            <a:r>
+              <a:rPr lang="en-US" smtClean="0"/>
+              <a:t>Click to edit Master text styles</a:t>
+            </a:r>
+          </a:p>
+          <a:p>
+            <a:pPr lvl="1"/>
+            <a:r>
+              <a:rPr lang="en-US" smtClean="0"/>
+              <a:t>Second level</a:t>
+            </a:r>
+          </a:p>
+          <a:p>
+            <a:pPr lvl="2"/>
+            <a:r>
+              <a:rPr lang="en-US" smtClean="0"/>
+              <a:t>Third level</a:t>
+            </a:r>
+          </a:p>
+          <a:p>
+            <a:pPr lvl="3"/>
+            <a:r>
+              <a:rPr lang="en-US" smtClean="0"/>
+              <a:t>Fourth level</a:t>
+            </a:r>
+          </a:p>
+          <a:p>
+            <a:pPr lvl="4"/>
+            <a:r>
+              <a:rPr lang="en-US" smtClean="0"/>
+              <a:t>Fifth level</a:t>
+            </a:r>
+            <a:endParaRPr lang="en-US" dirty="0"/>
+          </a:p>
+        </p:txBody>
+      </p:sp>
+      <p:sp>
+        <p:nvSpPr>
+          <p:cNvPr id="4" name="Text Placeholder 3"/>
+          <p:cNvSpPr>
+            <a:spLocks noGrp="1"/>
+          </p:cNvSpPr>
+          <p:nvPr>
+            <p:ph type="body" sz="half" idx="2"/>
+          </p:nvPr>
+        </p:nvSpPr>
+        <p:spPr>
+          <a:xfrm>
+            <a:off x="680322" y="2336872"/>
+            <a:ext cx="3790078" cy="3599317"/>
+          </a:xfrm>
+        </p:spPr>
+        <p:txBody>
+          <a:bodyPr anchor="ctr"/>
           <a:lstStyle>
-            <a:lvl1pPr>
-              <a:defRPr sz="3200"/>
+            <a:lvl1pPr marL="0" indent="0">
+              <a:buNone/>
+              <a:defRPr sz="1600"/>
             </a:lvl1pPr>
-            <a:lvl2pPr>
-              <a:defRPr sz="2800"/>
+            <a:lvl2pPr marL="457200" indent="0">
+              <a:buNone/>
+              <a:defRPr sz="1400"/>
             </a:lvl2pPr>
-            <a:lvl3pPr>
-              <a:defRPr sz="2400"/>
+            <a:lvl3pPr marL="914400" indent="0">
+              <a:buNone/>
+              <a:defRPr sz="1200"/>
             </a:lvl3pPr>
-            <a:lvl4pPr>
-              <a:defRPr sz="2000"/>
+            <a:lvl4pPr marL="1371600" indent="0">
+              <a:buNone/>
+              <a:defRPr sz="1000"/>
             </a:lvl4pPr>
-            <a:lvl5pPr>
-              <a:defRPr sz="2000"/>
+            <a:lvl5pPr marL="1828800" indent="0">
+              <a:buNone/>
+              <a:defRPr sz="1000"/>
             </a:lvl5pPr>
-            <a:lvl6pPr>
-              <a:defRPr sz="2000"/>
+            <a:lvl6pPr marL="2286000" indent="0">
+              <a:buNone/>
+              <a:defRPr sz="1000"/>
             </a:lvl6pPr>
-            <a:lvl7pPr>
-              <a:defRPr sz="2000"/>
+            <a:lvl7pPr marL="2743200" indent="0">
+              <a:buNone/>
+              <a:defRPr sz="1000"/>
             </a:lvl7pPr>
-            <a:lvl8pPr>
-              <a:defRPr sz="2000"/>
+            <a:lvl8pPr marL="3200400" indent="0">
+              <a:buNone/>
+              <a:defRPr sz="1000"/>
             </a:lvl8pPr>
-            <a:lvl9pPr>
-              <a:defRPr sz="2000"/>
+            <a:lvl9pPr marL="3657600" indent="0">
+              <a:buNone/>
+              <a:defRPr sz="1000"/>
             </a:lvl9pPr>
           </a:lstStyle>
           <a:p>
@@ -2100,100 +6670,6 @@
               <a:t>Click to edit Master text styles</a:t>
             </a:r>
           </a:p>
-          <a:p>
-            <a:pPr lvl="1"/>
-            <a:r>
-              <a:rPr lang="en-US" smtClean="0"/>
-              <a:t>Second level</a:t>
-            </a:r>
-          </a:p>
-          <a:p>
-            <a:pPr lvl="2"/>
-            <a:r>
-              <a:rPr lang="en-US" smtClean="0"/>
-              <a:t>Third level</a:t>
-            </a:r>
-          </a:p>
-          <a:p>
-            <a:pPr lvl="3"/>
-            <a:r>
-              <a:rPr lang="en-US" smtClean="0"/>
-              <a:t>Fourth level</a:t>
-            </a:r>
-          </a:p>
-          <a:p>
-            <a:pPr lvl="4"/>
-            <a:r>
-              <a:rPr lang="en-US" smtClean="0"/>
-              <a:t>Fifth level</a:t>
-            </a:r>
-            <a:endParaRPr lang="en-US"/>
-          </a:p>
-        </p:txBody>
-      </p:sp>
-      <p:sp>
-        <p:nvSpPr>
-          <p:cNvPr id="4" name="Text Placeholder 3"/>
-          <p:cNvSpPr>
-            <a:spLocks noGrp="1"/>
-          </p:cNvSpPr>
-          <p:nvPr>
-            <p:ph type="body" sz="half" idx="2"/>
-          </p:nvPr>
-        </p:nvSpPr>
-        <p:spPr>
-          <a:xfrm>
-            <a:off x="831850" y="1846263"/>
-            <a:ext cx="4013200" cy="4325937"/>
-          </a:xfrm>
-        </p:spPr>
-        <p:txBody>
-          <a:bodyPr/>
-          <a:lstStyle>
-            <a:lvl1pPr marL="0" indent="0">
-              <a:buNone/>
-              <a:defRPr sz="1400"/>
-            </a:lvl1pPr>
-            <a:lvl2pPr marL="457200" indent="0">
-              <a:buNone/>
-              <a:defRPr sz="1200"/>
-            </a:lvl2pPr>
-            <a:lvl3pPr marL="914400" indent="0">
-              <a:buNone/>
-              <a:defRPr sz="1000"/>
-            </a:lvl3pPr>
-            <a:lvl4pPr marL="1371600" indent="0">
-              <a:buNone/>
-              <a:defRPr sz="900"/>
-            </a:lvl4pPr>
-            <a:lvl5pPr marL="1828800" indent="0">
-              <a:buNone/>
-              <a:defRPr sz="900"/>
-            </a:lvl5pPr>
-            <a:lvl6pPr marL="2286000" indent="0">
-              <a:buNone/>
-              <a:defRPr sz="900"/>
-            </a:lvl6pPr>
-            <a:lvl7pPr marL="2743200" indent="0">
-              <a:buNone/>
-              <a:defRPr sz="900"/>
-            </a:lvl7pPr>
-            <a:lvl8pPr marL="3200400" indent="0">
-              <a:buNone/>
-              <a:defRPr sz="900"/>
-            </a:lvl8pPr>
-            <a:lvl9pPr marL="3657600" indent="0">
-              <a:buNone/>
-              <a:defRPr sz="900"/>
-            </a:lvl9pPr>
-          </a:lstStyle>
-          <a:p>
-            <a:pPr lvl="0"/>
-            <a:r>
-              <a:rPr lang="en-US" smtClean="0"/>
-              <a:t>Click to edit Master text styles</a:t>
-            </a:r>
-          </a:p>
         </p:txBody>
       </p:sp>
       <p:sp>
@@ -2213,7 +6689,7 @@
           <a:p>
             <a:fld id="{346E5E81-2ED8-4512-8620-486D144720FF}" type="datetimeFigureOut">
               <a:rPr lang="en-US" smtClean="0"/>
-              <a:t>4/8/2013</a:t>
+              <a:t>4/16/2013</a:t>
             </a:fld>
             <a:endParaRPr lang="en-US"/>
           </a:p>
@@ -2264,7 +6740,7 @@
     </p:spTree>
     <p:extLst>
       <p:ext uri="{BB962C8B-B14F-4D97-AF65-F5344CB8AC3E}">
-        <p14:creationId xmlns:p14="http://schemas.microsoft.com/office/powerpoint/2010/main" val="485467917"/>
+        <p14:creationId xmlns:p14="http://schemas.microsoft.com/office/powerpoint/2010/main" val="2107687286"/>
       </p:ext>
     </p:extLst>
   </p:cSld>
@@ -2291,6 +6767,145 @@
           <a:chExt cx="0" cy="0"/>
         </a:xfrm>
       </p:grpSpPr>
+      <p:pic>
+        <p:nvPicPr>
+          <p:cNvPr id="8" name="Picture 7" descr="HD-ShadowLong.png"/>
+          <p:cNvPicPr>
+            <a:picLocks noChangeAspect="1"/>
+          </p:cNvPicPr>
+          <p:nvPr/>
+        </p:nvPicPr>
+        <p:blipFill>
+          <a:blip r:embed="rId2">
+            <a:extLst>
+              <a:ext uri="{28A0092B-C50C-407E-A947-70E740481C1C}">
+                <a14:useLocalDpi xmlns:a14="http://schemas.microsoft.com/office/drawing/2010/main" val="0"/>
+              </a:ext>
+            </a:extLst>
+          </a:blip>
+          <a:stretch>
+            <a:fillRect/>
+          </a:stretch>
+        </p:blipFill>
+        <p:spPr>
+          <a:xfrm>
+            <a:off x="1" y="1970240"/>
+            <a:ext cx="10437812" cy="321164"/>
+          </a:xfrm>
+          <a:prstGeom prst="rect">
+            <a:avLst/>
+          </a:prstGeom>
+        </p:spPr>
+      </p:pic>
+      <p:pic>
+        <p:nvPicPr>
+          <p:cNvPr id="9" name="Picture 8" descr="HD-ShadowShort.png"/>
+          <p:cNvPicPr>
+            <a:picLocks noChangeAspect="1"/>
+          </p:cNvPicPr>
+          <p:nvPr/>
+        </p:nvPicPr>
+        <p:blipFill>
+          <a:blip r:embed="rId3" cstate="print">
+            <a:extLst>
+              <a:ext uri="{28A0092B-C50C-407E-A947-70E740481C1C}">
+                <a14:useLocalDpi xmlns:a14="http://schemas.microsoft.com/office/drawing/2010/main" val="0"/>
+              </a:ext>
+            </a:extLst>
+          </a:blip>
+          <a:stretch>
+            <a:fillRect/>
+          </a:stretch>
+        </p:blipFill>
+        <p:spPr>
+          <a:xfrm>
+            <a:off x="10585826" y="1971234"/>
+            <a:ext cx="1602997" cy="144270"/>
+          </a:xfrm>
+          <a:prstGeom prst="rect">
+            <a:avLst/>
+          </a:prstGeom>
+        </p:spPr>
+      </p:pic>
+      <p:sp>
+        <p:nvSpPr>
+          <p:cNvPr id="10" name="Rectangle 9"/>
+          <p:cNvSpPr/>
+          <p:nvPr/>
+        </p:nvSpPr>
+        <p:spPr>
+          <a:xfrm>
+            <a:off x="0" y="609600"/>
+            <a:ext cx="10437812" cy="1368198"/>
+          </a:xfrm>
+          <a:prstGeom prst="rect">
+            <a:avLst/>
+          </a:prstGeom>
+          <a:solidFill>
+            <a:schemeClr val="bg1">
+              <a:lumMod val="85000"/>
+              <a:lumOff val="15000"/>
+            </a:schemeClr>
+          </a:solidFill>
+          <a:ln>
+            <a:noFill/>
+          </a:ln>
+        </p:spPr>
+        <p:style>
+          <a:lnRef idx="2">
+            <a:schemeClr val="accent1">
+              <a:shade val="50000"/>
+            </a:schemeClr>
+          </a:lnRef>
+          <a:fillRef idx="1">
+            <a:schemeClr val="accent1"/>
+          </a:fillRef>
+          <a:effectRef idx="0">
+            <a:schemeClr val="accent1"/>
+          </a:effectRef>
+          <a:fontRef idx="minor">
+            <a:schemeClr val="lt1"/>
+          </a:fontRef>
+        </p:style>
+      </p:sp>
+      <p:sp>
+        <p:nvSpPr>
+          <p:cNvPr id="11" name="Rectangle 10"/>
+          <p:cNvSpPr/>
+          <p:nvPr/>
+        </p:nvSpPr>
+        <p:spPr>
+          <a:xfrm>
+            <a:off x="10585827" y="609600"/>
+            <a:ext cx="1602997" cy="1368198"/>
+          </a:xfrm>
+          <a:prstGeom prst="rect">
+            <a:avLst/>
+          </a:prstGeom>
+          <a:solidFill>
+            <a:schemeClr val="accent1"/>
+          </a:solidFill>
+          <a:ln>
+            <a:noFill/>
+          </a:ln>
+        </p:spPr>
+        <p:style>
+          <a:lnRef idx="2">
+            <a:schemeClr val="accent1">
+              <a:shade val="50000"/>
+            </a:schemeClr>
+          </a:lnRef>
+          <a:fillRef idx="1">
+            <a:schemeClr val="accent1"/>
+          </a:fillRef>
+          <a:effectRef idx="0">
+            <a:schemeClr val="accent1"/>
+          </a:effectRef>
+          <a:fontRef idx="minor">
+            <a:schemeClr val="lt1"/>
+          </a:fontRef>
+        </p:style>
+      </p:sp>
       <p:sp>
         <p:nvSpPr>
           <p:cNvPr id="2" name="Title 1"/>
@@ -2303,15 +6918,17 @@
         </p:nvSpPr>
         <p:spPr>
           <a:xfrm>
-            <a:off x="2505075" y="4800600"/>
-            <a:ext cx="7177088" cy="566738"/>
-          </a:xfrm>
-        </p:spPr>
-        <p:txBody>
-          <a:bodyPr anchor="b"/>
+            <a:off x="680323" y="753228"/>
+            <a:ext cx="9613857" cy="1080938"/>
+          </a:xfrm>
+        </p:spPr>
+        <p:txBody>
+          <a:bodyPr anchor="ctr">
+            <a:normAutofit/>
+          </a:bodyPr>
           <a:lstStyle>
             <a:lvl1pPr>
-              <a:defRPr sz="2000" b="1"/>
+              <a:defRPr sz="3600"/>
             </a:lvl1pPr>
           </a:lstStyle>
           <a:p>
@@ -2319,7 +6936,7 @@
               <a:rPr lang="en-US" smtClean="0"/>
               <a:t>Click to edit Master title style</a:t>
             </a:r>
-            <a:endParaRPr lang="en-US"/>
+            <a:endParaRPr lang="en-US" dirty="0"/>
           </a:p>
         </p:txBody>
       </p:sp>
@@ -2327,7 +6944,7 @@
         <p:nvSpPr>
           <p:cNvPr id="3" name="Picture Placeholder 2"/>
           <p:cNvSpPr>
-            <a:spLocks noGrp="1"/>
+            <a:spLocks noGrp="1" noChangeAspect="1"/>
           </p:cNvSpPr>
           <p:nvPr>
             <p:ph type="pic" idx="1"/>
@@ -2335,12 +6952,23 @@
         </p:nvSpPr>
         <p:spPr>
           <a:xfrm>
-            <a:off x="2505075" y="685800"/>
-            <a:ext cx="7177088" cy="4041775"/>
-          </a:xfrm>
-        </p:spPr>
-        <p:txBody>
-          <a:bodyPr/>
+            <a:off x="4868333" y="2336874"/>
+            <a:ext cx="5425849" cy="3599312"/>
+          </a:xfrm>
+          <a:noFill/>
+          <a:ln>
+            <a:noFill/>
+          </a:ln>
+          <a:effectLst>
+            <a:outerShdw blurRad="76200" dist="63500" dir="5040000" algn="tl" rotWithShape="0">
+              <a:srgbClr val="000000">
+                <a:alpha val="41000"/>
+              </a:srgbClr>
+            </a:outerShdw>
+          </a:effectLst>
+        </p:spPr>
+        <p:txBody>
+          <a:bodyPr anchor="t"/>
           <a:lstStyle>
             <a:lvl1pPr marL="0" indent="0">
               <a:buNone/>
@@ -2384,7 +7012,7 @@
               <a:rPr lang="en-US" smtClean="0"/>
               <a:t>Click icon to add picture</a:t>
             </a:r>
-            <a:endParaRPr lang="en-US"/>
+            <a:endParaRPr lang="en-US" dirty="0"/>
           </a:p>
         </p:txBody>
       </p:sp>
@@ -2400,48 +7028,48 @@
         </p:nvSpPr>
         <p:spPr>
           <a:xfrm>
-            <a:off x="2505075" y="5367338"/>
-            <a:ext cx="7177088" cy="804862"/>
-          </a:xfrm>
-        </p:spPr>
-        <p:txBody>
-          <a:bodyPr/>
+            <a:off x="680323" y="2336873"/>
+            <a:ext cx="3876256" cy="3599315"/>
+          </a:xfrm>
+        </p:spPr>
+        <p:txBody>
+          <a:bodyPr anchor="ctr"/>
           <a:lstStyle>
             <a:lvl1pPr marL="0" indent="0">
               <a:buNone/>
-              <a:defRPr sz="1400"/>
+              <a:defRPr sz="1600"/>
             </a:lvl1pPr>
             <a:lvl2pPr marL="457200" indent="0">
               <a:buNone/>
-              <a:defRPr sz="1200"/>
+              <a:defRPr sz="1400"/>
             </a:lvl2pPr>
             <a:lvl3pPr marL="914400" indent="0">
               <a:buNone/>
-              <a:defRPr sz="1000"/>
+              <a:defRPr sz="1200"/>
             </a:lvl3pPr>
             <a:lvl4pPr marL="1371600" indent="0">
               <a:buNone/>
-              <a:defRPr sz="900"/>
+              <a:defRPr sz="1000"/>
             </a:lvl4pPr>
             <a:lvl5pPr marL="1828800" indent="0">
               <a:buNone/>
-              <a:defRPr sz="900"/>
+              <a:defRPr sz="1000"/>
             </a:lvl5pPr>
             <a:lvl6pPr marL="2286000" indent="0">
               <a:buNone/>
-              <a:defRPr sz="900"/>
+              <a:defRPr sz="1000"/>
             </a:lvl6pPr>
             <a:lvl7pPr marL="2743200" indent="0">
               <a:buNone/>
-              <a:defRPr sz="900"/>
+              <a:defRPr sz="1000"/>
             </a:lvl7pPr>
             <a:lvl8pPr marL="3200400" indent="0">
               <a:buNone/>
-              <a:defRPr sz="900"/>
+              <a:defRPr sz="1000"/>
             </a:lvl8pPr>
             <a:lvl9pPr marL="3657600" indent="0">
               <a:buNone/>
-              <a:defRPr sz="900"/>
+              <a:defRPr sz="1000"/>
             </a:lvl9pPr>
           </a:lstStyle>
           <a:p>
@@ -2470,7 +7098,7 @@
           <a:p>
             <a:fld id="{346E5E81-2ED8-4512-8620-486D144720FF}" type="datetimeFigureOut">
               <a:rPr lang="en-US" smtClean="0"/>
-              <a:t>4/8/2013</a:t>
+              <a:t>4/16/2013</a:t>
             </a:fld>
             <a:endParaRPr lang="en-US"/>
           </a:p>
@@ -2521,7 +7149,7 @@
     </p:spTree>
     <p:extLst>
       <p:ext uri="{BB962C8B-B14F-4D97-AF65-F5344CB8AC3E}">
-        <p14:creationId xmlns:p14="http://schemas.microsoft.com/office/powerpoint/2010/main" val="2128384420"/>
+        <p14:creationId xmlns:p14="http://schemas.microsoft.com/office/powerpoint/2010/main" val="1371009650"/>
       </p:ext>
     </p:extLst>
   </p:cSld>
@@ -2535,8 +7163,8 @@
 <p:sldMaster xmlns:a="http://schemas.openxmlformats.org/drawingml/2006/main" xmlns:r="http://schemas.openxmlformats.org/officeDocument/2006/relationships" xmlns:p="http://schemas.openxmlformats.org/presentationml/2006/main">
   <p:cSld>
     <p:bg>
-      <p:bgRef idx="1001">
-        <a:schemeClr val="bg1"/>
+      <p:bgRef idx="1003">
+        <a:schemeClr val="bg2"/>
       </p:bgRef>
     </p:bg>
     <p:spTree>
@@ -2553,6 +7181,37 @@
           <a:chExt cx="0" cy="0"/>
         </a:xfrm>
       </p:grpSpPr>
+      <p:pic>
+        <p:nvPicPr>
+          <p:cNvPr id="7" name="Picture 6" descr="hashOverlay-FullResolve.png"/>
+          <p:cNvPicPr>
+            <a:picLocks noChangeAspect="1"/>
+          </p:cNvPicPr>
+          <p:nvPr/>
+        </p:nvPicPr>
+        <p:blipFill>
+          <a:blip r:embed="rId19">
+            <a:alphaModFix amt="10000"/>
+            <a:extLst>
+              <a:ext uri="{28A0092B-C50C-407E-A947-70E740481C1C}">
+                <a14:useLocalDpi xmlns:a14="http://schemas.microsoft.com/office/drawing/2010/main" val="0"/>
+              </a:ext>
+            </a:extLst>
+          </a:blip>
+          <a:stretch>
+            <a:fillRect/>
+          </a:stretch>
+        </p:blipFill>
+        <p:spPr>
+          <a:xfrm>
+            <a:off x="0" y="0"/>
+            <a:ext cx="12192000" cy="6858000"/>
+          </a:xfrm>
+          <a:prstGeom prst="rect">
+            <a:avLst/>
+          </a:prstGeom>
+        </p:spPr>
+      </p:pic>
       <p:sp>
         <p:nvSpPr>
           <p:cNvPr id="2" name="Title Placeholder 1"/>
@@ -2565,8 +7224,8 @@
         </p:nvSpPr>
         <p:spPr>
           <a:xfrm>
-            <a:off x="838200" y="274638"/>
-            <a:ext cx="10515600" cy="1325562"/>
+            <a:off x="680321" y="753228"/>
+            <a:ext cx="9613861" cy="1080938"/>
           </a:xfrm>
           <a:prstGeom prst="rect">
             <a:avLst/>
@@ -2582,7 +7241,7 @@
               <a:rPr lang="en-US" smtClean="0"/>
               <a:t>Click to edit Master title style</a:t>
             </a:r>
-            <a:endParaRPr lang="en-US"/>
+            <a:endParaRPr lang="en-US" dirty="0"/>
           </a:p>
         </p:txBody>
       </p:sp>
@@ -2598,8 +7257,8 @@
         </p:nvSpPr>
         <p:spPr>
           <a:xfrm>
-            <a:off x="838200" y="1820863"/>
-            <a:ext cx="10515600" cy="4351337"/>
+            <a:off x="680321" y="2336873"/>
+            <a:ext cx="9613861" cy="3599316"/>
           </a:xfrm>
           <a:prstGeom prst="rect">
             <a:avLst/>
@@ -2644,7 +7303,7 @@
               <a:rPr lang="en-US" smtClean="0"/>
               <a:t>Fifth level</a:t>
             </a:r>
-            <a:endParaRPr lang="en-US"/>
+            <a:endParaRPr lang="en-US" dirty="0"/>
           </a:p>
         </p:txBody>
       </p:sp>
@@ -2660,8 +7319,8 @@
         </p:nvSpPr>
         <p:spPr>
           <a:xfrm>
-            <a:off x="838200" y="6356350"/>
-            <a:ext cx="3276600" cy="365125"/>
+            <a:off x="7550981" y="5936187"/>
+            <a:ext cx="2743200" cy="365125"/>
           </a:xfrm>
           <a:prstGeom prst="rect">
             <a:avLst/>
@@ -2670,8 +7329,8 @@
         <p:txBody>
           <a:bodyPr vert="horz" lIns="91440" tIns="45720" rIns="91440" bIns="45720" rtlCol="0" anchor="ctr"/>
           <a:lstStyle>
-            <a:lvl1pPr algn="l">
-              <a:defRPr sz="1200">
+            <a:lvl1pPr algn="r">
+              <a:defRPr sz="1050">
                 <a:solidFill>
                   <a:schemeClr val="tx1">
                     <a:tint val="75000"/>
@@ -2683,7 +7342,7 @@
           <a:p>
             <a:fld id="{346E5E81-2ED8-4512-8620-486D144720FF}" type="datetimeFigureOut">
               <a:rPr lang="en-US" smtClean="0"/>
-              <a:t>4/8/2013</a:t>
+              <a:t>4/16/2013</a:t>
             </a:fld>
             <a:endParaRPr lang="en-US"/>
           </a:p>
@@ -2701,8 +7360,8 @@
         </p:nvSpPr>
         <p:spPr>
           <a:xfrm>
-            <a:off x="4648200" y="6356350"/>
-            <a:ext cx="2895600" cy="365125"/>
+            <a:off x="680321" y="5936188"/>
+            <a:ext cx="6870660" cy="365125"/>
           </a:xfrm>
           <a:prstGeom prst="rect">
             <a:avLst/>
@@ -2711,8 +7370,8 @@
         <p:txBody>
           <a:bodyPr vert="horz" lIns="91440" tIns="45720" rIns="91440" bIns="45720" rtlCol="0" anchor="ctr"/>
           <a:lstStyle>
-            <a:lvl1pPr algn="ctr">
-              <a:defRPr sz="1200">
+            <a:lvl1pPr algn="l">
+              <a:defRPr sz="1050">
                 <a:solidFill>
                   <a:schemeClr val="tx1">
                     <a:tint val="75000"/>
@@ -2738,8 +7397,8 @@
         </p:nvSpPr>
         <p:spPr>
           <a:xfrm>
-            <a:off x="8077200" y="6356350"/>
-            <a:ext cx="3276600" cy="365125"/>
+            <a:off x="10729455" y="753227"/>
+            <a:ext cx="1154151" cy="1090789"/>
           </a:xfrm>
           <a:prstGeom prst="rect">
             <a:avLst/>
@@ -2748,8 +7407,8 @@
         <p:txBody>
           <a:bodyPr vert="horz" lIns="91440" tIns="45720" rIns="91440" bIns="45720" rtlCol="0" anchor="ctr"/>
           <a:lstStyle>
-            <a:lvl1pPr algn="r">
-              <a:defRPr sz="1200">
+            <a:lvl1pPr algn="l">
+              <a:defRPr sz="3600">
                 <a:solidFill>
                   <a:schemeClr val="tx1">
                     <a:tint val="75000"/>
@@ -2770,32 +7429,41 @@
     </p:spTree>
     <p:extLst>
       <p:ext uri="{BB962C8B-B14F-4D97-AF65-F5344CB8AC3E}">
-        <p14:creationId xmlns:p14="http://schemas.microsoft.com/office/powerpoint/2010/main" val="2195500845"/>
+        <p14:creationId xmlns:p14="http://schemas.microsoft.com/office/powerpoint/2010/main" val="40789858"/>
       </p:ext>
     </p:extLst>
   </p:cSld>
-  <p:clrMap bg1="lt1" tx1="dk1" bg2="lt2" tx2="dk2" accent1="accent1" accent2="accent2" accent3="accent3" accent4="accent4" accent5="accent5" accent6="accent6" hlink="hlink" folHlink="folHlink"/>
+  <p:clrMap bg1="dk1" tx1="lt1" bg2="dk2" tx2="lt2" accent1="accent1" accent2="accent2" accent3="accent3" accent4="accent4" accent5="accent5" accent6="accent6" hlink="hlink" folHlink="folHlink"/>
   <p:sldLayoutIdLst>
-    <p:sldLayoutId id="2147483649" r:id="rId1"/>
-    <p:sldLayoutId id="2147483650" r:id="rId2"/>
-    <p:sldLayoutId id="2147483651" r:id="rId3"/>
-    <p:sldLayoutId id="2147483652" r:id="rId4"/>
-    <p:sldLayoutId id="2147483653" r:id="rId5"/>
-    <p:sldLayoutId id="2147483654" r:id="rId6"/>
-    <p:sldLayoutId id="2147483655" r:id="rId7"/>
-    <p:sldLayoutId id="2147483656" r:id="rId8"/>
-    <p:sldLayoutId id="2147483657" r:id="rId9"/>
-    <p:sldLayoutId id="2147483658" r:id="rId10"/>
-    <p:sldLayoutId id="2147483659" r:id="rId11"/>
+    <p:sldLayoutId id="2147483661" r:id="rId1"/>
+    <p:sldLayoutId id="2147483662" r:id="rId2"/>
+    <p:sldLayoutId id="2147483663" r:id="rId3"/>
+    <p:sldLayoutId id="2147483664" r:id="rId4"/>
+    <p:sldLayoutId id="2147483665" r:id="rId5"/>
+    <p:sldLayoutId id="2147483666" r:id="rId6"/>
+    <p:sldLayoutId id="2147483667" r:id="rId7"/>
+    <p:sldLayoutId id="2147483668" r:id="rId8"/>
+    <p:sldLayoutId id="2147483669" r:id="rId9"/>
+    <p:sldLayoutId id="2147483670" r:id="rId10"/>
+    <p:sldLayoutId id="2147483671" r:id="rId11"/>
+    <p:sldLayoutId id="2147483672" r:id="rId12"/>
+    <p:sldLayoutId id="2147483673" r:id="rId13"/>
+    <p:sldLayoutId id="2147483674" r:id="rId14"/>
+    <p:sldLayoutId id="2147483675" r:id="rId15"/>
+    <p:sldLayoutId id="2147483676" r:id="rId16"/>
+    <p:sldLayoutId id="2147483677" r:id="rId17"/>
   </p:sldLayoutIdLst>
   <p:txStyles>
     <p:titleStyle>
       <a:lvl1pPr algn="l" defTabSz="914400" rtl="0" eaLnBrk="1" latinLnBrk="0" hangingPunct="1">
+        <a:lnSpc>
+          <a:spcPct val="90000"/>
+        </a:lnSpc>
         <a:spcBef>
           <a:spcPct val="0"/>
         </a:spcBef>
         <a:buNone/>
-        <a:defRPr sz="4400" kern="1200">
+        <a:defRPr sz="3600" kern="1200">
           <a:solidFill>
             <a:schemeClr val="tx1"/>
           </a:solidFill>
@@ -2806,13 +7474,16 @@
       </a:lvl1pPr>
     </p:titleStyle>
     <p:bodyStyle>
-      <a:lvl1pPr marL="342900" indent="-342900" algn="l" defTabSz="914400" rtl="0" eaLnBrk="1" latinLnBrk="0" hangingPunct="1">
+      <a:lvl1pPr marL="228600" indent="-228600" algn="l" defTabSz="914400" rtl="0" eaLnBrk="1" latinLnBrk="0" hangingPunct="1">
+        <a:lnSpc>
+          <a:spcPct val="90000"/>
+        </a:lnSpc>
         <a:spcBef>
-          <a:spcPct val="20000"/>
+          <a:spcPts val="1000"/>
         </a:spcBef>
-        <a:buFont typeface="Arial" pitchFamily="34" charset="0"/>
+        <a:buFont typeface="Arial" panose="020B0604020202020204" pitchFamily="34" charset="0"/>
         <a:buChar char="•"/>
-        <a:defRPr sz="3200" kern="1200">
+        <a:defRPr sz="2400" kern="1200">
           <a:solidFill>
             <a:schemeClr val="tx1"/>
           </a:solidFill>
@@ -2821,13 +7492,16 @@
           <a:cs typeface="+mn-cs"/>
         </a:defRPr>
       </a:lvl1pPr>
-      <a:lvl2pPr marL="742950" indent="-285750" algn="l" defTabSz="914400" rtl="0" eaLnBrk="1" latinLnBrk="0" hangingPunct="1">
+      <a:lvl2pPr marL="685800" indent="-228600" algn="l" defTabSz="914400" rtl="0" eaLnBrk="1" latinLnBrk="0" hangingPunct="1">
+        <a:lnSpc>
+          <a:spcPct val="90000"/>
+        </a:lnSpc>
         <a:spcBef>
-          <a:spcPct val="20000"/>
+          <a:spcPts val="500"/>
         </a:spcBef>
-        <a:buFont typeface="Arial" pitchFamily="34" charset="0"/>
-        <a:buChar char="–"/>
-        <a:defRPr sz="2800" kern="1200">
+        <a:buFont typeface="Arial" panose="020B0604020202020204" pitchFamily="34" charset="0"/>
+        <a:buChar char="•"/>
+        <a:defRPr sz="2000" kern="1200">
           <a:solidFill>
             <a:schemeClr val="tx1"/>
           </a:solidFill>
@@ -2837,12 +7511,15 @@
         </a:defRPr>
       </a:lvl2pPr>
       <a:lvl3pPr marL="1143000" indent="-228600" algn="l" defTabSz="914400" rtl="0" eaLnBrk="1" latinLnBrk="0" hangingPunct="1">
+        <a:lnSpc>
+          <a:spcPct val="90000"/>
+        </a:lnSpc>
         <a:spcBef>
-          <a:spcPct val="20000"/>
+          <a:spcPts val="500"/>
         </a:spcBef>
-        <a:buFont typeface="Arial" pitchFamily="34" charset="0"/>
+        <a:buFont typeface="Arial" panose="020B0604020202020204" pitchFamily="34" charset="0"/>
         <a:buChar char="•"/>
-        <a:defRPr sz="2400" kern="1200">
+        <a:defRPr sz="1800" kern="1200">
           <a:solidFill>
             <a:schemeClr val="tx1"/>
           </a:solidFill>
@@ -2852,12 +7529,15 @@
         </a:defRPr>
       </a:lvl3pPr>
       <a:lvl4pPr marL="1600200" indent="-228600" algn="l" defTabSz="914400" rtl="0" eaLnBrk="1" latinLnBrk="0" hangingPunct="1">
+        <a:lnSpc>
+          <a:spcPct val="90000"/>
+        </a:lnSpc>
         <a:spcBef>
-          <a:spcPct val="20000"/>
+          <a:spcPts val="500"/>
         </a:spcBef>
-        <a:buFont typeface="Arial" pitchFamily="34" charset="0"/>
-        <a:buChar char="–"/>
-        <a:defRPr sz="2000" kern="1200">
+        <a:buFont typeface="Arial" panose="020B0604020202020204" pitchFamily="34" charset="0"/>
+        <a:buChar char="•"/>
+        <a:defRPr sz="1600" kern="1200">
           <a:solidFill>
             <a:schemeClr val="tx1"/>
           </a:solidFill>
@@ -2867,12 +7547,15 @@
         </a:defRPr>
       </a:lvl4pPr>
       <a:lvl5pPr marL="2057400" indent="-228600" algn="l" defTabSz="914400" rtl="0" eaLnBrk="1" latinLnBrk="0" hangingPunct="1">
+        <a:lnSpc>
+          <a:spcPct val="90000"/>
+        </a:lnSpc>
         <a:spcBef>
-          <a:spcPct val="20000"/>
+          <a:spcPts val="500"/>
         </a:spcBef>
-        <a:buFont typeface="Arial" pitchFamily="34" charset="0"/>
-        <a:buChar char="»"/>
-        <a:defRPr sz="2000" kern="1200">
+        <a:buFont typeface="Arial" panose="020B0604020202020204" pitchFamily="34" charset="0"/>
+        <a:buChar char="•"/>
+        <a:defRPr sz="1600" kern="1200">
           <a:solidFill>
             <a:schemeClr val="tx1"/>
           </a:solidFill>
@@ -2882,12 +7565,15 @@
         </a:defRPr>
       </a:lvl5pPr>
       <a:lvl6pPr marL="2514600" indent="-228600" algn="l" defTabSz="914400" rtl="0" eaLnBrk="1" latinLnBrk="0" hangingPunct="1">
+        <a:lnSpc>
+          <a:spcPct val="90000"/>
+        </a:lnSpc>
         <a:spcBef>
-          <a:spcPct val="20000"/>
+          <a:spcPts val="500"/>
         </a:spcBef>
-        <a:buFont typeface="Arial" pitchFamily="34" charset="0"/>
+        <a:buFont typeface="Arial" panose="020B0604020202020204" pitchFamily="34" charset="0"/>
         <a:buChar char="•"/>
-        <a:defRPr sz="2000" kern="1200">
+        <a:defRPr sz="1400" kern="1200">
           <a:solidFill>
             <a:schemeClr val="tx1"/>
           </a:solidFill>
@@ -2897,12 +7583,15 @@
         </a:defRPr>
       </a:lvl6pPr>
       <a:lvl7pPr marL="2971800" indent="-228600" algn="l" defTabSz="914400" rtl="0" eaLnBrk="1" latinLnBrk="0" hangingPunct="1">
+        <a:lnSpc>
+          <a:spcPct val="90000"/>
+        </a:lnSpc>
         <a:spcBef>
-          <a:spcPct val="20000"/>
+          <a:spcPts val="500"/>
         </a:spcBef>
-        <a:buFont typeface="Arial" pitchFamily="34" charset="0"/>
+        <a:buFont typeface="Arial" panose="020B0604020202020204" pitchFamily="34" charset="0"/>
         <a:buChar char="•"/>
-        <a:defRPr sz="2000" kern="1200">
+        <a:defRPr sz="1400" kern="1200">
           <a:solidFill>
             <a:schemeClr val="tx1"/>
           </a:solidFill>
@@ -2912,12 +7601,15 @@
         </a:defRPr>
       </a:lvl7pPr>
       <a:lvl8pPr marL="3429000" indent="-228600" algn="l" defTabSz="914400" rtl="0" eaLnBrk="1" latinLnBrk="0" hangingPunct="1">
+        <a:lnSpc>
+          <a:spcPct val="90000"/>
+        </a:lnSpc>
         <a:spcBef>
-          <a:spcPct val="20000"/>
+          <a:spcPts val="500"/>
         </a:spcBef>
-        <a:buFont typeface="Arial" pitchFamily="34" charset="0"/>
+        <a:buFont typeface="Arial" panose="020B0604020202020204" pitchFamily="34" charset="0"/>
         <a:buChar char="•"/>
-        <a:defRPr sz="2000" kern="1200">
+        <a:defRPr sz="1400" kern="1200">
           <a:solidFill>
             <a:schemeClr val="tx1"/>
           </a:solidFill>
@@ -2927,12 +7619,15 @@
         </a:defRPr>
       </a:lvl8pPr>
       <a:lvl9pPr marL="3886200" indent="-228600" algn="l" defTabSz="914400" rtl="0" eaLnBrk="1" latinLnBrk="0" hangingPunct="1">
+        <a:lnSpc>
+          <a:spcPct val="90000"/>
+        </a:lnSpc>
         <a:spcBef>
-          <a:spcPct val="20000"/>
+          <a:spcPts val="500"/>
         </a:spcBef>
-        <a:buFont typeface="Arial" pitchFamily="34" charset="0"/>
+        <a:buFont typeface="Arial" panose="020B0604020202020204" pitchFamily="34" charset="0"/>
         <a:buChar char="•"/>
-        <a:defRPr sz="2000" kern="1200">
+        <a:defRPr sz="1400" kern="1200">
           <a:solidFill>
             <a:schemeClr val="tx1"/>
           </a:solidFill>
@@ -3133,6 +7828,13 @@
   <p:clrMapOvr>
     <a:masterClrMapping/>
   </p:clrMapOvr>
+  <p:timing>
+    <p:tnLst>
+      <p:par>
+        <p:cTn id="1" dur="indefinite" restart="never" nodeType="tmRoot"/>
+      </p:par>
+    </p:tnLst>
+  </p:timing>
 </p:sld>
 </file>
 
@@ -3227,6 +7929,448 @@
   <p:clrMapOvr>
     <a:masterClrMapping/>
   </p:clrMapOvr>
+  <p:timing>
+    <p:tnLst>
+      <p:par>
+        <p:cTn id="1" dur="indefinite" restart="never" nodeType="tmRoot">
+          <p:childTnLst>
+            <p:seq concurrent="1" nextAc="seek">
+              <p:cTn id="2" dur="indefinite" nodeType="mainSeq">
+                <p:childTnLst>
+                  <p:par>
+                    <p:cTn id="3" fill="hold">
+                      <p:stCondLst>
+                        <p:cond delay="indefinite"/>
+                      </p:stCondLst>
+                      <p:childTnLst>
+                        <p:par>
+                          <p:cTn id="4" fill="hold">
+                            <p:stCondLst>
+                              <p:cond delay="0"/>
+                            </p:stCondLst>
+                            <p:childTnLst>
+                              <p:par>
+                                <p:cTn id="5" presetID="2" presetClass="entr" presetSubtype="2" fill="hold" nodeType="clickEffect">
+                                  <p:stCondLst>
+                                    <p:cond delay="0"/>
+                                  </p:stCondLst>
+                                  <p:childTnLst>
+                                    <p:set>
+                                      <p:cBhvr>
+                                        <p:cTn id="6" dur="1" fill="hold">
+                                          <p:stCondLst>
+                                            <p:cond delay="0"/>
+                                          </p:stCondLst>
+                                        </p:cTn>
+                                        <p:tgtEl>
+                                          <p:spTgt spid="3">
+                                            <p:txEl>
+                                              <p:pRg st="0" end="0"/>
+                                            </p:txEl>
+                                          </p:spTgt>
+                                        </p:tgtEl>
+                                        <p:attrNameLst>
+                                          <p:attrName>style.visibility</p:attrName>
+                                        </p:attrNameLst>
+                                      </p:cBhvr>
+                                      <p:to>
+                                        <p:strVal val="visible"/>
+                                      </p:to>
+                                    </p:set>
+                                    <p:anim calcmode="lin" valueType="num">
+                                      <p:cBhvr additive="base">
+                                        <p:cTn id="7" dur="500" fill="hold"/>
+                                        <p:tgtEl>
+                                          <p:spTgt spid="3">
+                                            <p:txEl>
+                                              <p:pRg st="0" end="0"/>
+                                            </p:txEl>
+                                          </p:spTgt>
+                                        </p:tgtEl>
+                                        <p:attrNameLst>
+                                          <p:attrName>ppt_x</p:attrName>
+                                        </p:attrNameLst>
+                                      </p:cBhvr>
+                                      <p:tavLst>
+                                        <p:tav tm="0">
+                                          <p:val>
+                                            <p:strVal val="1+#ppt_w/2"/>
+                                          </p:val>
+                                        </p:tav>
+                                        <p:tav tm="100000">
+                                          <p:val>
+                                            <p:strVal val="#ppt_x"/>
+                                          </p:val>
+                                        </p:tav>
+                                      </p:tavLst>
+                                    </p:anim>
+                                    <p:anim calcmode="lin" valueType="num">
+                                      <p:cBhvr additive="base">
+                                        <p:cTn id="8" dur="500" fill="hold"/>
+                                        <p:tgtEl>
+                                          <p:spTgt spid="3">
+                                            <p:txEl>
+                                              <p:pRg st="0" end="0"/>
+                                            </p:txEl>
+                                          </p:spTgt>
+                                        </p:tgtEl>
+                                        <p:attrNameLst>
+                                          <p:attrName>ppt_y</p:attrName>
+                                        </p:attrNameLst>
+                                      </p:cBhvr>
+                                      <p:tavLst>
+                                        <p:tav tm="0">
+                                          <p:val>
+                                            <p:strVal val="#ppt_y"/>
+                                          </p:val>
+                                        </p:tav>
+                                        <p:tav tm="100000">
+                                          <p:val>
+                                            <p:strVal val="#ppt_y"/>
+                                          </p:val>
+                                        </p:tav>
+                                      </p:tavLst>
+                                    </p:anim>
+                                  </p:childTnLst>
+                                </p:cTn>
+                              </p:par>
+                            </p:childTnLst>
+                          </p:cTn>
+                        </p:par>
+                      </p:childTnLst>
+                    </p:cTn>
+                  </p:par>
+                  <p:par>
+                    <p:cTn id="9" fill="hold">
+                      <p:stCondLst>
+                        <p:cond delay="indefinite"/>
+                      </p:stCondLst>
+                      <p:childTnLst>
+                        <p:par>
+                          <p:cTn id="10" fill="hold">
+                            <p:stCondLst>
+                              <p:cond delay="0"/>
+                            </p:stCondLst>
+                            <p:childTnLst>
+                              <p:par>
+                                <p:cTn id="11" presetID="2" presetClass="entr" presetSubtype="2" fill="hold" nodeType="clickEffect">
+                                  <p:stCondLst>
+                                    <p:cond delay="0"/>
+                                  </p:stCondLst>
+                                  <p:childTnLst>
+                                    <p:set>
+                                      <p:cBhvr>
+                                        <p:cTn id="12" dur="1" fill="hold">
+                                          <p:stCondLst>
+                                            <p:cond delay="0"/>
+                                          </p:stCondLst>
+                                        </p:cTn>
+                                        <p:tgtEl>
+                                          <p:spTgt spid="3">
+                                            <p:txEl>
+                                              <p:pRg st="1" end="1"/>
+                                            </p:txEl>
+                                          </p:spTgt>
+                                        </p:tgtEl>
+                                        <p:attrNameLst>
+                                          <p:attrName>style.visibility</p:attrName>
+                                        </p:attrNameLst>
+                                      </p:cBhvr>
+                                      <p:to>
+                                        <p:strVal val="visible"/>
+                                      </p:to>
+                                    </p:set>
+                                    <p:anim calcmode="lin" valueType="num">
+                                      <p:cBhvr additive="base">
+                                        <p:cTn id="13" dur="500" fill="hold"/>
+                                        <p:tgtEl>
+                                          <p:spTgt spid="3">
+                                            <p:txEl>
+                                              <p:pRg st="1" end="1"/>
+                                            </p:txEl>
+                                          </p:spTgt>
+                                        </p:tgtEl>
+                                        <p:attrNameLst>
+                                          <p:attrName>ppt_x</p:attrName>
+                                        </p:attrNameLst>
+                                      </p:cBhvr>
+                                      <p:tavLst>
+                                        <p:tav tm="0">
+                                          <p:val>
+                                            <p:strVal val="1+#ppt_w/2"/>
+                                          </p:val>
+                                        </p:tav>
+                                        <p:tav tm="100000">
+                                          <p:val>
+                                            <p:strVal val="#ppt_x"/>
+                                          </p:val>
+                                        </p:tav>
+                                      </p:tavLst>
+                                    </p:anim>
+                                    <p:anim calcmode="lin" valueType="num">
+                                      <p:cBhvr additive="base">
+                                        <p:cTn id="14" dur="500" fill="hold"/>
+                                        <p:tgtEl>
+                                          <p:spTgt spid="3">
+                                            <p:txEl>
+                                              <p:pRg st="1" end="1"/>
+                                            </p:txEl>
+                                          </p:spTgt>
+                                        </p:tgtEl>
+                                        <p:attrNameLst>
+                                          <p:attrName>ppt_y</p:attrName>
+                                        </p:attrNameLst>
+                                      </p:cBhvr>
+                                      <p:tavLst>
+                                        <p:tav tm="0">
+                                          <p:val>
+                                            <p:strVal val="#ppt_y"/>
+                                          </p:val>
+                                        </p:tav>
+                                        <p:tav tm="100000">
+                                          <p:val>
+                                            <p:strVal val="#ppt_y"/>
+                                          </p:val>
+                                        </p:tav>
+                                      </p:tavLst>
+                                    </p:anim>
+                                  </p:childTnLst>
+                                </p:cTn>
+                              </p:par>
+                            </p:childTnLst>
+                          </p:cTn>
+                        </p:par>
+                      </p:childTnLst>
+                    </p:cTn>
+                  </p:par>
+                  <p:par>
+                    <p:cTn id="15" fill="hold">
+                      <p:stCondLst>
+                        <p:cond delay="indefinite"/>
+                      </p:stCondLst>
+                      <p:childTnLst>
+                        <p:par>
+                          <p:cTn id="16" fill="hold">
+                            <p:stCondLst>
+                              <p:cond delay="0"/>
+                            </p:stCondLst>
+                            <p:childTnLst>
+                              <p:par>
+                                <p:cTn id="17" presetID="2" presetClass="entr" presetSubtype="2" fill="hold" nodeType="clickEffect">
+                                  <p:stCondLst>
+                                    <p:cond delay="0"/>
+                                  </p:stCondLst>
+                                  <p:childTnLst>
+                                    <p:set>
+                                      <p:cBhvr>
+                                        <p:cTn id="18" dur="1" fill="hold">
+                                          <p:stCondLst>
+                                            <p:cond delay="0"/>
+                                          </p:stCondLst>
+                                        </p:cTn>
+                                        <p:tgtEl>
+                                          <p:spTgt spid="3">
+                                            <p:txEl>
+                                              <p:pRg st="2" end="2"/>
+                                            </p:txEl>
+                                          </p:spTgt>
+                                        </p:tgtEl>
+                                        <p:attrNameLst>
+                                          <p:attrName>style.visibility</p:attrName>
+                                        </p:attrNameLst>
+                                      </p:cBhvr>
+                                      <p:to>
+                                        <p:strVal val="visible"/>
+                                      </p:to>
+                                    </p:set>
+                                    <p:anim calcmode="lin" valueType="num">
+                                      <p:cBhvr additive="base">
+                                        <p:cTn id="19" dur="500" fill="hold"/>
+                                        <p:tgtEl>
+                                          <p:spTgt spid="3">
+                                            <p:txEl>
+                                              <p:pRg st="2" end="2"/>
+                                            </p:txEl>
+                                          </p:spTgt>
+                                        </p:tgtEl>
+                                        <p:attrNameLst>
+                                          <p:attrName>ppt_x</p:attrName>
+                                        </p:attrNameLst>
+                                      </p:cBhvr>
+                                      <p:tavLst>
+                                        <p:tav tm="0">
+                                          <p:val>
+                                            <p:strVal val="1+#ppt_w/2"/>
+                                          </p:val>
+                                        </p:tav>
+                                        <p:tav tm="100000">
+                                          <p:val>
+                                            <p:strVal val="#ppt_x"/>
+                                          </p:val>
+                                        </p:tav>
+                                      </p:tavLst>
+                                    </p:anim>
+                                    <p:anim calcmode="lin" valueType="num">
+                                      <p:cBhvr additive="base">
+                                        <p:cTn id="20" dur="500" fill="hold"/>
+                                        <p:tgtEl>
+                                          <p:spTgt spid="3">
+                                            <p:txEl>
+                                              <p:pRg st="2" end="2"/>
+                                            </p:txEl>
+                                          </p:spTgt>
+                                        </p:tgtEl>
+                                        <p:attrNameLst>
+                                          <p:attrName>ppt_y</p:attrName>
+                                        </p:attrNameLst>
+                                      </p:cBhvr>
+                                      <p:tavLst>
+                                        <p:tav tm="0">
+                                          <p:val>
+                                            <p:strVal val="#ppt_y"/>
+                                          </p:val>
+                                        </p:tav>
+                                        <p:tav tm="100000">
+                                          <p:val>
+                                            <p:strVal val="#ppt_y"/>
+                                          </p:val>
+                                        </p:tav>
+                                      </p:tavLst>
+                                    </p:anim>
+                                  </p:childTnLst>
+                                </p:cTn>
+                              </p:par>
+                            </p:childTnLst>
+                          </p:cTn>
+                        </p:par>
+                      </p:childTnLst>
+                    </p:cTn>
+                  </p:par>
+                  <p:par>
+                    <p:cTn id="21" fill="hold">
+                      <p:stCondLst>
+                        <p:cond delay="indefinite"/>
+                      </p:stCondLst>
+                      <p:childTnLst>
+                        <p:par>
+                          <p:cTn id="22" fill="hold">
+                            <p:stCondLst>
+                              <p:cond delay="0"/>
+                            </p:stCondLst>
+                            <p:childTnLst>
+                              <p:par>
+                                <p:cTn id="23" presetID="2" presetClass="entr" presetSubtype="2" fill="hold" nodeType="clickEffect">
+                                  <p:stCondLst>
+                                    <p:cond delay="0"/>
+                                  </p:stCondLst>
+                                  <p:childTnLst>
+                                    <p:set>
+                                      <p:cBhvr>
+                                        <p:cTn id="24" dur="1" fill="hold">
+                                          <p:stCondLst>
+                                            <p:cond delay="0"/>
+                                          </p:stCondLst>
+                                        </p:cTn>
+                                        <p:tgtEl>
+                                          <p:spTgt spid="3">
+                                            <p:txEl>
+                                              <p:pRg st="3" end="3"/>
+                                            </p:txEl>
+                                          </p:spTgt>
+                                        </p:tgtEl>
+                                        <p:attrNameLst>
+                                          <p:attrName>style.visibility</p:attrName>
+                                        </p:attrNameLst>
+                                      </p:cBhvr>
+                                      <p:to>
+                                        <p:strVal val="visible"/>
+                                      </p:to>
+                                    </p:set>
+                                    <p:anim calcmode="lin" valueType="num">
+                                      <p:cBhvr additive="base">
+                                        <p:cTn id="25" dur="500" fill="hold"/>
+                                        <p:tgtEl>
+                                          <p:spTgt spid="3">
+                                            <p:txEl>
+                                              <p:pRg st="3" end="3"/>
+                                            </p:txEl>
+                                          </p:spTgt>
+                                        </p:tgtEl>
+                                        <p:attrNameLst>
+                                          <p:attrName>ppt_x</p:attrName>
+                                        </p:attrNameLst>
+                                      </p:cBhvr>
+                                      <p:tavLst>
+                                        <p:tav tm="0">
+                                          <p:val>
+                                            <p:strVal val="1+#ppt_w/2"/>
+                                          </p:val>
+                                        </p:tav>
+                                        <p:tav tm="100000">
+                                          <p:val>
+                                            <p:strVal val="#ppt_x"/>
+                                          </p:val>
+                                        </p:tav>
+                                      </p:tavLst>
+                                    </p:anim>
+                                    <p:anim calcmode="lin" valueType="num">
+                                      <p:cBhvr additive="base">
+                                        <p:cTn id="26" dur="500" fill="hold"/>
+                                        <p:tgtEl>
+                                          <p:spTgt spid="3">
+                                            <p:txEl>
+                                              <p:pRg st="3" end="3"/>
+                                            </p:txEl>
+                                          </p:spTgt>
+                                        </p:tgtEl>
+                                        <p:attrNameLst>
+                                          <p:attrName>ppt_y</p:attrName>
+                                        </p:attrNameLst>
+                                      </p:cBhvr>
+                                      <p:tavLst>
+                                        <p:tav tm="0">
+                                          <p:val>
+                                            <p:strVal val="#ppt_y"/>
+                                          </p:val>
+                                        </p:tav>
+                                        <p:tav tm="100000">
+                                          <p:val>
+                                            <p:strVal val="#ppt_y"/>
+                                          </p:val>
+                                        </p:tav>
+                                      </p:tavLst>
+                                    </p:anim>
+                                  </p:childTnLst>
+                                </p:cTn>
+                              </p:par>
+                            </p:childTnLst>
+                          </p:cTn>
+                        </p:par>
+                      </p:childTnLst>
+                    </p:cTn>
+                  </p:par>
+                </p:childTnLst>
+              </p:cTn>
+              <p:prevCondLst>
+                <p:cond evt="onPrev" delay="0">
+                  <p:tgtEl>
+                    <p:sldTgt/>
+                  </p:tgtEl>
+                </p:cond>
+              </p:prevCondLst>
+              <p:nextCondLst>
+                <p:cond evt="onNext" delay="0">
+                  <p:tgtEl>
+                    <p:sldTgt/>
+                  </p:tgtEl>
+                </p:cond>
+              </p:nextCondLst>
+            </p:seq>
+          </p:childTnLst>
+        </p:cTn>
+      </p:par>
+    </p:tnLst>
+  </p:timing>
 </p:sld>
 </file>
 
@@ -3260,7 +8404,7 @@
         <p:spPr/>
         <p:txBody>
           <a:bodyPr>
-            <a:normAutofit fontScale="90000"/>
+            <a:normAutofit/>
           </a:bodyPr>
           <a:lstStyle/>
           <a:p>
@@ -3339,6 +8483,551 @@
   <p:clrMapOvr>
     <a:masterClrMapping/>
   </p:clrMapOvr>
+  <p:timing>
+    <p:tnLst>
+      <p:par>
+        <p:cTn id="1" dur="indefinite" restart="never" nodeType="tmRoot">
+          <p:childTnLst>
+            <p:seq concurrent="1" nextAc="seek">
+              <p:cTn id="2" dur="indefinite" nodeType="mainSeq">
+                <p:childTnLst>
+                  <p:par>
+                    <p:cTn id="3" fill="hold">
+                      <p:stCondLst>
+                        <p:cond delay="indefinite"/>
+                      </p:stCondLst>
+                      <p:childTnLst>
+                        <p:par>
+                          <p:cTn id="4" fill="hold">
+                            <p:stCondLst>
+                              <p:cond delay="0"/>
+                            </p:stCondLst>
+                            <p:childTnLst>
+                              <p:par>
+                                <p:cTn id="5" presetID="2" presetClass="entr" presetSubtype="2" fill="hold" nodeType="clickEffect">
+                                  <p:stCondLst>
+                                    <p:cond delay="0"/>
+                                  </p:stCondLst>
+                                  <p:childTnLst>
+                                    <p:set>
+                                      <p:cBhvr>
+                                        <p:cTn id="6" dur="1" fill="hold">
+                                          <p:stCondLst>
+                                            <p:cond delay="0"/>
+                                          </p:stCondLst>
+                                        </p:cTn>
+                                        <p:tgtEl>
+                                          <p:spTgt spid="3">
+                                            <p:txEl>
+                                              <p:pRg st="0" end="0"/>
+                                            </p:txEl>
+                                          </p:spTgt>
+                                        </p:tgtEl>
+                                        <p:attrNameLst>
+                                          <p:attrName>style.visibility</p:attrName>
+                                        </p:attrNameLst>
+                                      </p:cBhvr>
+                                      <p:to>
+                                        <p:strVal val="visible"/>
+                                      </p:to>
+                                    </p:set>
+                                    <p:anim calcmode="lin" valueType="num">
+                                      <p:cBhvr additive="base">
+                                        <p:cTn id="7" dur="500" fill="hold"/>
+                                        <p:tgtEl>
+                                          <p:spTgt spid="3">
+                                            <p:txEl>
+                                              <p:pRg st="0" end="0"/>
+                                            </p:txEl>
+                                          </p:spTgt>
+                                        </p:tgtEl>
+                                        <p:attrNameLst>
+                                          <p:attrName>ppt_x</p:attrName>
+                                        </p:attrNameLst>
+                                      </p:cBhvr>
+                                      <p:tavLst>
+                                        <p:tav tm="0">
+                                          <p:val>
+                                            <p:strVal val="1+#ppt_w/2"/>
+                                          </p:val>
+                                        </p:tav>
+                                        <p:tav tm="100000">
+                                          <p:val>
+                                            <p:strVal val="#ppt_x"/>
+                                          </p:val>
+                                        </p:tav>
+                                      </p:tavLst>
+                                    </p:anim>
+                                    <p:anim calcmode="lin" valueType="num">
+                                      <p:cBhvr additive="base">
+                                        <p:cTn id="8" dur="500" fill="hold"/>
+                                        <p:tgtEl>
+                                          <p:spTgt spid="3">
+                                            <p:txEl>
+                                              <p:pRg st="0" end="0"/>
+                                            </p:txEl>
+                                          </p:spTgt>
+                                        </p:tgtEl>
+                                        <p:attrNameLst>
+                                          <p:attrName>ppt_y</p:attrName>
+                                        </p:attrNameLst>
+                                      </p:cBhvr>
+                                      <p:tavLst>
+                                        <p:tav tm="0">
+                                          <p:val>
+                                            <p:strVal val="#ppt_y"/>
+                                          </p:val>
+                                        </p:tav>
+                                        <p:tav tm="100000">
+                                          <p:val>
+                                            <p:strVal val="#ppt_y"/>
+                                          </p:val>
+                                        </p:tav>
+                                      </p:tavLst>
+                                    </p:anim>
+                                  </p:childTnLst>
+                                </p:cTn>
+                              </p:par>
+                            </p:childTnLst>
+                          </p:cTn>
+                        </p:par>
+                      </p:childTnLst>
+                    </p:cTn>
+                  </p:par>
+                  <p:par>
+                    <p:cTn id="9" fill="hold">
+                      <p:stCondLst>
+                        <p:cond delay="indefinite"/>
+                      </p:stCondLst>
+                      <p:childTnLst>
+                        <p:par>
+                          <p:cTn id="10" fill="hold">
+                            <p:stCondLst>
+                              <p:cond delay="0"/>
+                            </p:stCondLst>
+                            <p:childTnLst>
+                              <p:par>
+                                <p:cTn id="11" presetID="2" presetClass="entr" presetSubtype="2" fill="hold" nodeType="clickEffect">
+                                  <p:stCondLst>
+                                    <p:cond delay="0"/>
+                                  </p:stCondLst>
+                                  <p:childTnLst>
+                                    <p:set>
+                                      <p:cBhvr>
+                                        <p:cTn id="12" dur="1" fill="hold">
+                                          <p:stCondLst>
+                                            <p:cond delay="0"/>
+                                          </p:stCondLst>
+                                        </p:cTn>
+                                        <p:tgtEl>
+                                          <p:spTgt spid="3">
+                                            <p:txEl>
+                                              <p:pRg st="1" end="1"/>
+                                            </p:txEl>
+                                          </p:spTgt>
+                                        </p:tgtEl>
+                                        <p:attrNameLst>
+                                          <p:attrName>style.visibility</p:attrName>
+                                        </p:attrNameLst>
+                                      </p:cBhvr>
+                                      <p:to>
+                                        <p:strVal val="visible"/>
+                                      </p:to>
+                                    </p:set>
+                                    <p:anim calcmode="lin" valueType="num">
+                                      <p:cBhvr additive="base">
+                                        <p:cTn id="13" dur="500" fill="hold"/>
+                                        <p:tgtEl>
+                                          <p:spTgt spid="3">
+                                            <p:txEl>
+                                              <p:pRg st="1" end="1"/>
+                                            </p:txEl>
+                                          </p:spTgt>
+                                        </p:tgtEl>
+                                        <p:attrNameLst>
+                                          <p:attrName>ppt_x</p:attrName>
+                                        </p:attrNameLst>
+                                      </p:cBhvr>
+                                      <p:tavLst>
+                                        <p:tav tm="0">
+                                          <p:val>
+                                            <p:strVal val="1+#ppt_w/2"/>
+                                          </p:val>
+                                        </p:tav>
+                                        <p:tav tm="100000">
+                                          <p:val>
+                                            <p:strVal val="#ppt_x"/>
+                                          </p:val>
+                                        </p:tav>
+                                      </p:tavLst>
+                                    </p:anim>
+                                    <p:anim calcmode="lin" valueType="num">
+                                      <p:cBhvr additive="base">
+                                        <p:cTn id="14" dur="500" fill="hold"/>
+                                        <p:tgtEl>
+                                          <p:spTgt spid="3">
+                                            <p:txEl>
+                                              <p:pRg st="1" end="1"/>
+                                            </p:txEl>
+                                          </p:spTgt>
+                                        </p:tgtEl>
+                                        <p:attrNameLst>
+                                          <p:attrName>ppt_y</p:attrName>
+                                        </p:attrNameLst>
+                                      </p:cBhvr>
+                                      <p:tavLst>
+                                        <p:tav tm="0">
+                                          <p:val>
+                                            <p:strVal val="#ppt_y"/>
+                                          </p:val>
+                                        </p:tav>
+                                        <p:tav tm="100000">
+                                          <p:val>
+                                            <p:strVal val="#ppt_y"/>
+                                          </p:val>
+                                        </p:tav>
+                                      </p:tavLst>
+                                    </p:anim>
+                                  </p:childTnLst>
+                                </p:cTn>
+                              </p:par>
+                            </p:childTnLst>
+                          </p:cTn>
+                        </p:par>
+                      </p:childTnLst>
+                    </p:cTn>
+                  </p:par>
+                  <p:par>
+                    <p:cTn id="15" fill="hold">
+                      <p:stCondLst>
+                        <p:cond delay="indefinite"/>
+                      </p:stCondLst>
+                      <p:childTnLst>
+                        <p:par>
+                          <p:cTn id="16" fill="hold">
+                            <p:stCondLst>
+                              <p:cond delay="0"/>
+                            </p:stCondLst>
+                            <p:childTnLst>
+                              <p:par>
+                                <p:cTn id="17" presetID="2" presetClass="entr" presetSubtype="2" fill="hold" nodeType="clickEffect">
+                                  <p:stCondLst>
+                                    <p:cond delay="0"/>
+                                  </p:stCondLst>
+                                  <p:childTnLst>
+                                    <p:set>
+                                      <p:cBhvr>
+                                        <p:cTn id="18" dur="1" fill="hold">
+                                          <p:stCondLst>
+                                            <p:cond delay="0"/>
+                                          </p:stCondLst>
+                                        </p:cTn>
+                                        <p:tgtEl>
+                                          <p:spTgt spid="3">
+                                            <p:txEl>
+                                              <p:pRg st="2" end="2"/>
+                                            </p:txEl>
+                                          </p:spTgt>
+                                        </p:tgtEl>
+                                        <p:attrNameLst>
+                                          <p:attrName>style.visibility</p:attrName>
+                                        </p:attrNameLst>
+                                      </p:cBhvr>
+                                      <p:to>
+                                        <p:strVal val="visible"/>
+                                      </p:to>
+                                    </p:set>
+                                    <p:anim calcmode="lin" valueType="num">
+                                      <p:cBhvr additive="base">
+                                        <p:cTn id="19" dur="500" fill="hold"/>
+                                        <p:tgtEl>
+                                          <p:spTgt spid="3">
+                                            <p:txEl>
+                                              <p:pRg st="2" end="2"/>
+                                            </p:txEl>
+                                          </p:spTgt>
+                                        </p:tgtEl>
+                                        <p:attrNameLst>
+                                          <p:attrName>ppt_x</p:attrName>
+                                        </p:attrNameLst>
+                                      </p:cBhvr>
+                                      <p:tavLst>
+                                        <p:tav tm="0">
+                                          <p:val>
+                                            <p:strVal val="1+#ppt_w/2"/>
+                                          </p:val>
+                                        </p:tav>
+                                        <p:tav tm="100000">
+                                          <p:val>
+                                            <p:strVal val="#ppt_x"/>
+                                          </p:val>
+                                        </p:tav>
+                                      </p:tavLst>
+                                    </p:anim>
+                                    <p:anim calcmode="lin" valueType="num">
+                                      <p:cBhvr additive="base">
+                                        <p:cTn id="20" dur="500" fill="hold"/>
+                                        <p:tgtEl>
+                                          <p:spTgt spid="3">
+                                            <p:txEl>
+                                              <p:pRg st="2" end="2"/>
+                                            </p:txEl>
+                                          </p:spTgt>
+                                        </p:tgtEl>
+                                        <p:attrNameLst>
+                                          <p:attrName>ppt_y</p:attrName>
+                                        </p:attrNameLst>
+                                      </p:cBhvr>
+                                      <p:tavLst>
+                                        <p:tav tm="0">
+                                          <p:val>
+                                            <p:strVal val="#ppt_y"/>
+                                          </p:val>
+                                        </p:tav>
+                                        <p:tav tm="100000">
+                                          <p:val>
+                                            <p:strVal val="#ppt_y"/>
+                                          </p:val>
+                                        </p:tav>
+                                      </p:tavLst>
+                                    </p:anim>
+                                  </p:childTnLst>
+                                </p:cTn>
+                              </p:par>
+                            </p:childTnLst>
+                          </p:cTn>
+                        </p:par>
+                      </p:childTnLst>
+                    </p:cTn>
+                  </p:par>
+                  <p:par>
+                    <p:cTn id="21" fill="hold">
+                      <p:stCondLst>
+                        <p:cond delay="indefinite"/>
+                      </p:stCondLst>
+                      <p:childTnLst>
+                        <p:par>
+                          <p:cTn id="22" fill="hold">
+                            <p:stCondLst>
+                              <p:cond delay="0"/>
+                            </p:stCondLst>
+                            <p:childTnLst>
+                              <p:par>
+                                <p:cTn id="23" presetID="2" presetClass="entr" presetSubtype="2" fill="hold" nodeType="clickEffect">
+                                  <p:stCondLst>
+                                    <p:cond delay="0"/>
+                                  </p:stCondLst>
+                                  <p:childTnLst>
+                                    <p:set>
+                                      <p:cBhvr>
+                                        <p:cTn id="24" dur="1" fill="hold">
+                                          <p:stCondLst>
+                                            <p:cond delay="0"/>
+                                          </p:stCondLst>
+                                        </p:cTn>
+                                        <p:tgtEl>
+                                          <p:spTgt spid="3">
+                                            <p:txEl>
+                                              <p:pRg st="3" end="3"/>
+                                            </p:txEl>
+                                          </p:spTgt>
+                                        </p:tgtEl>
+                                        <p:attrNameLst>
+                                          <p:attrName>style.visibility</p:attrName>
+                                        </p:attrNameLst>
+                                      </p:cBhvr>
+                                      <p:to>
+                                        <p:strVal val="visible"/>
+                                      </p:to>
+                                    </p:set>
+                                    <p:anim calcmode="lin" valueType="num">
+                                      <p:cBhvr additive="base">
+                                        <p:cTn id="25" dur="500" fill="hold"/>
+                                        <p:tgtEl>
+                                          <p:spTgt spid="3">
+                                            <p:txEl>
+                                              <p:pRg st="3" end="3"/>
+                                            </p:txEl>
+                                          </p:spTgt>
+                                        </p:tgtEl>
+                                        <p:attrNameLst>
+                                          <p:attrName>ppt_x</p:attrName>
+                                        </p:attrNameLst>
+                                      </p:cBhvr>
+                                      <p:tavLst>
+                                        <p:tav tm="0">
+                                          <p:val>
+                                            <p:strVal val="1+#ppt_w/2"/>
+                                          </p:val>
+                                        </p:tav>
+                                        <p:tav tm="100000">
+                                          <p:val>
+                                            <p:strVal val="#ppt_x"/>
+                                          </p:val>
+                                        </p:tav>
+                                      </p:tavLst>
+                                    </p:anim>
+                                    <p:anim calcmode="lin" valueType="num">
+                                      <p:cBhvr additive="base">
+                                        <p:cTn id="26" dur="500" fill="hold"/>
+                                        <p:tgtEl>
+                                          <p:spTgt spid="3">
+                                            <p:txEl>
+                                              <p:pRg st="3" end="3"/>
+                                            </p:txEl>
+                                          </p:spTgt>
+                                        </p:tgtEl>
+                                        <p:attrNameLst>
+                                          <p:attrName>ppt_y</p:attrName>
+                                        </p:attrNameLst>
+                                      </p:cBhvr>
+                                      <p:tavLst>
+                                        <p:tav tm="0">
+                                          <p:val>
+                                            <p:strVal val="#ppt_y"/>
+                                          </p:val>
+                                        </p:tav>
+                                        <p:tav tm="100000">
+                                          <p:val>
+                                            <p:strVal val="#ppt_y"/>
+                                          </p:val>
+                                        </p:tav>
+                                      </p:tavLst>
+                                    </p:anim>
+                                  </p:childTnLst>
+                                </p:cTn>
+                              </p:par>
+                            </p:childTnLst>
+                          </p:cTn>
+                        </p:par>
+                      </p:childTnLst>
+                    </p:cTn>
+                  </p:par>
+                  <p:par>
+                    <p:cTn id="27" fill="hold">
+                      <p:stCondLst>
+                        <p:cond delay="indefinite"/>
+                      </p:stCondLst>
+                      <p:childTnLst>
+                        <p:par>
+                          <p:cTn id="28" fill="hold">
+                            <p:stCondLst>
+                              <p:cond delay="0"/>
+                            </p:stCondLst>
+                            <p:childTnLst>
+                              <p:par>
+                                <p:cTn id="29" presetID="2" presetClass="entr" presetSubtype="2" fill="hold" nodeType="clickEffect">
+                                  <p:stCondLst>
+                                    <p:cond delay="0"/>
+                                  </p:stCondLst>
+                                  <p:childTnLst>
+                                    <p:set>
+                                      <p:cBhvr>
+                                        <p:cTn id="30" dur="1" fill="hold">
+                                          <p:stCondLst>
+                                            <p:cond delay="0"/>
+                                          </p:stCondLst>
+                                        </p:cTn>
+                                        <p:tgtEl>
+                                          <p:spTgt spid="3">
+                                            <p:txEl>
+                                              <p:pRg st="4" end="4"/>
+                                            </p:txEl>
+                                          </p:spTgt>
+                                        </p:tgtEl>
+                                        <p:attrNameLst>
+                                          <p:attrName>style.visibility</p:attrName>
+                                        </p:attrNameLst>
+                                      </p:cBhvr>
+                                      <p:to>
+                                        <p:strVal val="visible"/>
+                                      </p:to>
+                                    </p:set>
+                                    <p:anim calcmode="lin" valueType="num">
+                                      <p:cBhvr additive="base">
+                                        <p:cTn id="31" dur="500" fill="hold"/>
+                                        <p:tgtEl>
+                                          <p:spTgt spid="3">
+                                            <p:txEl>
+                                              <p:pRg st="4" end="4"/>
+                                            </p:txEl>
+                                          </p:spTgt>
+                                        </p:tgtEl>
+                                        <p:attrNameLst>
+                                          <p:attrName>ppt_x</p:attrName>
+                                        </p:attrNameLst>
+                                      </p:cBhvr>
+                                      <p:tavLst>
+                                        <p:tav tm="0">
+                                          <p:val>
+                                            <p:strVal val="1+#ppt_w/2"/>
+                                          </p:val>
+                                        </p:tav>
+                                        <p:tav tm="100000">
+                                          <p:val>
+                                            <p:strVal val="#ppt_x"/>
+                                          </p:val>
+                                        </p:tav>
+                                      </p:tavLst>
+                                    </p:anim>
+                                    <p:anim calcmode="lin" valueType="num">
+                                      <p:cBhvr additive="base">
+                                        <p:cTn id="32" dur="500" fill="hold"/>
+                                        <p:tgtEl>
+                                          <p:spTgt spid="3">
+                                            <p:txEl>
+                                              <p:pRg st="4" end="4"/>
+                                            </p:txEl>
+                                          </p:spTgt>
+                                        </p:tgtEl>
+                                        <p:attrNameLst>
+                                          <p:attrName>ppt_y</p:attrName>
+                                        </p:attrNameLst>
+                                      </p:cBhvr>
+                                      <p:tavLst>
+                                        <p:tav tm="0">
+                                          <p:val>
+                                            <p:strVal val="#ppt_y"/>
+                                          </p:val>
+                                        </p:tav>
+                                        <p:tav tm="100000">
+                                          <p:val>
+                                            <p:strVal val="#ppt_y"/>
+                                          </p:val>
+                                        </p:tav>
+                                      </p:tavLst>
+                                    </p:anim>
+                                  </p:childTnLst>
+                                </p:cTn>
+                              </p:par>
+                            </p:childTnLst>
+                          </p:cTn>
+                        </p:par>
+                      </p:childTnLst>
+                    </p:cTn>
+                  </p:par>
+                </p:childTnLst>
+              </p:cTn>
+              <p:prevCondLst>
+                <p:cond evt="onPrev" delay="0">
+                  <p:tgtEl>
+                    <p:sldTgt/>
+                  </p:tgtEl>
+                </p:cond>
+              </p:prevCondLst>
+              <p:nextCondLst>
+                <p:cond evt="onNext" delay="0">
+                  <p:tgtEl>
+                    <p:sldTgt/>
+                  </p:tgtEl>
+                </p:cond>
+              </p:nextCondLst>
+            </p:seq>
+          </p:childTnLst>
+        </p:cTn>
+      </p:par>
+    </p:tnLst>
+  </p:timing>
 </p:sld>
 </file>
 
@@ -3376,6 +9065,400 @@
           <a:p>
             <a:r>
               <a:rPr lang="en-US" dirty="0" smtClean="0"/>
+              <a:t>Centralized and Decentralized Version Control</a:t>
+            </a:r>
+            <a:endParaRPr lang="en-US" dirty="0"/>
+          </a:p>
+        </p:txBody>
+      </p:sp>
+      <p:sp>
+        <p:nvSpPr>
+          <p:cNvPr id="3" name="Content Placeholder 2"/>
+          <p:cNvSpPr>
+            <a:spLocks noGrp="1"/>
+          </p:cNvSpPr>
+          <p:nvPr>
+            <p:ph idx="1"/>
+          </p:nvPr>
+        </p:nvSpPr>
+        <p:spPr>
+          <a:xfrm>
+            <a:off x="680321" y="2336873"/>
+            <a:ext cx="9613861" cy="1798709"/>
+          </a:xfrm>
+        </p:spPr>
+        <p:txBody>
+          <a:bodyPr/>
+          <a:lstStyle/>
+          <a:p>
+            <a:r>
+              <a:rPr lang="en-US" dirty="0" smtClean="0"/>
+              <a:t>Centralized – Most business logic is done on server. Use check-in/checkout model. Single point of management.</a:t>
+            </a:r>
+          </a:p>
+          <a:p>
+            <a:r>
+              <a:rPr lang="en-US" dirty="0" smtClean="0"/>
+              <a:t>Decentralized – Most business logic is done locally. A lot more flexibility. But you need circle of trust.</a:t>
+            </a:r>
+          </a:p>
+          <a:p>
+            <a:endParaRPr lang="en-US" dirty="0"/>
+          </a:p>
+        </p:txBody>
+      </p:sp>
+      <p:pic>
+        <p:nvPicPr>
+          <p:cNvPr id="4" name="Picture 3"/>
+          <p:cNvPicPr>
+            <a:picLocks noChangeAspect="1"/>
+          </p:cNvPicPr>
+          <p:nvPr/>
+        </p:nvPicPr>
+        <p:blipFill>
+          <a:blip r:embed="rId2"/>
+          <a:stretch>
+            <a:fillRect/>
+          </a:stretch>
+        </p:blipFill>
+        <p:spPr>
+          <a:xfrm>
+            <a:off x="6752607" y="3739614"/>
+            <a:ext cx="1905000" cy="2609850"/>
+          </a:xfrm>
+          <a:prstGeom prst="rect">
+            <a:avLst/>
+          </a:prstGeom>
+        </p:spPr>
+      </p:pic>
+    </p:spTree>
+    <p:extLst>
+      <p:ext uri="{BB962C8B-B14F-4D97-AF65-F5344CB8AC3E}">
+        <p14:creationId xmlns:p14="http://schemas.microsoft.com/office/powerpoint/2010/main" val="128188601"/>
+      </p:ext>
+    </p:extLst>
+  </p:cSld>
+  <p:clrMapOvr>
+    <a:masterClrMapping/>
+  </p:clrMapOvr>
+  <p:timing>
+    <p:tnLst>
+      <p:par>
+        <p:cTn id="1" dur="indefinite" restart="never" nodeType="tmRoot">
+          <p:childTnLst>
+            <p:seq concurrent="1" nextAc="seek">
+              <p:cTn id="2" dur="indefinite" nodeType="mainSeq">
+                <p:childTnLst>
+                  <p:par>
+                    <p:cTn id="3" fill="hold">
+                      <p:stCondLst>
+                        <p:cond delay="indefinite"/>
+                      </p:stCondLst>
+                      <p:childTnLst>
+                        <p:par>
+                          <p:cTn id="4" fill="hold">
+                            <p:stCondLst>
+                              <p:cond delay="0"/>
+                            </p:stCondLst>
+                            <p:childTnLst>
+                              <p:par>
+                                <p:cTn id="5" presetID="2" presetClass="entr" presetSubtype="2" fill="hold" nodeType="clickEffect">
+                                  <p:stCondLst>
+                                    <p:cond delay="0"/>
+                                  </p:stCondLst>
+                                  <p:childTnLst>
+                                    <p:set>
+                                      <p:cBhvr>
+                                        <p:cTn id="6" dur="1" fill="hold">
+                                          <p:stCondLst>
+                                            <p:cond delay="0"/>
+                                          </p:stCondLst>
+                                        </p:cTn>
+                                        <p:tgtEl>
+                                          <p:spTgt spid="3">
+                                            <p:txEl>
+                                              <p:pRg st="0" end="0"/>
+                                            </p:txEl>
+                                          </p:spTgt>
+                                        </p:tgtEl>
+                                        <p:attrNameLst>
+                                          <p:attrName>style.visibility</p:attrName>
+                                        </p:attrNameLst>
+                                      </p:cBhvr>
+                                      <p:to>
+                                        <p:strVal val="visible"/>
+                                      </p:to>
+                                    </p:set>
+                                    <p:anim calcmode="lin" valueType="num">
+                                      <p:cBhvr additive="base">
+                                        <p:cTn id="7" dur="500" fill="hold"/>
+                                        <p:tgtEl>
+                                          <p:spTgt spid="3">
+                                            <p:txEl>
+                                              <p:pRg st="0" end="0"/>
+                                            </p:txEl>
+                                          </p:spTgt>
+                                        </p:tgtEl>
+                                        <p:attrNameLst>
+                                          <p:attrName>ppt_x</p:attrName>
+                                        </p:attrNameLst>
+                                      </p:cBhvr>
+                                      <p:tavLst>
+                                        <p:tav tm="0">
+                                          <p:val>
+                                            <p:strVal val="1+#ppt_w/2"/>
+                                          </p:val>
+                                        </p:tav>
+                                        <p:tav tm="100000">
+                                          <p:val>
+                                            <p:strVal val="#ppt_x"/>
+                                          </p:val>
+                                        </p:tav>
+                                      </p:tavLst>
+                                    </p:anim>
+                                    <p:anim calcmode="lin" valueType="num">
+                                      <p:cBhvr additive="base">
+                                        <p:cTn id="8" dur="500" fill="hold"/>
+                                        <p:tgtEl>
+                                          <p:spTgt spid="3">
+                                            <p:txEl>
+                                              <p:pRg st="0" end="0"/>
+                                            </p:txEl>
+                                          </p:spTgt>
+                                        </p:tgtEl>
+                                        <p:attrNameLst>
+                                          <p:attrName>ppt_y</p:attrName>
+                                        </p:attrNameLst>
+                                      </p:cBhvr>
+                                      <p:tavLst>
+                                        <p:tav tm="0">
+                                          <p:val>
+                                            <p:strVal val="#ppt_y"/>
+                                          </p:val>
+                                        </p:tav>
+                                        <p:tav tm="100000">
+                                          <p:val>
+                                            <p:strVal val="#ppt_y"/>
+                                          </p:val>
+                                        </p:tav>
+                                      </p:tavLst>
+                                    </p:anim>
+                                  </p:childTnLst>
+                                </p:cTn>
+                              </p:par>
+                            </p:childTnLst>
+                          </p:cTn>
+                        </p:par>
+                      </p:childTnLst>
+                    </p:cTn>
+                  </p:par>
+                  <p:par>
+                    <p:cTn id="9" fill="hold">
+                      <p:stCondLst>
+                        <p:cond delay="indefinite"/>
+                      </p:stCondLst>
+                      <p:childTnLst>
+                        <p:par>
+                          <p:cTn id="10" fill="hold">
+                            <p:stCondLst>
+                              <p:cond delay="0"/>
+                            </p:stCondLst>
+                            <p:childTnLst>
+                              <p:par>
+                                <p:cTn id="11" presetID="2" presetClass="entr" presetSubtype="2" fill="hold" nodeType="clickEffect">
+                                  <p:stCondLst>
+                                    <p:cond delay="0"/>
+                                  </p:stCondLst>
+                                  <p:childTnLst>
+                                    <p:set>
+                                      <p:cBhvr>
+                                        <p:cTn id="12" dur="1" fill="hold">
+                                          <p:stCondLst>
+                                            <p:cond delay="0"/>
+                                          </p:stCondLst>
+                                        </p:cTn>
+                                        <p:tgtEl>
+                                          <p:spTgt spid="3">
+                                            <p:txEl>
+                                              <p:pRg st="1" end="1"/>
+                                            </p:txEl>
+                                          </p:spTgt>
+                                        </p:tgtEl>
+                                        <p:attrNameLst>
+                                          <p:attrName>style.visibility</p:attrName>
+                                        </p:attrNameLst>
+                                      </p:cBhvr>
+                                      <p:to>
+                                        <p:strVal val="visible"/>
+                                      </p:to>
+                                    </p:set>
+                                    <p:anim calcmode="lin" valueType="num">
+                                      <p:cBhvr additive="base">
+                                        <p:cTn id="13" dur="500" fill="hold"/>
+                                        <p:tgtEl>
+                                          <p:spTgt spid="3">
+                                            <p:txEl>
+                                              <p:pRg st="1" end="1"/>
+                                            </p:txEl>
+                                          </p:spTgt>
+                                        </p:tgtEl>
+                                        <p:attrNameLst>
+                                          <p:attrName>ppt_x</p:attrName>
+                                        </p:attrNameLst>
+                                      </p:cBhvr>
+                                      <p:tavLst>
+                                        <p:tav tm="0">
+                                          <p:val>
+                                            <p:strVal val="1+#ppt_w/2"/>
+                                          </p:val>
+                                        </p:tav>
+                                        <p:tav tm="100000">
+                                          <p:val>
+                                            <p:strVal val="#ppt_x"/>
+                                          </p:val>
+                                        </p:tav>
+                                      </p:tavLst>
+                                    </p:anim>
+                                    <p:anim calcmode="lin" valueType="num">
+                                      <p:cBhvr additive="base">
+                                        <p:cTn id="14" dur="500" fill="hold"/>
+                                        <p:tgtEl>
+                                          <p:spTgt spid="3">
+                                            <p:txEl>
+                                              <p:pRg st="1" end="1"/>
+                                            </p:txEl>
+                                          </p:spTgt>
+                                        </p:tgtEl>
+                                        <p:attrNameLst>
+                                          <p:attrName>ppt_y</p:attrName>
+                                        </p:attrNameLst>
+                                      </p:cBhvr>
+                                      <p:tavLst>
+                                        <p:tav tm="0">
+                                          <p:val>
+                                            <p:strVal val="#ppt_y"/>
+                                          </p:val>
+                                        </p:tav>
+                                        <p:tav tm="100000">
+                                          <p:val>
+                                            <p:strVal val="#ppt_y"/>
+                                          </p:val>
+                                        </p:tav>
+                                      </p:tavLst>
+                                    </p:anim>
+                                  </p:childTnLst>
+                                </p:cTn>
+                              </p:par>
+                            </p:childTnLst>
+                          </p:cTn>
+                        </p:par>
+                      </p:childTnLst>
+                    </p:cTn>
+                  </p:par>
+                  <p:par>
+                    <p:cTn id="15" fill="hold">
+                      <p:stCondLst>
+                        <p:cond delay="indefinite"/>
+                      </p:stCondLst>
+                      <p:childTnLst>
+                        <p:par>
+                          <p:cTn id="16" fill="hold">
+                            <p:stCondLst>
+                              <p:cond delay="0"/>
+                            </p:stCondLst>
+                            <p:childTnLst>
+                              <p:par>
+                                <p:cTn id="17" presetID="1" presetClass="entr" presetSubtype="0" fill="hold" nodeType="clickEffect">
+                                  <p:stCondLst>
+                                    <p:cond delay="0"/>
+                                  </p:stCondLst>
+                                  <p:childTnLst>
+                                    <p:set>
+                                      <p:cBhvr>
+                                        <p:cTn id="18" dur="1" fill="hold">
+                                          <p:stCondLst>
+                                            <p:cond delay="0"/>
+                                          </p:stCondLst>
+                                        </p:cTn>
+                                        <p:tgtEl>
+                                          <p:spTgt spid="4"/>
+                                        </p:tgtEl>
+                                        <p:attrNameLst>
+                                          <p:attrName>style.visibility</p:attrName>
+                                        </p:attrNameLst>
+                                      </p:cBhvr>
+                                      <p:to>
+                                        <p:strVal val="visible"/>
+                                      </p:to>
+                                    </p:set>
+                                  </p:childTnLst>
+                                </p:cTn>
+                              </p:par>
+                            </p:childTnLst>
+                          </p:cTn>
+                        </p:par>
+                      </p:childTnLst>
+                    </p:cTn>
+                  </p:par>
+                </p:childTnLst>
+              </p:cTn>
+              <p:prevCondLst>
+                <p:cond evt="onPrev" delay="0">
+                  <p:tgtEl>
+                    <p:sldTgt/>
+                  </p:tgtEl>
+                </p:cond>
+              </p:prevCondLst>
+              <p:nextCondLst>
+                <p:cond evt="onNext" delay="0">
+                  <p:tgtEl>
+                    <p:sldTgt/>
+                  </p:tgtEl>
+                </p:cond>
+              </p:nextCondLst>
+            </p:seq>
+          </p:childTnLst>
+        </p:cTn>
+      </p:par>
+    </p:tnLst>
+  </p:timing>
+</p:sld>
+</file>
+
+<file path=ppt/slides/slide5.xml><?xml version="1.0" encoding="utf-8"?>
+<p:sld xmlns:a="http://schemas.openxmlformats.org/drawingml/2006/main" xmlns:r="http://schemas.openxmlformats.org/officeDocument/2006/relationships" xmlns:p="http://schemas.openxmlformats.org/presentationml/2006/main">
+  <p:cSld>
+    <p:spTree>
+      <p:nvGrpSpPr>
+        <p:cNvPr id="1" name=""/>
+        <p:cNvGrpSpPr/>
+        <p:nvPr/>
+      </p:nvGrpSpPr>
+      <p:grpSpPr>
+        <a:xfrm>
+          <a:off x="0" y="0"/>
+          <a:ext cx="0" cy="0"/>
+          <a:chOff x="0" y="0"/>
+          <a:chExt cx="0" cy="0"/>
+        </a:xfrm>
+      </p:grpSpPr>
+      <p:sp>
+        <p:nvSpPr>
+          <p:cNvPr id="2" name="Title 1"/>
+          <p:cNvSpPr>
+            <a:spLocks noGrp="1"/>
+          </p:cNvSpPr>
+          <p:nvPr>
+            <p:ph type="title"/>
+          </p:nvPr>
+        </p:nvSpPr>
+        <p:spPr/>
+        <p:txBody>
+          <a:bodyPr/>
+          <a:lstStyle/>
+          <a:p>
+            <a:r>
+              <a:rPr lang="en-US" dirty="0" smtClean="0"/>
               <a:t>Source Control Options</a:t>
             </a:r>
             <a:endParaRPr lang="en-US" dirty="0"/>
@@ -3392,41 +9475,63 @@
             <p:ph idx="1"/>
           </p:nvPr>
         </p:nvSpPr>
-        <p:spPr/>
+        <p:spPr>
+          <a:xfrm>
+            <a:off x="680321" y="2336873"/>
+            <a:ext cx="10782336" cy="4161898"/>
+          </a:xfrm>
+        </p:spPr>
         <p:txBody>
           <a:bodyPr>
-            <a:normAutofit fontScale="92500" lnSpcReduction="20000"/>
+            <a:normAutofit/>
           </a:bodyPr>
           <a:lstStyle/>
           <a:p>
             <a:r>
               <a:rPr lang="en-US" dirty="0" smtClean="0"/>
-              <a:t>Team Foundation Server (now available in Azure for FREE – up to 5 users )</a:t>
+              <a:t>TFS – private repo or tfs.visualstudio.com</a:t>
             </a:r>
           </a:p>
           <a:p>
             <a:pPr lvl="1"/>
             <a:r>
               <a:rPr lang="en-US" dirty="0" smtClean="0"/>
-              <a:t>Check in/Check out model (logic is server side)</a:t>
+              <a:t>Check in/Check out model (logic is server side) and Work Items</a:t>
             </a:r>
           </a:p>
           <a:p>
             <a:pPr lvl="1"/>
             <a:r>
               <a:rPr lang="en-US" dirty="0" smtClean="0"/>
-              <a:t>Need client side binaries and/or Visual Studio (heavy client side requirements)</a:t>
-            </a:r>
+              <a:t>Tfs.visualstudio.com now supports GIT protocol</a:t>
+            </a:r>
+          </a:p>
+          <a:p>
+            <a:pPr lvl="1"/>
+            <a:endParaRPr lang="en-US" dirty="0" smtClean="0"/>
           </a:p>
           <a:p>
             <a:r>
               <a:rPr lang="en-US" dirty="0" err="1" smtClean="0"/>
-              <a:t>Git</a:t>
+              <a:t>Github</a:t>
             </a:r>
             <a:r>
               <a:rPr lang="en-US" dirty="0" smtClean="0"/>
-              <a:t> </a:t>
-            </a:r>
+              <a:t>/</a:t>
+            </a:r>
+            <a:r>
+              <a:rPr lang="en-US" dirty="0" err="1" smtClean="0"/>
+              <a:t>Bitbucket</a:t>
+            </a:r>
+            <a:r>
+              <a:rPr lang="en-US" dirty="0" smtClean="0"/>
+              <a:t>/</a:t>
+            </a:r>
+            <a:r>
+              <a:rPr lang="en-US" dirty="0" err="1" smtClean="0"/>
+              <a:t>Codeplex</a:t>
+            </a:r>
+            <a:endParaRPr lang="en-US" dirty="0" smtClean="0"/>
           </a:p>
           <a:p>
             <a:pPr lvl="1"/>
@@ -3438,29 +9543,10 @@
           <a:p>
             <a:pPr lvl="1"/>
             <a:r>
-              <a:rPr lang="en-US" dirty="0" err="1" smtClean="0"/>
-              <a:t>Github</a:t>
-            </a:r>
-            <a:r>
               <a:rPr lang="en-US" dirty="0" smtClean="0"/>
-              <a:t> and </a:t>
-            </a:r>
-            <a:r>
-              <a:rPr lang="en-US" dirty="0" err="1" smtClean="0"/>
-              <a:t>bitbucket</a:t>
-            </a:r>
-            <a:r>
-              <a:rPr lang="en-US" dirty="0" smtClean="0"/>
-              <a:t> and </a:t>
-            </a:r>
-            <a:r>
-              <a:rPr lang="en-US" dirty="0" err="1" smtClean="0"/>
-              <a:t>codeplex</a:t>
-            </a:r>
-            <a:r>
-              <a:rPr lang="en-US" dirty="0" smtClean="0"/>
-              <a:t> all support GIT</a:t>
-            </a:r>
+              <a:t>Support for GIT</a:t>
+            </a:r>
+            <a:endParaRPr lang="en-US" dirty="0" smtClean="0"/>
           </a:p>
           <a:p>
             <a:pPr lvl="1"/>
@@ -3477,8 +9563,20 @@
             <a:pPr lvl="1"/>
             <a:r>
               <a:rPr lang="en-US" dirty="0" smtClean="0"/>
-              <a:t>Gives you the rope you need to hang yourself</a:t>
-            </a:r>
+              <a:t>Gives you the rope you need to hang </a:t>
+            </a:r>
+            <a:r>
+              <a:rPr lang="en-US" dirty="0" smtClean="0"/>
+              <a:t>yourself</a:t>
+            </a:r>
+          </a:p>
+          <a:p>
+            <a:pPr lvl="1"/>
+            <a:r>
+              <a:rPr lang="en-US" dirty="0" smtClean="0"/>
+              <a:t>Great for single person working on a project</a:t>
+            </a:r>
+            <a:endParaRPr lang="en-US" dirty="0" smtClean="0"/>
           </a:p>
           <a:p>
             <a:pPr marL="0" indent="0">
@@ -3504,13 +9602,1053 @@
   <p:clrMapOvr>
     <a:masterClrMapping/>
   </p:clrMapOvr>
+  <p:timing>
+    <p:tnLst>
+      <p:par>
+        <p:cTn id="1" dur="indefinite" restart="never" nodeType="tmRoot">
+          <p:childTnLst>
+            <p:seq concurrent="1" nextAc="seek">
+              <p:cTn id="2" dur="indefinite" nodeType="mainSeq">
+                <p:childTnLst>
+                  <p:par>
+                    <p:cTn id="3" fill="hold">
+                      <p:stCondLst>
+                        <p:cond delay="indefinite"/>
+                      </p:stCondLst>
+                      <p:childTnLst>
+                        <p:par>
+                          <p:cTn id="4" fill="hold">
+                            <p:stCondLst>
+                              <p:cond delay="0"/>
+                            </p:stCondLst>
+                            <p:childTnLst>
+                              <p:par>
+                                <p:cTn id="5" presetID="2" presetClass="entr" presetSubtype="2" fill="hold" nodeType="clickEffect">
+                                  <p:stCondLst>
+                                    <p:cond delay="0"/>
+                                  </p:stCondLst>
+                                  <p:childTnLst>
+                                    <p:set>
+                                      <p:cBhvr>
+                                        <p:cTn id="6" dur="1" fill="hold">
+                                          <p:stCondLst>
+                                            <p:cond delay="0"/>
+                                          </p:stCondLst>
+                                        </p:cTn>
+                                        <p:tgtEl>
+                                          <p:spTgt spid="3">
+                                            <p:txEl>
+                                              <p:pRg st="0" end="0"/>
+                                            </p:txEl>
+                                          </p:spTgt>
+                                        </p:tgtEl>
+                                        <p:attrNameLst>
+                                          <p:attrName>style.visibility</p:attrName>
+                                        </p:attrNameLst>
+                                      </p:cBhvr>
+                                      <p:to>
+                                        <p:strVal val="visible"/>
+                                      </p:to>
+                                    </p:set>
+                                    <p:anim calcmode="lin" valueType="num">
+                                      <p:cBhvr additive="base">
+                                        <p:cTn id="7" dur="500" fill="hold"/>
+                                        <p:tgtEl>
+                                          <p:spTgt spid="3">
+                                            <p:txEl>
+                                              <p:pRg st="0" end="0"/>
+                                            </p:txEl>
+                                          </p:spTgt>
+                                        </p:tgtEl>
+                                        <p:attrNameLst>
+                                          <p:attrName>ppt_x</p:attrName>
+                                        </p:attrNameLst>
+                                      </p:cBhvr>
+                                      <p:tavLst>
+                                        <p:tav tm="0">
+                                          <p:val>
+                                            <p:strVal val="1+#ppt_w/2"/>
+                                          </p:val>
+                                        </p:tav>
+                                        <p:tav tm="100000">
+                                          <p:val>
+                                            <p:strVal val="#ppt_x"/>
+                                          </p:val>
+                                        </p:tav>
+                                      </p:tavLst>
+                                    </p:anim>
+                                    <p:anim calcmode="lin" valueType="num">
+                                      <p:cBhvr additive="base">
+                                        <p:cTn id="8" dur="500" fill="hold"/>
+                                        <p:tgtEl>
+                                          <p:spTgt spid="3">
+                                            <p:txEl>
+                                              <p:pRg st="0" end="0"/>
+                                            </p:txEl>
+                                          </p:spTgt>
+                                        </p:tgtEl>
+                                        <p:attrNameLst>
+                                          <p:attrName>ppt_y</p:attrName>
+                                        </p:attrNameLst>
+                                      </p:cBhvr>
+                                      <p:tavLst>
+                                        <p:tav tm="0">
+                                          <p:val>
+                                            <p:strVal val="#ppt_y"/>
+                                          </p:val>
+                                        </p:tav>
+                                        <p:tav tm="100000">
+                                          <p:val>
+                                            <p:strVal val="#ppt_y"/>
+                                          </p:val>
+                                        </p:tav>
+                                      </p:tavLst>
+                                    </p:anim>
+                                  </p:childTnLst>
+                                </p:cTn>
+                              </p:par>
+                            </p:childTnLst>
+                          </p:cTn>
+                        </p:par>
+                      </p:childTnLst>
+                    </p:cTn>
+                  </p:par>
+                  <p:par>
+                    <p:cTn id="9" fill="hold">
+                      <p:stCondLst>
+                        <p:cond delay="indefinite"/>
+                      </p:stCondLst>
+                      <p:childTnLst>
+                        <p:par>
+                          <p:cTn id="10" fill="hold">
+                            <p:stCondLst>
+                              <p:cond delay="0"/>
+                            </p:stCondLst>
+                            <p:childTnLst>
+                              <p:par>
+                                <p:cTn id="11" presetID="2" presetClass="entr" presetSubtype="2" fill="hold" nodeType="clickEffect">
+                                  <p:stCondLst>
+                                    <p:cond delay="0"/>
+                                  </p:stCondLst>
+                                  <p:childTnLst>
+                                    <p:set>
+                                      <p:cBhvr>
+                                        <p:cTn id="12" dur="1" fill="hold">
+                                          <p:stCondLst>
+                                            <p:cond delay="0"/>
+                                          </p:stCondLst>
+                                        </p:cTn>
+                                        <p:tgtEl>
+                                          <p:spTgt spid="3">
+                                            <p:txEl>
+                                              <p:pRg st="1" end="1"/>
+                                            </p:txEl>
+                                          </p:spTgt>
+                                        </p:tgtEl>
+                                        <p:attrNameLst>
+                                          <p:attrName>style.visibility</p:attrName>
+                                        </p:attrNameLst>
+                                      </p:cBhvr>
+                                      <p:to>
+                                        <p:strVal val="visible"/>
+                                      </p:to>
+                                    </p:set>
+                                    <p:anim calcmode="lin" valueType="num">
+                                      <p:cBhvr additive="base">
+                                        <p:cTn id="13" dur="500" fill="hold"/>
+                                        <p:tgtEl>
+                                          <p:spTgt spid="3">
+                                            <p:txEl>
+                                              <p:pRg st="1" end="1"/>
+                                            </p:txEl>
+                                          </p:spTgt>
+                                        </p:tgtEl>
+                                        <p:attrNameLst>
+                                          <p:attrName>ppt_x</p:attrName>
+                                        </p:attrNameLst>
+                                      </p:cBhvr>
+                                      <p:tavLst>
+                                        <p:tav tm="0">
+                                          <p:val>
+                                            <p:strVal val="1+#ppt_w/2"/>
+                                          </p:val>
+                                        </p:tav>
+                                        <p:tav tm="100000">
+                                          <p:val>
+                                            <p:strVal val="#ppt_x"/>
+                                          </p:val>
+                                        </p:tav>
+                                      </p:tavLst>
+                                    </p:anim>
+                                    <p:anim calcmode="lin" valueType="num">
+                                      <p:cBhvr additive="base">
+                                        <p:cTn id="14" dur="500" fill="hold"/>
+                                        <p:tgtEl>
+                                          <p:spTgt spid="3">
+                                            <p:txEl>
+                                              <p:pRg st="1" end="1"/>
+                                            </p:txEl>
+                                          </p:spTgt>
+                                        </p:tgtEl>
+                                        <p:attrNameLst>
+                                          <p:attrName>ppt_y</p:attrName>
+                                        </p:attrNameLst>
+                                      </p:cBhvr>
+                                      <p:tavLst>
+                                        <p:tav tm="0">
+                                          <p:val>
+                                            <p:strVal val="#ppt_y"/>
+                                          </p:val>
+                                        </p:tav>
+                                        <p:tav tm="100000">
+                                          <p:val>
+                                            <p:strVal val="#ppt_y"/>
+                                          </p:val>
+                                        </p:tav>
+                                      </p:tavLst>
+                                    </p:anim>
+                                  </p:childTnLst>
+                                </p:cTn>
+                              </p:par>
+                            </p:childTnLst>
+                          </p:cTn>
+                        </p:par>
+                      </p:childTnLst>
+                    </p:cTn>
+                  </p:par>
+                  <p:par>
+                    <p:cTn id="15" fill="hold">
+                      <p:stCondLst>
+                        <p:cond delay="indefinite"/>
+                      </p:stCondLst>
+                      <p:childTnLst>
+                        <p:par>
+                          <p:cTn id="16" fill="hold">
+                            <p:stCondLst>
+                              <p:cond delay="0"/>
+                            </p:stCondLst>
+                            <p:childTnLst>
+                              <p:par>
+                                <p:cTn id="17" presetID="2" presetClass="entr" presetSubtype="2" fill="hold" nodeType="clickEffect">
+                                  <p:stCondLst>
+                                    <p:cond delay="0"/>
+                                  </p:stCondLst>
+                                  <p:childTnLst>
+                                    <p:set>
+                                      <p:cBhvr>
+                                        <p:cTn id="18" dur="1" fill="hold">
+                                          <p:stCondLst>
+                                            <p:cond delay="0"/>
+                                          </p:stCondLst>
+                                        </p:cTn>
+                                        <p:tgtEl>
+                                          <p:spTgt spid="3">
+                                            <p:txEl>
+                                              <p:pRg st="2" end="2"/>
+                                            </p:txEl>
+                                          </p:spTgt>
+                                        </p:tgtEl>
+                                        <p:attrNameLst>
+                                          <p:attrName>style.visibility</p:attrName>
+                                        </p:attrNameLst>
+                                      </p:cBhvr>
+                                      <p:to>
+                                        <p:strVal val="visible"/>
+                                      </p:to>
+                                    </p:set>
+                                    <p:anim calcmode="lin" valueType="num">
+                                      <p:cBhvr additive="base">
+                                        <p:cTn id="19" dur="500" fill="hold"/>
+                                        <p:tgtEl>
+                                          <p:spTgt spid="3">
+                                            <p:txEl>
+                                              <p:pRg st="2" end="2"/>
+                                            </p:txEl>
+                                          </p:spTgt>
+                                        </p:tgtEl>
+                                        <p:attrNameLst>
+                                          <p:attrName>ppt_x</p:attrName>
+                                        </p:attrNameLst>
+                                      </p:cBhvr>
+                                      <p:tavLst>
+                                        <p:tav tm="0">
+                                          <p:val>
+                                            <p:strVal val="1+#ppt_w/2"/>
+                                          </p:val>
+                                        </p:tav>
+                                        <p:tav tm="100000">
+                                          <p:val>
+                                            <p:strVal val="#ppt_x"/>
+                                          </p:val>
+                                        </p:tav>
+                                      </p:tavLst>
+                                    </p:anim>
+                                    <p:anim calcmode="lin" valueType="num">
+                                      <p:cBhvr additive="base">
+                                        <p:cTn id="20" dur="500" fill="hold"/>
+                                        <p:tgtEl>
+                                          <p:spTgt spid="3">
+                                            <p:txEl>
+                                              <p:pRg st="2" end="2"/>
+                                            </p:txEl>
+                                          </p:spTgt>
+                                        </p:tgtEl>
+                                        <p:attrNameLst>
+                                          <p:attrName>ppt_y</p:attrName>
+                                        </p:attrNameLst>
+                                      </p:cBhvr>
+                                      <p:tavLst>
+                                        <p:tav tm="0">
+                                          <p:val>
+                                            <p:strVal val="#ppt_y"/>
+                                          </p:val>
+                                        </p:tav>
+                                        <p:tav tm="100000">
+                                          <p:val>
+                                            <p:strVal val="#ppt_y"/>
+                                          </p:val>
+                                        </p:tav>
+                                      </p:tavLst>
+                                    </p:anim>
+                                  </p:childTnLst>
+                                </p:cTn>
+                              </p:par>
+                            </p:childTnLst>
+                          </p:cTn>
+                        </p:par>
+                      </p:childTnLst>
+                    </p:cTn>
+                  </p:par>
+                  <p:par>
+                    <p:cTn id="21" fill="hold">
+                      <p:stCondLst>
+                        <p:cond delay="indefinite"/>
+                      </p:stCondLst>
+                      <p:childTnLst>
+                        <p:par>
+                          <p:cTn id="22" fill="hold">
+                            <p:stCondLst>
+                              <p:cond delay="0"/>
+                            </p:stCondLst>
+                            <p:childTnLst>
+                              <p:par>
+                                <p:cTn id="23" presetID="2" presetClass="entr" presetSubtype="2" fill="hold" nodeType="clickEffect">
+                                  <p:stCondLst>
+                                    <p:cond delay="0"/>
+                                  </p:stCondLst>
+                                  <p:childTnLst>
+                                    <p:set>
+                                      <p:cBhvr>
+                                        <p:cTn id="24" dur="1" fill="hold">
+                                          <p:stCondLst>
+                                            <p:cond delay="0"/>
+                                          </p:stCondLst>
+                                        </p:cTn>
+                                        <p:tgtEl>
+                                          <p:spTgt spid="3">
+                                            <p:txEl>
+                                              <p:pRg st="4" end="4"/>
+                                            </p:txEl>
+                                          </p:spTgt>
+                                        </p:tgtEl>
+                                        <p:attrNameLst>
+                                          <p:attrName>style.visibility</p:attrName>
+                                        </p:attrNameLst>
+                                      </p:cBhvr>
+                                      <p:to>
+                                        <p:strVal val="visible"/>
+                                      </p:to>
+                                    </p:set>
+                                    <p:anim calcmode="lin" valueType="num">
+                                      <p:cBhvr additive="base">
+                                        <p:cTn id="25" dur="500" fill="hold"/>
+                                        <p:tgtEl>
+                                          <p:spTgt spid="3">
+                                            <p:txEl>
+                                              <p:pRg st="4" end="4"/>
+                                            </p:txEl>
+                                          </p:spTgt>
+                                        </p:tgtEl>
+                                        <p:attrNameLst>
+                                          <p:attrName>ppt_x</p:attrName>
+                                        </p:attrNameLst>
+                                      </p:cBhvr>
+                                      <p:tavLst>
+                                        <p:tav tm="0">
+                                          <p:val>
+                                            <p:strVal val="1+#ppt_w/2"/>
+                                          </p:val>
+                                        </p:tav>
+                                        <p:tav tm="100000">
+                                          <p:val>
+                                            <p:strVal val="#ppt_x"/>
+                                          </p:val>
+                                        </p:tav>
+                                      </p:tavLst>
+                                    </p:anim>
+                                    <p:anim calcmode="lin" valueType="num">
+                                      <p:cBhvr additive="base">
+                                        <p:cTn id="26" dur="500" fill="hold"/>
+                                        <p:tgtEl>
+                                          <p:spTgt spid="3">
+                                            <p:txEl>
+                                              <p:pRg st="4" end="4"/>
+                                            </p:txEl>
+                                          </p:spTgt>
+                                        </p:tgtEl>
+                                        <p:attrNameLst>
+                                          <p:attrName>ppt_y</p:attrName>
+                                        </p:attrNameLst>
+                                      </p:cBhvr>
+                                      <p:tavLst>
+                                        <p:tav tm="0">
+                                          <p:val>
+                                            <p:strVal val="#ppt_y"/>
+                                          </p:val>
+                                        </p:tav>
+                                        <p:tav tm="100000">
+                                          <p:val>
+                                            <p:strVal val="#ppt_y"/>
+                                          </p:val>
+                                        </p:tav>
+                                      </p:tavLst>
+                                    </p:anim>
+                                  </p:childTnLst>
+                                </p:cTn>
+                              </p:par>
+                            </p:childTnLst>
+                          </p:cTn>
+                        </p:par>
+                      </p:childTnLst>
+                    </p:cTn>
+                  </p:par>
+                  <p:par>
+                    <p:cTn id="27" fill="hold">
+                      <p:stCondLst>
+                        <p:cond delay="indefinite"/>
+                      </p:stCondLst>
+                      <p:childTnLst>
+                        <p:par>
+                          <p:cTn id="28" fill="hold">
+                            <p:stCondLst>
+                              <p:cond delay="0"/>
+                            </p:stCondLst>
+                            <p:childTnLst>
+                              <p:par>
+                                <p:cTn id="29" presetID="2" presetClass="entr" presetSubtype="2" fill="hold" nodeType="clickEffect">
+                                  <p:stCondLst>
+                                    <p:cond delay="0"/>
+                                  </p:stCondLst>
+                                  <p:childTnLst>
+                                    <p:set>
+                                      <p:cBhvr>
+                                        <p:cTn id="30" dur="1" fill="hold">
+                                          <p:stCondLst>
+                                            <p:cond delay="0"/>
+                                          </p:stCondLst>
+                                        </p:cTn>
+                                        <p:tgtEl>
+                                          <p:spTgt spid="3">
+                                            <p:txEl>
+                                              <p:pRg st="5" end="5"/>
+                                            </p:txEl>
+                                          </p:spTgt>
+                                        </p:tgtEl>
+                                        <p:attrNameLst>
+                                          <p:attrName>style.visibility</p:attrName>
+                                        </p:attrNameLst>
+                                      </p:cBhvr>
+                                      <p:to>
+                                        <p:strVal val="visible"/>
+                                      </p:to>
+                                    </p:set>
+                                    <p:anim calcmode="lin" valueType="num">
+                                      <p:cBhvr additive="base">
+                                        <p:cTn id="31" dur="500" fill="hold"/>
+                                        <p:tgtEl>
+                                          <p:spTgt spid="3">
+                                            <p:txEl>
+                                              <p:pRg st="5" end="5"/>
+                                            </p:txEl>
+                                          </p:spTgt>
+                                        </p:tgtEl>
+                                        <p:attrNameLst>
+                                          <p:attrName>ppt_x</p:attrName>
+                                        </p:attrNameLst>
+                                      </p:cBhvr>
+                                      <p:tavLst>
+                                        <p:tav tm="0">
+                                          <p:val>
+                                            <p:strVal val="1+#ppt_w/2"/>
+                                          </p:val>
+                                        </p:tav>
+                                        <p:tav tm="100000">
+                                          <p:val>
+                                            <p:strVal val="#ppt_x"/>
+                                          </p:val>
+                                        </p:tav>
+                                      </p:tavLst>
+                                    </p:anim>
+                                    <p:anim calcmode="lin" valueType="num">
+                                      <p:cBhvr additive="base">
+                                        <p:cTn id="32" dur="500" fill="hold"/>
+                                        <p:tgtEl>
+                                          <p:spTgt spid="3">
+                                            <p:txEl>
+                                              <p:pRg st="5" end="5"/>
+                                            </p:txEl>
+                                          </p:spTgt>
+                                        </p:tgtEl>
+                                        <p:attrNameLst>
+                                          <p:attrName>ppt_y</p:attrName>
+                                        </p:attrNameLst>
+                                      </p:cBhvr>
+                                      <p:tavLst>
+                                        <p:tav tm="0">
+                                          <p:val>
+                                            <p:strVal val="#ppt_y"/>
+                                          </p:val>
+                                        </p:tav>
+                                        <p:tav tm="100000">
+                                          <p:val>
+                                            <p:strVal val="#ppt_y"/>
+                                          </p:val>
+                                        </p:tav>
+                                      </p:tavLst>
+                                    </p:anim>
+                                  </p:childTnLst>
+                                </p:cTn>
+                              </p:par>
+                            </p:childTnLst>
+                          </p:cTn>
+                        </p:par>
+                      </p:childTnLst>
+                    </p:cTn>
+                  </p:par>
+                  <p:par>
+                    <p:cTn id="33" fill="hold">
+                      <p:stCondLst>
+                        <p:cond delay="indefinite"/>
+                      </p:stCondLst>
+                      <p:childTnLst>
+                        <p:par>
+                          <p:cTn id="34" fill="hold">
+                            <p:stCondLst>
+                              <p:cond delay="0"/>
+                            </p:stCondLst>
+                            <p:childTnLst>
+                              <p:par>
+                                <p:cTn id="35" presetID="2" presetClass="entr" presetSubtype="2" fill="hold" nodeType="clickEffect">
+                                  <p:stCondLst>
+                                    <p:cond delay="0"/>
+                                  </p:stCondLst>
+                                  <p:childTnLst>
+                                    <p:set>
+                                      <p:cBhvr>
+                                        <p:cTn id="36" dur="1" fill="hold">
+                                          <p:stCondLst>
+                                            <p:cond delay="0"/>
+                                          </p:stCondLst>
+                                        </p:cTn>
+                                        <p:tgtEl>
+                                          <p:spTgt spid="3">
+                                            <p:txEl>
+                                              <p:pRg st="6" end="6"/>
+                                            </p:txEl>
+                                          </p:spTgt>
+                                        </p:tgtEl>
+                                        <p:attrNameLst>
+                                          <p:attrName>style.visibility</p:attrName>
+                                        </p:attrNameLst>
+                                      </p:cBhvr>
+                                      <p:to>
+                                        <p:strVal val="visible"/>
+                                      </p:to>
+                                    </p:set>
+                                    <p:anim calcmode="lin" valueType="num">
+                                      <p:cBhvr additive="base">
+                                        <p:cTn id="37" dur="500" fill="hold"/>
+                                        <p:tgtEl>
+                                          <p:spTgt spid="3">
+                                            <p:txEl>
+                                              <p:pRg st="6" end="6"/>
+                                            </p:txEl>
+                                          </p:spTgt>
+                                        </p:tgtEl>
+                                        <p:attrNameLst>
+                                          <p:attrName>ppt_x</p:attrName>
+                                        </p:attrNameLst>
+                                      </p:cBhvr>
+                                      <p:tavLst>
+                                        <p:tav tm="0">
+                                          <p:val>
+                                            <p:strVal val="1+#ppt_w/2"/>
+                                          </p:val>
+                                        </p:tav>
+                                        <p:tav tm="100000">
+                                          <p:val>
+                                            <p:strVal val="#ppt_x"/>
+                                          </p:val>
+                                        </p:tav>
+                                      </p:tavLst>
+                                    </p:anim>
+                                    <p:anim calcmode="lin" valueType="num">
+                                      <p:cBhvr additive="base">
+                                        <p:cTn id="38" dur="500" fill="hold"/>
+                                        <p:tgtEl>
+                                          <p:spTgt spid="3">
+                                            <p:txEl>
+                                              <p:pRg st="6" end="6"/>
+                                            </p:txEl>
+                                          </p:spTgt>
+                                        </p:tgtEl>
+                                        <p:attrNameLst>
+                                          <p:attrName>ppt_y</p:attrName>
+                                        </p:attrNameLst>
+                                      </p:cBhvr>
+                                      <p:tavLst>
+                                        <p:tav tm="0">
+                                          <p:val>
+                                            <p:strVal val="#ppt_y"/>
+                                          </p:val>
+                                        </p:tav>
+                                        <p:tav tm="100000">
+                                          <p:val>
+                                            <p:strVal val="#ppt_y"/>
+                                          </p:val>
+                                        </p:tav>
+                                      </p:tavLst>
+                                    </p:anim>
+                                  </p:childTnLst>
+                                </p:cTn>
+                              </p:par>
+                            </p:childTnLst>
+                          </p:cTn>
+                        </p:par>
+                      </p:childTnLst>
+                    </p:cTn>
+                  </p:par>
+                  <p:par>
+                    <p:cTn id="39" fill="hold">
+                      <p:stCondLst>
+                        <p:cond delay="indefinite"/>
+                      </p:stCondLst>
+                      <p:childTnLst>
+                        <p:par>
+                          <p:cTn id="40" fill="hold">
+                            <p:stCondLst>
+                              <p:cond delay="0"/>
+                            </p:stCondLst>
+                            <p:childTnLst>
+                              <p:par>
+                                <p:cTn id="41" presetID="2" presetClass="entr" presetSubtype="2" fill="hold" nodeType="clickEffect">
+                                  <p:stCondLst>
+                                    <p:cond delay="0"/>
+                                  </p:stCondLst>
+                                  <p:childTnLst>
+                                    <p:set>
+                                      <p:cBhvr>
+                                        <p:cTn id="42" dur="1" fill="hold">
+                                          <p:stCondLst>
+                                            <p:cond delay="0"/>
+                                          </p:stCondLst>
+                                        </p:cTn>
+                                        <p:tgtEl>
+                                          <p:spTgt spid="3">
+                                            <p:txEl>
+                                              <p:pRg st="7" end="7"/>
+                                            </p:txEl>
+                                          </p:spTgt>
+                                        </p:tgtEl>
+                                        <p:attrNameLst>
+                                          <p:attrName>style.visibility</p:attrName>
+                                        </p:attrNameLst>
+                                      </p:cBhvr>
+                                      <p:to>
+                                        <p:strVal val="visible"/>
+                                      </p:to>
+                                    </p:set>
+                                    <p:anim calcmode="lin" valueType="num">
+                                      <p:cBhvr additive="base">
+                                        <p:cTn id="43" dur="500" fill="hold"/>
+                                        <p:tgtEl>
+                                          <p:spTgt spid="3">
+                                            <p:txEl>
+                                              <p:pRg st="7" end="7"/>
+                                            </p:txEl>
+                                          </p:spTgt>
+                                        </p:tgtEl>
+                                        <p:attrNameLst>
+                                          <p:attrName>ppt_x</p:attrName>
+                                        </p:attrNameLst>
+                                      </p:cBhvr>
+                                      <p:tavLst>
+                                        <p:tav tm="0">
+                                          <p:val>
+                                            <p:strVal val="1+#ppt_w/2"/>
+                                          </p:val>
+                                        </p:tav>
+                                        <p:tav tm="100000">
+                                          <p:val>
+                                            <p:strVal val="#ppt_x"/>
+                                          </p:val>
+                                        </p:tav>
+                                      </p:tavLst>
+                                    </p:anim>
+                                    <p:anim calcmode="lin" valueType="num">
+                                      <p:cBhvr additive="base">
+                                        <p:cTn id="44" dur="500" fill="hold"/>
+                                        <p:tgtEl>
+                                          <p:spTgt spid="3">
+                                            <p:txEl>
+                                              <p:pRg st="7" end="7"/>
+                                            </p:txEl>
+                                          </p:spTgt>
+                                        </p:tgtEl>
+                                        <p:attrNameLst>
+                                          <p:attrName>ppt_y</p:attrName>
+                                        </p:attrNameLst>
+                                      </p:cBhvr>
+                                      <p:tavLst>
+                                        <p:tav tm="0">
+                                          <p:val>
+                                            <p:strVal val="#ppt_y"/>
+                                          </p:val>
+                                        </p:tav>
+                                        <p:tav tm="100000">
+                                          <p:val>
+                                            <p:strVal val="#ppt_y"/>
+                                          </p:val>
+                                        </p:tav>
+                                      </p:tavLst>
+                                    </p:anim>
+                                  </p:childTnLst>
+                                </p:cTn>
+                              </p:par>
+                            </p:childTnLst>
+                          </p:cTn>
+                        </p:par>
+                      </p:childTnLst>
+                    </p:cTn>
+                  </p:par>
+                  <p:par>
+                    <p:cTn id="45" fill="hold">
+                      <p:stCondLst>
+                        <p:cond delay="indefinite"/>
+                      </p:stCondLst>
+                      <p:childTnLst>
+                        <p:par>
+                          <p:cTn id="46" fill="hold">
+                            <p:stCondLst>
+                              <p:cond delay="0"/>
+                            </p:stCondLst>
+                            <p:childTnLst>
+                              <p:par>
+                                <p:cTn id="47" presetID="2" presetClass="entr" presetSubtype="2" fill="hold" nodeType="clickEffect">
+                                  <p:stCondLst>
+                                    <p:cond delay="0"/>
+                                  </p:stCondLst>
+                                  <p:childTnLst>
+                                    <p:set>
+                                      <p:cBhvr>
+                                        <p:cTn id="48" dur="1" fill="hold">
+                                          <p:stCondLst>
+                                            <p:cond delay="0"/>
+                                          </p:stCondLst>
+                                        </p:cTn>
+                                        <p:tgtEl>
+                                          <p:spTgt spid="3">
+                                            <p:txEl>
+                                              <p:pRg st="8" end="8"/>
+                                            </p:txEl>
+                                          </p:spTgt>
+                                        </p:tgtEl>
+                                        <p:attrNameLst>
+                                          <p:attrName>style.visibility</p:attrName>
+                                        </p:attrNameLst>
+                                      </p:cBhvr>
+                                      <p:to>
+                                        <p:strVal val="visible"/>
+                                      </p:to>
+                                    </p:set>
+                                    <p:anim calcmode="lin" valueType="num">
+                                      <p:cBhvr additive="base">
+                                        <p:cTn id="49" dur="500" fill="hold"/>
+                                        <p:tgtEl>
+                                          <p:spTgt spid="3">
+                                            <p:txEl>
+                                              <p:pRg st="8" end="8"/>
+                                            </p:txEl>
+                                          </p:spTgt>
+                                        </p:tgtEl>
+                                        <p:attrNameLst>
+                                          <p:attrName>ppt_x</p:attrName>
+                                        </p:attrNameLst>
+                                      </p:cBhvr>
+                                      <p:tavLst>
+                                        <p:tav tm="0">
+                                          <p:val>
+                                            <p:strVal val="1+#ppt_w/2"/>
+                                          </p:val>
+                                        </p:tav>
+                                        <p:tav tm="100000">
+                                          <p:val>
+                                            <p:strVal val="#ppt_x"/>
+                                          </p:val>
+                                        </p:tav>
+                                      </p:tavLst>
+                                    </p:anim>
+                                    <p:anim calcmode="lin" valueType="num">
+                                      <p:cBhvr additive="base">
+                                        <p:cTn id="50" dur="500" fill="hold"/>
+                                        <p:tgtEl>
+                                          <p:spTgt spid="3">
+                                            <p:txEl>
+                                              <p:pRg st="8" end="8"/>
+                                            </p:txEl>
+                                          </p:spTgt>
+                                        </p:tgtEl>
+                                        <p:attrNameLst>
+                                          <p:attrName>ppt_y</p:attrName>
+                                        </p:attrNameLst>
+                                      </p:cBhvr>
+                                      <p:tavLst>
+                                        <p:tav tm="0">
+                                          <p:val>
+                                            <p:strVal val="#ppt_y"/>
+                                          </p:val>
+                                        </p:tav>
+                                        <p:tav tm="100000">
+                                          <p:val>
+                                            <p:strVal val="#ppt_y"/>
+                                          </p:val>
+                                        </p:tav>
+                                      </p:tavLst>
+                                    </p:anim>
+                                  </p:childTnLst>
+                                </p:cTn>
+                              </p:par>
+                            </p:childTnLst>
+                          </p:cTn>
+                        </p:par>
+                      </p:childTnLst>
+                    </p:cTn>
+                  </p:par>
+                  <p:par>
+                    <p:cTn id="51" fill="hold">
+                      <p:stCondLst>
+                        <p:cond delay="indefinite"/>
+                      </p:stCondLst>
+                      <p:childTnLst>
+                        <p:par>
+                          <p:cTn id="52" fill="hold">
+                            <p:stCondLst>
+                              <p:cond delay="0"/>
+                            </p:stCondLst>
+                            <p:childTnLst>
+                              <p:par>
+                                <p:cTn id="53" presetID="2" presetClass="entr" presetSubtype="2" fill="hold" nodeType="clickEffect">
+                                  <p:stCondLst>
+                                    <p:cond delay="0"/>
+                                  </p:stCondLst>
+                                  <p:childTnLst>
+                                    <p:set>
+                                      <p:cBhvr>
+                                        <p:cTn id="54" dur="1" fill="hold">
+                                          <p:stCondLst>
+                                            <p:cond delay="0"/>
+                                          </p:stCondLst>
+                                        </p:cTn>
+                                        <p:tgtEl>
+                                          <p:spTgt spid="3">
+                                            <p:txEl>
+                                              <p:pRg st="9" end="9"/>
+                                            </p:txEl>
+                                          </p:spTgt>
+                                        </p:tgtEl>
+                                        <p:attrNameLst>
+                                          <p:attrName>style.visibility</p:attrName>
+                                        </p:attrNameLst>
+                                      </p:cBhvr>
+                                      <p:to>
+                                        <p:strVal val="visible"/>
+                                      </p:to>
+                                    </p:set>
+                                    <p:anim calcmode="lin" valueType="num">
+                                      <p:cBhvr additive="base">
+                                        <p:cTn id="55" dur="500" fill="hold"/>
+                                        <p:tgtEl>
+                                          <p:spTgt spid="3">
+                                            <p:txEl>
+                                              <p:pRg st="9" end="9"/>
+                                            </p:txEl>
+                                          </p:spTgt>
+                                        </p:tgtEl>
+                                        <p:attrNameLst>
+                                          <p:attrName>ppt_x</p:attrName>
+                                        </p:attrNameLst>
+                                      </p:cBhvr>
+                                      <p:tavLst>
+                                        <p:tav tm="0">
+                                          <p:val>
+                                            <p:strVal val="1+#ppt_w/2"/>
+                                          </p:val>
+                                        </p:tav>
+                                        <p:tav tm="100000">
+                                          <p:val>
+                                            <p:strVal val="#ppt_x"/>
+                                          </p:val>
+                                        </p:tav>
+                                      </p:tavLst>
+                                    </p:anim>
+                                    <p:anim calcmode="lin" valueType="num">
+                                      <p:cBhvr additive="base">
+                                        <p:cTn id="56" dur="500" fill="hold"/>
+                                        <p:tgtEl>
+                                          <p:spTgt spid="3">
+                                            <p:txEl>
+                                              <p:pRg st="9" end="9"/>
+                                            </p:txEl>
+                                          </p:spTgt>
+                                        </p:tgtEl>
+                                        <p:attrNameLst>
+                                          <p:attrName>ppt_y</p:attrName>
+                                        </p:attrNameLst>
+                                      </p:cBhvr>
+                                      <p:tavLst>
+                                        <p:tav tm="0">
+                                          <p:val>
+                                            <p:strVal val="#ppt_y"/>
+                                          </p:val>
+                                        </p:tav>
+                                        <p:tav tm="100000">
+                                          <p:val>
+                                            <p:strVal val="#ppt_y"/>
+                                          </p:val>
+                                        </p:tav>
+                                      </p:tavLst>
+                                    </p:anim>
+                                  </p:childTnLst>
+                                </p:cTn>
+                              </p:par>
+                            </p:childTnLst>
+                          </p:cTn>
+                        </p:par>
+                      </p:childTnLst>
+                    </p:cTn>
+                  </p:par>
+                </p:childTnLst>
+              </p:cTn>
+              <p:prevCondLst>
+                <p:cond evt="onPrev" delay="0">
+                  <p:tgtEl>
+                    <p:sldTgt/>
+                  </p:tgtEl>
+                </p:cond>
+              </p:prevCondLst>
+              <p:nextCondLst>
+                <p:cond evt="onNext" delay="0">
+                  <p:tgtEl>
+                    <p:sldTgt/>
+                  </p:tgtEl>
+                </p:cond>
+              </p:nextCondLst>
+            </p:seq>
+          </p:childTnLst>
+        </p:cTn>
+      </p:par>
+    </p:tnLst>
+  </p:timing>
+</p:sld>
+</file>
+
+<file path=ppt/slides/slide6.xml><?xml version="1.0" encoding="utf-8"?>
+<p:sld xmlns:a="http://schemas.openxmlformats.org/drawingml/2006/main" xmlns:r="http://schemas.openxmlformats.org/officeDocument/2006/relationships" xmlns:p="http://schemas.openxmlformats.org/presentationml/2006/main">
+  <p:cSld>
+    <p:spTree>
+      <p:nvGrpSpPr>
+        <p:cNvPr id="1" name=""/>
+        <p:cNvGrpSpPr/>
+        <p:nvPr/>
+      </p:nvGrpSpPr>
+      <p:grpSpPr>
+        <a:xfrm>
+          <a:off x="0" y="0"/>
+          <a:ext cx="0" cy="0"/>
+          <a:chOff x="0" y="0"/>
+          <a:chExt cx="0" cy="0"/>
+        </a:xfrm>
+      </p:grpSpPr>
+      <p:sp>
+        <p:nvSpPr>
+          <p:cNvPr id="4" name="Title 3"/>
+          <p:cNvSpPr>
+            <a:spLocks noGrp="1"/>
+          </p:cNvSpPr>
+          <p:nvPr>
+            <p:ph type="title"/>
+          </p:nvPr>
+        </p:nvSpPr>
+        <p:spPr/>
+        <p:txBody>
+          <a:bodyPr/>
+          <a:lstStyle/>
+          <a:p>
+            <a:r>
+              <a:rPr lang="en-US" dirty="0" smtClean="0"/>
+              <a:t>Demo – Get-</a:t>
+            </a:r>
+            <a:r>
+              <a:rPr lang="en-US" dirty="0" err="1" smtClean="0"/>
+              <a:t>Git</a:t>
+            </a:r>
+            <a:endParaRPr lang="en-US" dirty="0"/>
+          </a:p>
+        </p:txBody>
+      </p:sp>
+      <p:sp>
+        <p:nvSpPr>
+          <p:cNvPr id="5" name="Text Placeholder 4"/>
+          <p:cNvSpPr>
+            <a:spLocks noGrp="1"/>
+          </p:cNvSpPr>
+          <p:nvPr>
+            <p:ph type="body" idx="1"/>
+          </p:nvPr>
+        </p:nvSpPr>
+        <p:spPr/>
+        <p:txBody>
+          <a:bodyPr/>
+          <a:lstStyle/>
+          <a:p>
+            <a:endParaRPr lang="en-US"/>
+          </a:p>
+        </p:txBody>
+      </p:sp>
+    </p:spTree>
+    <p:extLst>
+      <p:ext uri="{BB962C8B-B14F-4D97-AF65-F5344CB8AC3E}">
+        <p14:creationId xmlns:p14="http://schemas.microsoft.com/office/powerpoint/2010/main" val="1088266331"/>
+      </p:ext>
+    </p:extLst>
+  </p:cSld>
+  <p:clrMapOvr>
+    <a:masterClrMapping/>
+  </p:clrMapOvr>
+  <p:timing>
+    <p:tnLst>
+      <p:par>
+        <p:cTn id="1" dur="indefinite" restart="never" nodeType="tmRoot"/>
+      </p:par>
+    </p:tnLst>
+  </p:timing>
 </p:sld>
 </file>
 
 <file path=ppt/theme/theme1.xml><?xml version="1.0" encoding="utf-8"?>
-<a:theme xmlns:a="http://schemas.openxmlformats.org/drawingml/2006/main" name="Blank">
+<a:theme xmlns:a="http://schemas.openxmlformats.org/drawingml/2006/main" name="Berlin">
   <a:themeElements>
-    <a:clrScheme name="Office">
+    <a:clrScheme name="Berlin">
       <a:dk1>
         <a:sysClr val="windowText" lastClr="000000"/>
       </a:dk1>
@@ -3518,39 +10656,39 @@
         <a:sysClr val="window" lastClr="FFFFFF"/>
       </a:lt1>
       <a:dk2>
-        <a:srgbClr val="6E747A"/>
+        <a:srgbClr val="9D360E"/>
       </a:dk2>
       <a:lt2>
         <a:srgbClr val="E7E6E6"/>
       </a:lt2>
       <a:accent1>
-        <a:srgbClr val="5B9BD5"/>
+        <a:srgbClr val="F09415"/>
       </a:accent1>
       <a:accent2>
-        <a:srgbClr val="ED7D31"/>
+        <a:srgbClr val="C1B56B"/>
       </a:accent2>
       <a:accent3>
-        <a:srgbClr val="A5A5A5"/>
+        <a:srgbClr val="4BAF73"/>
       </a:accent3>
       <a:accent4>
-        <a:srgbClr val="FFC000"/>
+        <a:srgbClr val="5AA6C0"/>
       </a:accent4>
       <a:accent5>
-        <a:srgbClr val="4472C4"/>
+        <a:srgbClr val="D17DF9"/>
       </a:accent5>
       <a:accent6>
-        <a:srgbClr val="70AD47"/>
+        <a:srgbClr val="FA7E5C"/>
       </a:accent6>
       <a:hlink>
-        <a:srgbClr val="085296"/>
+        <a:srgbClr val="FFAE3E"/>
       </a:hlink>
       <a:folHlink>
-        <a:srgbClr val="993366"/>
+        <a:srgbClr val="FCC77E"/>
       </a:folHlink>
     </a:clrScheme>
-    <a:fontScheme name="Office">
+    <a:fontScheme name="Berlin">
       <a:majorFont>
-        <a:latin typeface="Calibri"/>
+        <a:latin typeface="Trebuchet MS" panose="020B0603020202020204"/>
         <a:ea typeface=""/>
         <a:cs typeface=""/>
         <a:font script="Jpan" typeface="ＭＳ Ｐゴシック"/>
@@ -3585,7 +10723,7 @@
         <a:font script="Geor" typeface="Sylfaen"/>
       </a:majorFont>
       <a:minorFont>
-        <a:latin typeface="Calibri"/>
+        <a:latin typeface="Trebuchet MS" panose="020B0603020202020204"/>
         <a:ea typeface=""/>
         <a:cs typeface=""/>
         <a:font script="Jpan" typeface="ＭＳ Ｐゴシック"/>
@@ -3620,7 +10758,7 @@
         <a:font script="Geor" typeface="Sylfaen"/>
       </a:minorFont>
     </a:fontScheme>
-    <a:fmtScheme name="Office">
+    <a:fmtScheme name="Berlin">
       <a:fillStyleLst>
         <a:solidFill>
           <a:schemeClr val="phClr"/>
@@ -3629,20 +10767,16 @@
           <a:gsLst>
             <a:gs pos="0">
               <a:schemeClr val="phClr">
-                <a:lumMod val="157000"/>
-                <a:satMod val="101000"/>
-              </a:schemeClr>
-            </a:gs>
-            <a:gs pos="50000">
-              <a:schemeClr val="phClr">
-                <a:lumMod val="137000"/>
-                <a:satMod val="103000"/>
+                <a:tint val="60000"/>
+                <a:satMod val="100000"/>
+                <a:lumMod val="110000"/>
               </a:schemeClr>
             </a:gs>
             <a:gs pos="100000">
               <a:schemeClr val="phClr">
-                <a:lumMod val="115000"/>
-                <a:satMod val="109000"/>
+                <a:tint val="70000"/>
+                <a:satMod val="100000"/>
+                <a:lumMod val="100000"/>
               </a:schemeClr>
             </a:gs>
           </a:gsLst>
@@ -3652,19 +10786,23 @@
           <a:gsLst>
             <a:gs pos="0">
               <a:schemeClr val="phClr">
+                <a:tint val="94000"/>
                 <a:satMod val="103000"/>
-                <a:lumMod val="118000"/>
+                <a:lumMod val="102000"/>
               </a:schemeClr>
             </a:gs>
             <a:gs pos="50000">
               <a:schemeClr val="phClr">
-                <a:satMod val="89000"/>
-                <a:lumMod val="91000"/>
+                <a:shade val="100000"/>
+                <a:satMod val="110000"/>
+                <a:lumMod val="100000"/>
               </a:schemeClr>
             </a:gs>
             <a:gs pos="100000">
               <a:schemeClr val="phClr">
-                <a:lumMod val="69000"/>
+                <a:shade val="78000"/>
+                <a:satMod val="120000"/>
+                <a:lumMod val="99000"/>
               </a:schemeClr>
             </a:gs>
           </a:gsLst>
@@ -3672,7 +10810,7 @@
         </a:gradFill>
       </a:fillStyleLst>
       <a:lnStyleLst>
-        <a:ln w="6350" cap="flat" cmpd="sng" algn="ctr">
+        <a:ln w="9525" cap="flat" cmpd="sng" algn="ctr">
           <a:solidFill>
             <a:schemeClr val="phClr"/>
           </a:solidFill>
@@ -3712,50 +10850,51 @@
         <a:solidFill>
           <a:schemeClr val="phClr"/>
         </a:solidFill>
+        <a:solidFill>
+          <a:schemeClr val="phClr">
+            <a:tint val="95000"/>
+            <a:satMod val="170000"/>
+          </a:schemeClr>
+        </a:solidFill>
         <a:gradFill rotWithShape="1">
           <a:gsLst>
             <a:gs pos="0">
               <a:schemeClr val="phClr">
-                <a:tint val="100000"/>
-                <a:satMod val="100000"/>
-                <a:shade val="0"/>
+                <a:tint val="96000"/>
+                <a:shade val="100000"/>
+                <a:hueMod val="270000"/>
+                <a:satMod val="200000"/>
+                <a:lumMod val="128000"/>
               </a:schemeClr>
             </a:gs>
-            <a:gs pos="0">
-              <a:scrgbClr r="0" g="0" b="0"/>
-            </a:gs>
-            <a:gs pos="100000">
+            <a:gs pos="50000">
               <a:schemeClr val="phClr">
                 <a:shade val="100000"/>
-                <a:satMod val="100000"/>
-              </a:schemeClr>
-            </a:gs>
-          </a:gsLst>
-          <a:lin ang="5400000" scaled="0"/>
-        </a:gradFill>
-        <a:gradFill rotWithShape="1">
-          <a:gsLst>
-            <a:gs pos="0">
-              <a:schemeClr val="phClr">
-                <a:tint val="80000"/>
-                <a:satMod val="300000"/>
+                <a:hueMod val="100000"/>
+                <a:satMod val="110000"/>
+                <a:lumMod val="130000"/>
               </a:schemeClr>
             </a:gs>
             <a:gs pos="100000">
               <a:schemeClr val="phClr">
-                <a:shade val="30000"/>
+                <a:shade val="78000"/>
+                <a:hueMod val="44000"/>
                 <a:satMod val="200000"/>
+                <a:lumMod val="69000"/>
               </a:schemeClr>
             </a:gs>
           </a:gsLst>
-          <a:path path="circle">
-            <a:fillToRect l="50000" t="50000" r="50000" b="50000"/>
-          </a:path>
+          <a:lin ang="2520000" scaled="0"/>
         </a:gradFill>
       </a:bgFillStyleLst>
     </a:fmtScheme>
   </a:themeElements>
   <a:objectDefaults/>
   <a:extraClrSchemeLst/>
+  <a:extLst>
+    <a:ext uri="{05A4C25C-085E-4340-85A3-A5531E510DB2}">
+      <thm15:themeFamily xmlns:thm15="http://schemas.microsoft.com/office/thememl/2012/main" name="Berlin" id="{7B5DBA9E-B069-418E-9360-A61BDD0615A4}" vid="{C0CBE056-4EF4-4D92-969E-947779DA7AAA}"/>
+    </a:ext>
+  </a:extLst>
 </a:theme>
 </file>
--- a/Source Control for IT Pros.pptx
+++ b/Source Control for IT Pros.pptx
@@ -11,6 +11,7 @@
     <p:sldId id="261" r:id="rId5"/>
     <p:sldId id="260" r:id="rId6"/>
     <p:sldId id="262" r:id="rId7"/>
+    <p:sldId id="263" r:id="rId8"/>
   </p:sldIdLst>
   <p:sldSz cx="12192000" cy="6858000"/>
   <p:notesSz cx="6858000" cy="9144000"/>
@@ -391,7 +392,7 @@
           <a:p>
             <a:fld id="{346E5E81-2ED8-4512-8620-486D144720FF}" type="datetimeFigureOut">
               <a:rPr lang="en-US" smtClean="0"/>
-              <a:t>4/16/2013</a:t>
+              <a:t>4/22/2013</a:t>
             </a:fld>
             <a:endParaRPr lang="en-US"/>
           </a:p>
@@ -805,7 +806,7 @@
           <a:p>
             <a:fld id="{346E5E81-2ED8-4512-8620-486D144720FF}" type="datetimeFigureOut">
               <a:rPr lang="en-US" smtClean="0"/>
-              <a:t>4/16/2013</a:t>
+              <a:t>4/22/2013</a:t>
             </a:fld>
             <a:endParaRPr lang="en-US"/>
           </a:p>
@@ -1141,7 +1142,7 @@
           <a:p>
             <a:fld id="{346E5E81-2ED8-4512-8620-486D144720FF}" type="datetimeFigureOut">
               <a:rPr lang="en-US" smtClean="0"/>
-              <a:t>4/16/2013</a:t>
+              <a:t>4/22/2013</a:t>
             </a:fld>
             <a:endParaRPr lang="en-US"/>
           </a:p>
@@ -1546,7 +1547,7 @@
           <a:p>
             <a:fld id="{346E5E81-2ED8-4512-8620-486D144720FF}" type="datetimeFigureOut">
               <a:rPr lang="en-US" smtClean="0"/>
-              <a:t>4/16/2013</a:t>
+              <a:t>4/22/2013</a:t>
             </a:fld>
             <a:endParaRPr lang="en-US"/>
           </a:p>
@@ -2114,7 +2115,7 @@
           <a:p>
             <a:fld id="{346E5E81-2ED8-4512-8620-486D144720FF}" type="datetimeFigureOut">
               <a:rPr lang="en-US" smtClean="0"/>
-              <a:t>4/16/2013</a:t>
+              <a:t>4/22/2013</a:t>
             </a:fld>
             <a:endParaRPr lang="en-US"/>
           </a:p>
@@ -2795,7 +2796,7 @@
           <a:p>
             <a:fld id="{346E5E81-2ED8-4512-8620-486D144720FF}" type="datetimeFigureOut">
               <a:rPr lang="en-US" smtClean="0"/>
-              <a:t>4/16/2013</a:t>
+              <a:t>4/22/2013</a:t>
             </a:fld>
             <a:endParaRPr lang="en-US"/>
           </a:p>
@@ -3708,7 +3709,7 @@
           <a:p>
             <a:fld id="{346E5E81-2ED8-4512-8620-486D144720FF}" type="datetimeFigureOut">
               <a:rPr lang="en-US" smtClean="0"/>
-              <a:t>4/16/2013</a:t>
+              <a:t>4/22/2013</a:t>
             </a:fld>
             <a:endParaRPr lang="en-US"/>
           </a:p>
@@ -4021,7 +4022,7 @@
           <a:p>
             <a:fld id="{346E5E81-2ED8-4512-8620-486D144720FF}" type="datetimeFigureOut">
               <a:rPr lang="en-US" smtClean="0"/>
-              <a:t>4/16/2013</a:t>
+              <a:t>4/22/2013</a:t>
             </a:fld>
             <a:endParaRPr lang="en-US"/>
           </a:p>
@@ -4285,7 +4286,7 @@
           <a:p>
             <a:fld id="{346E5E81-2ED8-4512-8620-486D144720FF}" type="datetimeFigureOut">
               <a:rPr lang="en-US" smtClean="0"/>
-              <a:t>4/16/2013</a:t>
+              <a:t>4/22/2013</a:t>
             </a:fld>
             <a:endParaRPr lang="en-US"/>
           </a:p>
@@ -4608,7 +4609,7 @@
           <a:p>
             <a:fld id="{346E5E81-2ED8-4512-8620-486D144720FF}" type="datetimeFigureOut">
               <a:rPr lang="en-US" smtClean="0"/>
-              <a:t>4/16/2013</a:t>
+              <a:t>4/22/2013</a:t>
             </a:fld>
             <a:endParaRPr lang="en-US"/>
           </a:p>
@@ -4997,7 +4998,7 @@
           <a:p>
             <a:fld id="{346E5E81-2ED8-4512-8620-486D144720FF}" type="datetimeFigureOut">
               <a:rPr lang="en-US" smtClean="0"/>
-              <a:t>4/16/2013</a:t>
+              <a:t>4/22/2013</a:t>
             </a:fld>
             <a:endParaRPr lang="en-US"/>
           </a:p>
@@ -5373,7 +5374,7 @@
           <a:p>
             <a:fld id="{346E5E81-2ED8-4512-8620-486D144720FF}" type="datetimeFigureOut">
               <a:rPr lang="en-US" smtClean="0"/>
-              <a:t>4/16/2013</a:t>
+              <a:t>4/22/2013</a:t>
             </a:fld>
             <a:endParaRPr lang="en-US"/>
           </a:p>
@@ -5879,7 +5880,7 @@
           <a:p>
             <a:fld id="{346E5E81-2ED8-4512-8620-486D144720FF}" type="datetimeFigureOut">
               <a:rPr lang="en-US" smtClean="0"/>
-              <a:t>4/16/2013</a:t>
+              <a:t>4/22/2013</a:t>
             </a:fld>
             <a:endParaRPr lang="en-US"/>
           </a:p>
@@ -6136,7 +6137,7 @@
           <a:p>
             <a:fld id="{346E5E81-2ED8-4512-8620-486D144720FF}" type="datetimeFigureOut">
               <a:rPr lang="en-US" smtClean="0"/>
-              <a:t>4/16/2013</a:t>
+              <a:t>4/22/2013</a:t>
             </a:fld>
             <a:endParaRPr lang="en-US"/>
           </a:p>
@@ -6299,7 +6300,7 @@
           <a:p>
             <a:fld id="{346E5E81-2ED8-4512-8620-486D144720FF}" type="datetimeFigureOut">
               <a:rPr lang="en-US" smtClean="0"/>
-              <a:t>4/16/2013</a:t>
+              <a:t>4/22/2013</a:t>
             </a:fld>
             <a:endParaRPr lang="en-US"/>
           </a:p>
@@ -6689,7 +6690,7 @@
           <a:p>
             <a:fld id="{346E5E81-2ED8-4512-8620-486D144720FF}" type="datetimeFigureOut">
               <a:rPr lang="en-US" smtClean="0"/>
-              <a:t>4/16/2013</a:t>
+              <a:t>4/22/2013</a:t>
             </a:fld>
             <a:endParaRPr lang="en-US"/>
           </a:p>
@@ -7098,7 +7099,7 @@
           <a:p>
             <a:fld id="{346E5E81-2ED8-4512-8620-486D144720FF}" type="datetimeFigureOut">
               <a:rPr lang="en-US" smtClean="0"/>
-              <a:t>4/16/2013</a:t>
+              <a:t>4/22/2013</a:t>
             </a:fld>
             <a:endParaRPr lang="en-US"/>
           </a:p>
@@ -7342,7 +7343,7 @@
           <a:p>
             <a:fld id="{346E5E81-2ED8-4512-8620-486D144720FF}" type="datetimeFigureOut">
               <a:rPr lang="en-US" smtClean="0"/>
-              <a:t>4/16/2013</a:t>
+              <a:t>4/22/2013</a:t>
             </a:fld>
             <a:endParaRPr lang="en-US"/>
           </a:p>
@@ -9546,7 +9547,6 @@
               <a:rPr lang="en-US" dirty="0" smtClean="0"/>
               <a:t>Support for GIT</a:t>
             </a:r>
-            <a:endParaRPr lang="en-US" dirty="0" smtClean="0"/>
           </a:p>
           <a:p>
             <a:pPr lvl="1"/>
@@ -9563,11 +9563,7 @@
             <a:pPr lvl="1"/>
             <a:r>
               <a:rPr lang="en-US" dirty="0" smtClean="0"/>
-              <a:t>Gives you the rope you need to hang </a:t>
-            </a:r>
-            <a:r>
-              <a:rPr lang="en-US" dirty="0" smtClean="0"/>
-              <a:t>yourself</a:t>
+              <a:t>Gives you the rope you need to hang yourself</a:t>
             </a:r>
           </a:p>
           <a:p>
@@ -9576,7 +9572,6 @@
               <a:rPr lang="en-US" dirty="0" smtClean="0"/>
               <a:t>Great for single person working on a project</a:t>
             </a:r>
-            <a:endParaRPr lang="en-US" dirty="0" smtClean="0"/>
           </a:p>
           <a:p>
             <a:pPr marL="0" indent="0">
@@ -10645,6 +10640,188 @@
 </p:sld>
 </file>
 
+<file path=ppt/slides/slide7.xml><?xml version="1.0" encoding="utf-8"?>
+<p:sld xmlns:a="http://schemas.openxmlformats.org/drawingml/2006/main" xmlns:r="http://schemas.openxmlformats.org/officeDocument/2006/relationships" xmlns:p="http://schemas.openxmlformats.org/presentationml/2006/main">
+  <p:cSld>
+    <p:spTree>
+      <p:nvGrpSpPr>
+        <p:cNvPr id="1" name=""/>
+        <p:cNvGrpSpPr/>
+        <p:nvPr/>
+      </p:nvGrpSpPr>
+      <p:grpSpPr>
+        <a:xfrm>
+          <a:off x="0" y="0"/>
+          <a:ext cx="0" cy="0"/>
+          <a:chOff x="0" y="0"/>
+          <a:chExt cx="0" cy="0"/>
+        </a:xfrm>
+      </p:grpSpPr>
+      <p:sp>
+        <p:nvSpPr>
+          <p:cNvPr id="2" name="Title 1"/>
+          <p:cNvSpPr>
+            <a:spLocks noGrp="1"/>
+          </p:cNvSpPr>
+          <p:nvPr>
+            <p:ph type="title"/>
+          </p:nvPr>
+        </p:nvSpPr>
+        <p:spPr/>
+        <p:txBody>
+          <a:bodyPr/>
+          <a:lstStyle/>
+          <a:p>
+            <a:r>
+              <a:rPr lang="en-US" dirty="0" smtClean="0"/>
+              <a:t>References/Resources</a:t>
+            </a:r>
+            <a:endParaRPr lang="en-US" dirty="0"/>
+          </a:p>
+        </p:txBody>
+      </p:sp>
+      <p:sp>
+        <p:nvSpPr>
+          <p:cNvPr id="3" name="Content Placeholder 2"/>
+          <p:cNvSpPr>
+            <a:spLocks noGrp="1"/>
+          </p:cNvSpPr>
+          <p:nvPr>
+            <p:ph idx="1"/>
+          </p:nvPr>
+        </p:nvSpPr>
+        <p:spPr/>
+        <p:txBody>
+          <a:bodyPr>
+            <a:normAutofit lnSpcReduction="10000"/>
+          </a:bodyPr>
+          <a:lstStyle/>
+          <a:p>
+            <a:r>
+              <a:rPr lang="en-US" dirty="0" smtClean="0"/>
+              <a:t>Try </a:t>
+            </a:r>
+            <a:r>
+              <a:rPr lang="en-US" dirty="0" err="1" smtClean="0"/>
+              <a:t>Git</a:t>
+            </a:r>
+            <a:endParaRPr lang="en-US" dirty="0" smtClean="0"/>
+          </a:p>
+          <a:p>
+            <a:pPr lvl="1"/>
+            <a:r>
+              <a:rPr lang="en-US" dirty="0">
+                <a:hlinkClick r:id="rId2"/>
+              </a:rPr>
+              <a:t>http://try.github.io/levels/1/challenges/1</a:t>
+            </a:r>
+            <a:endParaRPr lang="en-US" dirty="0" smtClean="0"/>
+          </a:p>
+          <a:p>
+            <a:r>
+              <a:rPr lang="en-US" dirty="0" err="1" smtClean="0"/>
+              <a:t>Git</a:t>
+            </a:r>
+            <a:r>
+              <a:rPr lang="en-US" dirty="0" smtClean="0"/>
+              <a:t> for 4 </a:t>
+            </a:r>
+            <a:r>
+              <a:rPr lang="en-US" dirty="0" err="1" smtClean="0"/>
+              <a:t>yrs</a:t>
+            </a:r>
+            <a:r>
+              <a:rPr lang="en-US" dirty="0" smtClean="0"/>
+              <a:t> and up </a:t>
+            </a:r>
+          </a:p>
+          <a:p>
+            <a:pPr lvl="1"/>
+            <a:r>
+              <a:rPr lang="en-US" dirty="0">
+                <a:hlinkClick r:id="rId3"/>
+              </a:rPr>
+              <a:t>http://</a:t>
+            </a:r>
+            <a:r>
+              <a:rPr lang="en-US" dirty="0" smtClean="0">
+                <a:hlinkClick r:id="rId3"/>
+              </a:rPr>
+              <a:t>2010.osdc.com.au/proposal/196/git-ages-4-and</a:t>
+            </a:r>
+            <a:endParaRPr lang="en-US" dirty="0" smtClean="0"/>
+          </a:p>
+          <a:p>
+            <a:r>
+              <a:rPr lang="en-US" dirty="0" err="1" smtClean="0"/>
+              <a:t>Github</a:t>
+            </a:r>
+            <a:endParaRPr lang="en-US" dirty="0"/>
+          </a:p>
+          <a:p>
+            <a:pPr lvl="1"/>
+            <a:r>
+              <a:rPr lang="en-US" dirty="0" smtClean="0">
+                <a:hlinkClick r:id="rId4"/>
+              </a:rPr>
+              <a:t>http://www.github.com</a:t>
+            </a:r>
+            <a:endParaRPr lang="en-US" dirty="0" smtClean="0"/>
+          </a:p>
+          <a:p>
+            <a:r>
+              <a:rPr lang="en-US" dirty="0" err="1" smtClean="0"/>
+              <a:t>Bitbucket</a:t>
+            </a:r>
+            <a:endParaRPr lang="en-US" dirty="0" smtClean="0"/>
+          </a:p>
+          <a:p>
+            <a:pPr lvl="1"/>
+            <a:r>
+              <a:rPr lang="en-US" dirty="0" smtClean="0">
+                <a:hlinkClick r:id="rId5"/>
+              </a:rPr>
+              <a:t>http://bitbucket.org</a:t>
+            </a:r>
+            <a:endParaRPr lang="en-US" dirty="0" smtClean="0"/>
+          </a:p>
+          <a:p>
+            <a:r>
+              <a:rPr lang="en-US" dirty="0" smtClean="0"/>
+              <a:t>TFS in the Cloud</a:t>
+            </a:r>
+          </a:p>
+          <a:p>
+            <a:pPr lvl="1"/>
+            <a:r>
+              <a:rPr lang="en-US" dirty="0" smtClean="0">
+                <a:hlinkClick r:id="rId6"/>
+              </a:rPr>
+              <a:t>http://tfs.visualstudio.com</a:t>
+            </a:r>
+            <a:r>
+              <a:rPr lang="en-US" dirty="0" smtClean="0"/>
+              <a:t> </a:t>
+            </a:r>
+          </a:p>
+          <a:p>
+            <a:endParaRPr lang="en-US" dirty="0"/>
+          </a:p>
+        </p:txBody>
+      </p:sp>
+    </p:spTree>
+    <p:extLst>
+      <p:ext uri="{BB962C8B-B14F-4D97-AF65-F5344CB8AC3E}">
+        <p14:creationId xmlns:p14="http://schemas.microsoft.com/office/powerpoint/2010/main" val="4016747251"/>
+      </p:ext>
+    </p:extLst>
+  </p:cSld>
+  <p:clrMapOvr>
+    <a:masterClrMapping/>
+  </p:clrMapOvr>
+</p:sld>
+</file>
+
 <file path=ppt/theme/theme1.xml><?xml version="1.0" encoding="utf-8"?>
 <a:theme xmlns:a="http://schemas.openxmlformats.org/drawingml/2006/main" name="Berlin">
   <a:themeElements>
